--- a/Sprint1Presentation.pptx
+++ b/Sprint1Presentation.pptx
@@ -5,10 +5,10 @@
     <p:sldMasterId id="2147483672" r:id="rId2"/>
   </p:sldMasterIdLst>
   <p:notesMasterIdLst>
-    <p:notesMasterId r:id="rId21"/>
+    <p:notesMasterId r:id="rId15"/>
   </p:notesMasterIdLst>
   <p:handoutMasterIdLst>
-    <p:handoutMasterId r:id="rId22"/>
+    <p:handoutMasterId r:id="rId16"/>
   </p:handoutMasterIdLst>
   <p:sldIdLst>
     <p:sldId id="270" r:id="rId3"/>
@@ -17,18 +17,12 @@
     <p:sldId id="273" r:id="rId6"/>
     <p:sldId id="274" r:id="rId7"/>
     <p:sldId id="275" r:id="rId8"/>
-    <p:sldId id="287" r:id="rId9"/>
-    <p:sldId id="276" r:id="rId10"/>
-    <p:sldId id="277" r:id="rId11"/>
-    <p:sldId id="278" r:id="rId12"/>
-    <p:sldId id="279" r:id="rId13"/>
-    <p:sldId id="280" r:id="rId14"/>
-    <p:sldId id="281" r:id="rId15"/>
-    <p:sldId id="282" r:id="rId16"/>
-    <p:sldId id="284" r:id="rId17"/>
-    <p:sldId id="283" r:id="rId18"/>
-    <p:sldId id="285" r:id="rId19"/>
-    <p:sldId id="286" r:id="rId20"/>
+    <p:sldId id="276" r:id="rId9"/>
+    <p:sldId id="282" r:id="rId10"/>
+    <p:sldId id="284" r:id="rId11"/>
+    <p:sldId id="283" r:id="rId12"/>
+    <p:sldId id="285" r:id="rId13"/>
+    <p:sldId id="286" r:id="rId14"/>
   </p:sldIdLst>
   <p:sldSz cx="12192000" cy="6858000"/>
   <p:notesSz cx="6858000" cy="9144000"/>
@@ -129,7 +123,7 @@
   </p:defaultTextStyle>
   <p:extLst>
     <p:ext uri="{EFAFB233-063F-42B5-8137-9DF3F51BA10A}">
-      <p15:sldGuideLst xmlns:p15="http://schemas.microsoft.com/office/powerpoint/2012/main">
+      <p15:sldGuideLst xmlns:p15="http://schemas.microsoft.com/office/powerpoint/2012/main" xmlns="">
         <p15:guide id="1" orient="horz" pos="2160">
           <p15:clr>
             <a:srgbClr val="A4A3A4"/>
@@ -143,7 +137,7 @@
       </p15:sldGuideLst>
     </p:ext>
     <p:ext uri="{2D200454-40CA-4A62-9FC3-DE9A4176ACB9}">
-      <p15:notesGuideLst xmlns:p15="http://schemas.microsoft.com/office/powerpoint/2012/main"/>
+      <p15:notesGuideLst xmlns:p15="http://schemas.microsoft.com/office/powerpoint/2012/main" xmlns=""/>
     </p:ext>
   </p:extLst>
 </p:presentation>
@@ -231,7 +225,7 @@
           <a:p>
             <a:fld id="{65700FC0-9E7A-4C53-8A3B-3C3C9A736C42}" type="datetimeFigureOut">
               <a:rPr lang="en-US" smtClean="0"/>
-              <a:t>4/5/17</a:t>
+              <a:t>4/17/17</a:t>
             </a:fld>
             <a:endParaRPr lang="en-US"/>
           </a:p>
@@ -396,7 +390,7 @@
           <a:p>
             <a:fld id="{8AF122B6-E47E-4A80-A9F3-23FD10D674FE}" type="datetimeFigureOut">
               <a:rPr lang="en-US" smtClean="0"/>
-              <a:t>4/5/17</a:t>
+              <a:t>4/17/17</a:t>
             </a:fld>
             <a:endParaRPr lang="en-US"/>
           </a:p>
@@ -707,7 +701,7 @@
             <a:fld id="{349BF3EA-1A78-4F07-BDC0-C8A1BD461199}" type="datetimeFigureOut">
               <a:rPr lang="en-US" smtClean="0"/>
               <a:pPr/>
-              <a:t>4/5/17</a:t>
+              <a:t>4/17/17</a:t>
             </a:fld>
             <a:endParaRPr lang="en-US"/>
           </a:p>
@@ -1068,7 +1062,7 @@
           <a:p>
             <a:fld id="{349BF3EA-1A78-4F07-BDC0-C8A1BD461199}" type="datetimeFigureOut">
               <a:rPr lang="en-US" smtClean="0"/>
-              <a:t>4/5/17</a:t>
+              <a:t>4/17/17</a:t>
             </a:fld>
             <a:endParaRPr lang="en-US"/>
           </a:p>
@@ -1266,7 +1260,7 @@
           <a:p>
             <a:fld id="{349BF3EA-1A78-4F07-BDC0-C8A1BD461199}" type="datetimeFigureOut">
               <a:rPr lang="en-US" smtClean="0"/>
-              <a:t>4/5/17</a:t>
+              <a:t>4/17/17</a:t>
             </a:fld>
             <a:endParaRPr lang="en-US"/>
           </a:p>
@@ -1514,7 +1508,7 @@
           <a:p>
             <a:fld id="{349BF3EA-1A78-4F07-BDC0-C8A1BD461199}" type="datetimeFigureOut">
               <a:rPr lang="en-US" smtClean="0"/>
-              <a:t>4/5/17</a:t>
+              <a:t>4/17/17</a:t>
             </a:fld>
             <a:endParaRPr lang="en-US"/>
           </a:p>
@@ -1785,7 +1779,7 @@
           <a:p>
             <a:fld id="{349BF3EA-1A78-4F07-BDC0-C8A1BD461199}" type="datetimeFigureOut">
               <a:rPr lang="en-US" smtClean="0"/>
-              <a:t>4/5/17</a:t>
+              <a:t>4/17/17</a:t>
             </a:fld>
             <a:endParaRPr lang="en-US"/>
           </a:p>
@@ -2156,7 +2150,7 @@
           <a:p>
             <a:fld id="{349BF3EA-1A78-4F07-BDC0-C8A1BD461199}" type="datetimeFigureOut">
               <a:rPr lang="en-US" smtClean="0"/>
-              <a:t>4/5/17</a:t>
+              <a:t>4/17/17</a:t>
             </a:fld>
             <a:endParaRPr lang="en-US"/>
           </a:p>
@@ -2487,7 +2481,7 @@
           <a:p>
             <a:fld id="{349BF3EA-1A78-4F07-BDC0-C8A1BD461199}" type="datetimeFigureOut">
               <a:rPr lang="en-US" smtClean="0"/>
-              <a:t>4/5/17</a:t>
+              <a:t>4/17/17</a:t>
             </a:fld>
             <a:endParaRPr lang="en-US"/>
           </a:p>
@@ -2742,7 +2736,7 @@
           <a:p>
             <a:fld id="{349BF3EA-1A78-4F07-BDC0-C8A1BD461199}" type="datetimeFigureOut">
               <a:rPr lang="en-US" smtClean="0"/>
-              <a:t>4/5/17</a:t>
+              <a:t>4/17/17</a:t>
             </a:fld>
             <a:endParaRPr lang="en-US"/>
           </a:p>
@@ -2849,7 +2843,7 @@
           <a:p>
             <a:fld id="{349BF3EA-1A78-4F07-BDC0-C8A1BD461199}" type="datetimeFigureOut">
               <a:rPr lang="en-US" smtClean="0"/>
-              <a:t>4/5/17</a:t>
+              <a:t>4/17/17</a:t>
             </a:fld>
             <a:endParaRPr lang="en-US"/>
           </a:p>
@@ -3148,7 +3142,7 @@
           <a:p>
             <a:fld id="{349BF3EA-1A78-4F07-BDC0-C8A1BD461199}" type="datetimeFigureOut">
               <a:rPr lang="en-US" smtClean="0"/>
-              <a:t>4/5/17</a:t>
+              <a:t>4/17/17</a:t>
             </a:fld>
             <a:endParaRPr lang="en-US"/>
           </a:p>
@@ -3436,7 +3430,7 @@
           <a:p>
             <a:fld id="{349BF3EA-1A78-4F07-BDC0-C8A1BD461199}" type="datetimeFigureOut">
               <a:rPr lang="en-US" smtClean="0"/>
-              <a:t>4/5/17</a:t>
+              <a:t>4/17/17</a:t>
             </a:fld>
             <a:endParaRPr lang="en-US"/>
           </a:p>
@@ -3566,7 +3560,7 @@
             <a:fld id="{349BF3EA-1A78-4F07-BDC0-C8A1BD461199}" type="datetimeFigureOut">
               <a:rPr lang="en-US" smtClean="0"/>
               <a:pPr/>
-              <a:t>4/5/17</a:t>
+              <a:t>4/17/17</a:t>
             </a:fld>
             <a:endParaRPr lang="en-US"/>
           </a:p>
@@ -3897,7 +3891,7 @@
   <p:timing>
     <p:tnLst>
       <p:par>
-        <p:cTn id="1" dur="indefinite" restart="never" nodeType="tmRoot"/>
+        <p:cTn xmlns:p14="http://schemas.microsoft.com/office/powerpoint/2010/main" id="1" dur="indefinite" restart="never" nodeType="tmRoot"/>
       </p:par>
     </p:tnLst>
   </p:timing>
@@ -4280,7 +4274,7 @@
   <p:timing>
     <p:tnLst>
       <p:par>
-        <p:cTn id="1" dur="indefinite" restart="never" nodeType="tmRoot"/>
+        <p:cTn xmlns:p14="http://schemas.microsoft.com/office/powerpoint/2010/main" id="1" dur="indefinite" restart="never" nodeType="tmRoot"/>
       </p:par>
     </p:tnLst>
   </p:timing>
@@ -4288,2970 +4282,6 @@
 </file>
 
 <file path=ppt/slides/slide10.xml><?xml version="1.0" encoding="utf-8"?>
-<p:sld xmlns:a="http://schemas.openxmlformats.org/drawingml/2006/main" xmlns:r="http://schemas.openxmlformats.org/officeDocument/2006/relationships" xmlns:p="http://schemas.openxmlformats.org/presentationml/2006/main">
-  <p:cSld>
-    <p:spTree>
-      <p:nvGrpSpPr>
-        <p:cNvPr id="1" name=""/>
-        <p:cNvGrpSpPr/>
-        <p:nvPr/>
-      </p:nvGrpSpPr>
-      <p:grpSpPr>
-        <a:xfrm>
-          <a:off x="0" y="0"/>
-          <a:ext cx="0" cy="0"/>
-          <a:chOff x="0" y="0"/>
-          <a:chExt cx="0" cy="0"/>
-        </a:xfrm>
-      </p:grpSpPr>
-      <p:sp>
-        <p:nvSpPr>
-          <p:cNvPr id="2" name="Title 1"/>
-          <p:cNvSpPr>
-            <a:spLocks noGrp="1"/>
-          </p:cNvSpPr>
-          <p:nvPr>
-            <p:ph type="title"/>
-          </p:nvPr>
-        </p:nvSpPr>
-        <p:spPr/>
-        <p:txBody>
-          <a:bodyPr/>
-          <a:lstStyle/>
-          <a:p>
-            <a:r>
-              <a:rPr lang="en-US" dirty="0"/>
-              <a:t>Effort Estimate Assumptions</a:t>
-            </a:r>
-          </a:p>
-        </p:txBody>
-      </p:sp>
-      <p:graphicFrame>
-        <p:nvGraphicFramePr>
-          <p:cNvPr id="4" name="Content Placeholder 3"/>
-          <p:cNvGraphicFramePr>
-            <a:graphicFrameLocks noGrp="1"/>
-          </p:cNvGraphicFramePr>
-          <p:nvPr>
-            <p:ph idx="1"/>
-            <p:extLst>
-              <p:ext uri="{D42A27DB-BD31-4B8C-83A1-F6EECF244321}">
-                <p14:modId xmlns:p14="http://schemas.microsoft.com/office/powerpoint/2010/main" val="1934685410"/>
-              </p:ext>
-            </p:extLst>
-          </p:nvPr>
-        </p:nvGraphicFramePr>
-        <p:xfrm>
-          <a:off x="609600" y="1600200"/>
-          <a:ext cx="10972800" cy="2908300"/>
-        </p:xfrm>
-        <a:graphic>
-          <a:graphicData uri="http://schemas.openxmlformats.org/drawingml/2006/table">
-            <a:tbl>
-              <a:tblPr firstRow="1" bandRow="1">
-                <a:tableStyleId>{5C22544A-7EE6-4342-B048-85BDC9FD1C3A}</a:tableStyleId>
-              </a:tblPr>
-              <a:tblGrid>
-                <a:gridCol w="2743200">
-                  <a:extLst>
-                    <a:ext uri="{9D8B030D-6E8A-4147-A177-3AD203B41FA5}">
-                      <a16:colId xmlns:a16="http://schemas.microsoft.com/office/drawing/2014/main" xmlns="" val="4007007747"/>
-                    </a:ext>
-                  </a:extLst>
-                </a:gridCol>
-                <a:gridCol w="2743200">
-                  <a:extLst>
-                    <a:ext uri="{9D8B030D-6E8A-4147-A177-3AD203B41FA5}">
-                      <a16:colId xmlns:a16="http://schemas.microsoft.com/office/drawing/2014/main" xmlns="" val="2089765381"/>
-                    </a:ext>
-                  </a:extLst>
-                </a:gridCol>
-                <a:gridCol w="2743200">
-                  <a:extLst>
-                    <a:ext uri="{9D8B030D-6E8A-4147-A177-3AD203B41FA5}">
-                      <a16:colId xmlns:a16="http://schemas.microsoft.com/office/drawing/2014/main" xmlns="" val="2946535250"/>
-                    </a:ext>
-                  </a:extLst>
-                </a:gridCol>
-                <a:gridCol w="2743200">
-                  <a:extLst>
-                    <a:ext uri="{9D8B030D-6E8A-4147-A177-3AD203B41FA5}">
-                      <a16:colId xmlns:a16="http://schemas.microsoft.com/office/drawing/2014/main" xmlns="" val="2232881725"/>
-                    </a:ext>
-                  </a:extLst>
-                </a:gridCol>
-              </a:tblGrid>
-              <a:tr h="370840">
-                <a:tc>
-                  <a:txBody>
-                    <a:bodyPr/>
-                    <a:lstStyle/>
-                    <a:p>
-                      <a:r>
-                        <a:rPr lang="en-US" dirty="0" smtClean="0"/>
-                        <a:t>Screen/Report</a:t>
-                      </a:r>
-                      <a:endParaRPr lang="en-US" dirty="0"/>
-                    </a:p>
-                  </a:txBody>
-                  <a:tcPr/>
-                </a:tc>
-                <a:tc>
-                  <a:txBody>
-                    <a:bodyPr/>
-                    <a:lstStyle/>
-                    <a:p>
-                      <a:r>
-                        <a:rPr lang="en-US" dirty="0" smtClean="0"/>
-                        <a:t>Complexity</a:t>
-                      </a:r>
-                      <a:endParaRPr lang="en-US" dirty="0"/>
-                    </a:p>
-                  </a:txBody>
-                  <a:tcPr/>
-                </a:tc>
-                <a:tc>
-                  <a:txBody>
-                    <a:bodyPr/>
-                    <a:lstStyle/>
-                    <a:p>
-                      <a:r>
-                        <a:rPr lang="en-US" dirty="0" smtClean="0"/>
-                        <a:t>Object Points</a:t>
-                      </a:r>
-                      <a:endParaRPr lang="en-US" dirty="0"/>
-                    </a:p>
-                  </a:txBody>
-                  <a:tcPr/>
-                </a:tc>
-                <a:tc>
-                  <a:txBody>
-                    <a:bodyPr/>
-                    <a:lstStyle/>
-                    <a:p>
-                      <a:r>
-                        <a:rPr lang="en-US" dirty="0" smtClean="0"/>
-                        <a:t>Notes</a:t>
-                      </a:r>
-                      <a:endParaRPr lang="en-US" dirty="0"/>
-                    </a:p>
-                  </a:txBody>
-                  <a:tcPr/>
-                </a:tc>
-                <a:extLst>
-                  <a:ext uri="{0D108BD9-81ED-4DB2-BD59-A6C34878D82A}">
-                    <a16:rowId xmlns:a16="http://schemas.microsoft.com/office/drawing/2014/main" xmlns="" val="2585052838"/>
-                  </a:ext>
-                </a:extLst>
-              </a:tr>
-              <a:tr h="370840">
-                <a:tc>
-                  <a:txBody>
-                    <a:bodyPr/>
-                    <a:lstStyle/>
-                    <a:p>
-                      <a:r>
-                        <a:rPr lang="en-US" dirty="0">
-                          <a:effectLst/>
-                        </a:rPr>
-                        <a:t>Take Building Tour</a:t>
-                      </a:r>
-                    </a:p>
-                  </a:txBody>
-                  <a:tcPr marL="123825" marR="123825" marT="57150" marB="57150" anchor="ctr"/>
-                </a:tc>
-                <a:tc>
-                  <a:txBody>
-                    <a:bodyPr/>
-                    <a:lstStyle/>
-                    <a:p>
-                      <a:r>
-                        <a:rPr lang="en-US">
-                          <a:effectLst/>
-                        </a:rPr>
-                        <a:t>2</a:t>
-                      </a:r>
-                    </a:p>
-                  </a:txBody>
-                  <a:tcPr marL="123825" marR="123825" marT="57150" marB="57150" anchor="ctr"/>
-                </a:tc>
-                <a:tc>
-                  <a:txBody>
-                    <a:bodyPr/>
-                    <a:lstStyle/>
-                    <a:p>
-                      <a:r>
-                        <a:rPr lang="en-US">
-                          <a:effectLst/>
-                        </a:rPr>
-                        <a:t>2</a:t>
-                      </a:r>
-                    </a:p>
-                  </a:txBody>
-                  <a:tcPr marL="123825" marR="123825" marT="57150" marB="57150" anchor="ctr"/>
-                </a:tc>
-                <a:tc>
-                  <a:txBody>
-                    <a:bodyPr/>
-                    <a:lstStyle/>
-                    <a:p>
-                      <a:r>
-                        <a:rPr lang="en-US">
-                          <a:effectLst/>
-                        </a:rPr>
-                        <a:t>Screen will be constructed by Drury's location and individual location from data source.</a:t>
-                      </a:r>
-                    </a:p>
-                  </a:txBody>
-                  <a:tcPr marL="123825" marR="123825" marT="57150" marB="57150" anchor="ctr"/>
-                </a:tc>
-                <a:extLst>
-                  <a:ext uri="{0D108BD9-81ED-4DB2-BD59-A6C34878D82A}">
-                    <a16:rowId xmlns:a16="http://schemas.microsoft.com/office/drawing/2014/main" xmlns="" val="4002715652"/>
-                  </a:ext>
-                </a:extLst>
-              </a:tr>
-              <a:tr h="370840">
-                <a:tc>
-                  <a:txBody>
-                    <a:bodyPr/>
-                    <a:lstStyle/>
-                    <a:p>
-                      <a:r>
-                        <a:rPr lang="en-US" b="1">
-                          <a:effectLst/>
-                        </a:rPr>
-                        <a:t>Subscreen</a:t>
-                      </a:r>
-                      <a:endParaRPr lang="en-US">
-                        <a:effectLst/>
-                      </a:endParaRPr>
-                    </a:p>
-                  </a:txBody>
-                  <a:tcPr marL="123825" marR="123825" marT="57150" marB="57150" anchor="ctr"/>
-                </a:tc>
-                <a:tc>
-                  <a:txBody>
-                    <a:bodyPr/>
-                    <a:lstStyle/>
-                    <a:p>
-                      <a:endParaRPr lang="en-US">
-                        <a:effectLst/>
-                      </a:endParaRPr>
-                    </a:p>
-                  </a:txBody>
-                  <a:tcPr marL="123825" marR="123825" marT="57150" marB="57150" anchor="ctr"/>
-                </a:tc>
-                <a:tc>
-                  <a:txBody>
-                    <a:bodyPr/>
-                    <a:lstStyle/>
-                    <a:p>
-                      <a:endParaRPr lang="en-US">
-                        <a:effectLst/>
-                      </a:endParaRPr>
-                    </a:p>
-                  </a:txBody>
-                  <a:tcPr marL="123825" marR="123825" marT="57150" marB="57150" anchor="ctr"/>
-                </a:tc>
-                <a:tc>
-                  <a:txBody>
-                    <a:bodyPr/>
-                    <a:lstStyle/>
-                    <a:p>
-                      <a:endParaRPr lang="en-US">
-                        <a:effectLst/>
-                      </a:endParaRPr>
-                    </a:p>
-                  </a:txBody>
-                  <a:tcPr marL="123825" marR="123825" marT="57150" marB="57150" anchor="ctr"/>
-                </a:tc>
-                <a:extLst>
-                  <a:ext uri="{0D108BD9-81ED-4DB2-BD59-A6C34878D82A}">
-                    <a16:rowId xmlns:a16="http://schemas.microsoft.com/office/drawing/2014/main" xmlns="" val="2947406717"/>
-                  </a:ext>
-                </a:extLst>
-              </a:tr>
-              <a:tr h="370840">
-                <a:tc>
-                  <a:txBody>
-                    <a:bodyPr/>
-                    <a:lstStyle/>
-                    <a:p>
-                      <a:r>
-                        <a:rPr lang="en-US" dirty="0">
-                          <a:effectLst/>
-                        </a:rPr>
-                        <a:t>Read </a:t>
-                      </a:r>
-                      <a:r>
-                        <a:rPr lang="en-US">
-                          <a:effectLst/>
-                        </a:rPr>
-                        <a:t>About </a:t>
-                      </a:r>
-                      <a:r>
-                        <a:rPr lang="en-US" smtClean="0">
-                          <a:effectLst/>
-                        </a:rPr>
-                        <a:t>Building</a:t>
-                      </a:r>
-                      <a:r>
-                        <a:rPr lang="en-US" baseline="0" smtClean="0">
-                          <a:effectLst/>
-                        </a:rPr>
-                        <a:t> </a:t>
-                      </a:r>
-                      <a:endParaRPr lang="en-US" dirty="0">
-                        <a:effectLst/>
-                      </a:endParaRPr>
-                    </a:p>
-                  </a:txBody>
-                  <a:tcPr marL="123825" marR="123825" marT="57150" marB="57150" anchor="ctr"/>
-                </a:tc>
-                <a:tc>
-                  <a:txBody>
-                    <a:bodyPr/>
-                    <a:lstStyle/>
-                    <a:p>
-                      <a:r>
-                        <a:rPr lang="en-US">
-                          <a:effectLst/>
-                        </a:rPr>
-                        <a:t>1</a:t>
-                      </a:r>
-                    </a:p>
-                  </a:txBody>
-                  <a:tcPr marL="123825" marR="123825" marT="57150" marB="57150" anchor="ctr"/>
-                </a:tc>
-                <a:tc>
-                  <a:txBody>
-                    <a:bodyPr/>
-                    <a:lstStyle/>
-                    <a:p>
-                      <a:r>
-                        <a:rPr lang="en-US">
-                          <a:effectLst/>
-                        </a:rPr>
-                        <a:t>1</a:t>
-                      </a:r>
-                    </a:p>
-                  </a:txBody>
-                  <a:tcPr marL="123825" marR="123825" marT="57150" marB="57150" anchor="ctr"/>
-                </a:tc>
-                <a:tc>
-                  <a:txBody>
-                    <a:bodyPr/>
-                    <a:lstStyle/>
-                    <a:p>
-                      <a:r>
-                        <a:rPr lang="en-US" dirty="0">
-                          <a:effectLst/>
-                        </a:rPr>
-                        <a:t>Simple text with some images on screen.</a:t>
-                      </a:r>
-                    </a:p>
-                  </a:txBody>
-                  <a:tcPr marL="123825" marR="123825" marT="57150" marB="57150" anchor="ctr"/>
-                </a:tc>
-                <a:extLst>
-                  <a:ext uri="{0D108BD9-81ED-4DB2-BD59-A6C34878D82A}">
-                    <a16:rowId xmlns:a16="http://schemas.microsoft.com/office/drawing/2014/main" xmlns="" val="864418350"/>
-                  </a:ext>
-                </a:extLst>
-              </a:tr>
-            </a:tbl>
-          </a:graphicData>
-        </a:graphic>
-      </p:graphicFrame>
-      <p:pic>
-        <p:nvPicPr>
-          <p:cNvPr id="5" name="Picture 4" descr="TeamLogo.png"/>
-          <p:cNvPicPr>
-            <a:picLocks noChangeAspect="1"/>
-          </p:cNvPicPr>
-          <p:nvPr/>
-        </p:nvPicPr>
-        <p:blipFill>
-          <a:blip r:embed="rId2">
-            <a:extLst>
-              <a:ext uri="{28A0092B-C50C-407E-A947-70E740481C1C}">
-                <a14:useLocalDpi xmlns:a14="http://schemas.microsoft.com/office/drawing/2010/main" val="0"/>
-              </a:ext>
-            </a:extLst>
-          </a:blip>
-          <a:stretch>
-            <a:fillRect/>
-          </a:stretch>
-        </p:blipFill>
-        <p:spPr>
-          <a:xfrm>
-            <a:off x="11220623" y="206756"/>
-            <a:ext cx="742103" cy="989471"/>
-          </a:xfrm>
-          <a:prstGeom prst="rect">
-            <a:avLst/>
-          </a:prstGeom>
-        </p:spPr>
-      </p:pic>
-      <p:sp>
-        <p:nvSpPr>
-          <p:cNvPr id="6" name="TextBox 5"/>
-          <p:cNvSpPr txBox="1"/>
-          <p:nvPr/>
-        </p:nvSpPr>
-        <p:spPr>
-          <a:xfrm>
-            <a:off x="1122291" y="6335573"/>
-            <a:ext cx="1629623" cy="369332"/>
-          </a:xfrm>
-          <a:prstGeom prst="rect">
-            <a:avLst/>
-          </a:prstGeom>
-          <a:noFill/>
-        </p:spPr>
-        <p:txBody>
-          <a:bodyPr wrap="none" rtlCol="0">
-            <a:spAutoFit/>
-          </a:bodyPr>
-          <a:lstStyle/>
-          <a:p>
-            <a:r>
-              <a:rPr lang="en-US" dirty="0" smtClean="0"/>
-              <a:t>Code Monkey</a:t>
-            </a:r>
-            <a:endParaRPr lang="en-US" dirty="0"/>
-          </a:p>
-        </p:txBody>
-      </p:sp>
-      <p:sp>
-        <p:nvSpPr>
-          <p:cNvPr id="7" name="TextBox 6"/>
-          <p:cNvSpPr txBox="1"/>
-          <p:nvPr/>
-        </p:nvSpPr>
-        <p:spPr>
-          <a:xfrm>
-            <a:off x="9499907" y="6369826"/>
-            <a:ext cx="1478703" cy="369332"/>
-          </a:xfrm>
-          <a:prstGeom prst="rect">
-            <a:avLst/>
-          </a:prstGeom>
-          <a:noFill/>
-        </p:spPr>
-        <p:txBody>
-          <a:bodyPr wrap="none" rtlCol="0">
-            <a:spAutoFit/>
-          </a:bodyPr>
-          <a:lstStyle/>
-          <a:p>
-            <a:r>
-              <a:rPr lang="en-US" dirty="0" smtClean="0"/>
-              <a:t>April 5, 2017</a:t>
-            </a:r>
-            <a:endParaRPr lang="en-US" dirty="0"/>
-          </a:p>
-        </p:txBody>
-      </p:sp>
-    </p:spTree>
-    <p:extLst>
-      <p:ext uri="{BB962C8B-B14F-4D97-AF65-F5344CB8AC3E}">
-        <p14:creationId xmlns:p14="http://schemas.microsoft.com/office/powerpoint/2010/main" val="2519909124"/>
-      </p:ext>
-    </p:extLst>
-  </p:cSld>
-  <p:clrMapOvr>
-    <a:masterClrMapping/>
-  </p:clrMapOvr>
-  <mc:AlternateContent xmlns:mc="http://schemas.openxmlformats.org/markup-compatibility/2006" xmlns:p14="http://schemas.microsoft.com/office/powerpoint/2010/main">
-    <mc:Choice Requires="p14">
-      <p:transition spd="med" p14:dur="700">
-        <p:fade/>
-      </p:transition>
-    </mc:Choice>
-    <mc:Fallback xmlns="">
-      <p:transition spd="med">
-        <p:fade/>
-      </p:transition>
-    </mc:Fallback>
-  </mc:AlternateContent>
-  <p:timing>
-    <p:tnLst>
-      <p:par>
-        <p:cTn id="1" dur="indefinite" restart="never" nodeType="tmRoot"/>
-      </p:par>
-    </p:tnLst>
-  </p:timing>
-</p:sld>
-</file>
-
-<file path=ppt/slides/slide11.xml><?xml version="1.0" encoding="utf-8"?>
-<p:sld xmlns:a="http://schemas.openxmlformats.org/drawingml/2006/main" xmlns:r="http://schemas.openxmlformats.org/officeDocument/2006/relationships" xmlns:p="http://schemas.openxmlformats.org/presentationml/2006/main">
-  <p:cSld>
-    <p:spTree>
-      <p:nvGrpSpPr>
-        <p:cNvPr id="1" name=""/>
-        <p:cNvGrpSpPr/>
-        <p:nvPr/>
-      </p:nvGrpSpPr>
-      <p:grpSpPr>
-        <a:xfrm>
-          <a:off x="0" y="0"/>
-          <a:ext cx="0" cy="0"/>
-          <a:chOff x="0" y="0"/>
-          <a:chExt cx="0" cy="0"/>
-        </a:xfrm>
-      </p:grpSpPr>
-      <p:sp>
-        <p:nvSpPr>
-          <p:cNvPr id="2" name="Title 1"/>
-          <p:cNvSpPr>
-            <a:spLocks noGrp="1"/>
-          </p:cNvSpPr>
-          <p:nvPr>
-            <p:ph type="title"/>
-          </p:nvPr>
-        </p:nvSpPr>
-        <p:spPr/>
-        <p:txBody>
-          <a:bodyPr/>
-          <a:lstStyle/>
-          <a:p>
-            <a:r>
-              <a:rPr lang="en-US" dirty="0"/>
-              <a:t>Effort Estimate Assumptions</a:t>
-            </a:r>
-          </a:p>
-        </p:txBody>
-      </p:sp>
-      <p:graphicFrame>
-        <p:nvGraphicFramePr>
-          <p:cNvPr id="4" name="Content Placeholder 3"/>
-          <p:cNvGraphicFramePr>
-            <a:graphicFrameLocks noGrp="1"/>
-          </p:cNvGraphicFramePr>
-          <p:nvPr>
-            <p:ph idx="1"/>
-            <p:extLst>
-              <p:ext uri="{D42A27DB-BD31-4B8C-83A1-F6EECF244321}">
-                <p14:modId xmlns:p14="http://schemas.microsoft.com/office/powerpoint/2010/main" val="3756915691"/>
-              </p:ext>
-            </p:extLst>
-          </p:nvPr>
-        </p:nvGraphicFramePr>
-        <p:xfrm>
-          <a:off x="609600" y="1600200"/>
-          <a:ext cx="10972800" cy="3182620"/>
-        </p:xfrm>
-        <a:graphic>
-          <a:graphicData uri="http://schemas.openxmlformats.org/drawingml/2006/table">
-            <a:tbl>
-              <a:tblPr firstRow="1" bandRow="1">
-                <a:tableStyleId>{5C22544A-7EE6-4342-B048-85BDC9FD1C3A}</a:tableStyleId>
-              </a:tblPr>
-              <a:tblGrid>
-                <a:gridCol w="2743200">
-                  <a:extLst>
-                    <a:ext uri="{9D8B030D-6E8A-4147-A177-3AD203B41FA5}">
-                      <a16:colId xmlns:a16="http://schemas.microsoft.com/office/drawing/2014/main" xmlns="" val="4007007747"/>
-                    </a:ext>
-                  </a:extLst>
-                </a:gridCol>
-                <a:gridCol w="2743200">
-                  <a:extLst>
-                    <a:ext uri="{9D8B030D-6E8A-4147-A177-3AD203B41FA5}">
-                      <a16:colId xmlns:a16="http://schemas.microsoft.com/office/drawing/2014/main" xmlns="" val="2089765381"/>
-                    </a:ext>
-                  </a:extLst>
-                </a:gridCol>
-                <a:gridCol w="2743200">
-                  <a:extLst>
-                    <a:ext uri="{9D8B030D-6E8A-4147-A177-3AD203B41FA5}">
-                      <a16:colId xmlns:a16="http://schemas.microsoft.com/office/drawing/2014/main" xmlns="" val="2946535250"/>
-                    </a:ext>
-                  </a:extLst>
-                </a:gridCol>
-                <a:gridCol w="2743200">
-                  <a:extLst>
-                    <a:ext uri="{9D8B030D-6E8A-4147-A177-3AD203B41FA5}">
-                      <a16:colId xmlns:a16="http://schemas.microsoft.com/office/drawing/2014/main" xmlns="" val="2232881725"/>
-                    </a:ext>
-                  </a:extLst>
-                </a:gridCol>
-              </a:tblGrid>
-              <a:tr h="370840">
-                <a:tc>
-                  <a:txBody>
-                    <a:bodyPr/>
-                    <a:lstStyle/>
-                    <a:p>
-                      <a:r>
-                        <a:rPr lang="en-US" dirty="0" smtClean="0"/>
-                        <a:t>Screen/Report</a:t>
-                      </a:r>
-                      <a:endParaRPr lang="en-US" dirty="0"/>
-                    </a:p>
-                  </a:txBody>
-                  <a:tcPr/>
-                </a:tc>
-                <a:tc>
-                  <a:txBody>
-                    <a:bodyPr/>
-                    <a:lstStyle/>
-                    <a:p>
-                      <a:r>
-                        <a:rPr lang="en-US" dirty="0" smtClean="0"/>
-                        <a:t>Complexity</a:t>
-                      </a:r>
-                      <a:endParaRPr lang="en-US" dirty="0"/>
-                    </a:p>
-                  </a:txBody>
-                  <a:tcPr/>
-                </a:tc>
-                <a:tc>
-                  <a:txBody>
-                    <a:bodyPr/>
-                    <a:lstStyle/>
-                    <a:p>
-                      <a:r>
-                        <a:rPr lang="en-US" dirty="0" smtClean="0"/>
-                        <a:t>Object Points</a:t>
-                      </a:r>
-                      <a:endParaRPr lang="en-US" dirty="0"/>
-                    </a:p>
-                  </a:txBody>
-                  <a:tcPr/>
-                </a:tc>
-                <a:tc>
-                  <a:txBody>
-                    <a:bodyPr/>
-                    <a:lstStyle/>
-                    <a:p>
-                      <a:r>
-                        <a:rPr lang="en-US" dirty="0" smtClean="0"/>
-                        <a:t>Notes</a:t>
-                      </a:r>
-                      <a:endParaRPr lang="en-US" dirty="0"/>
-                    </a:p>
-                  </a:txBody>
-                  <a:tcPr/>
-                </a:tc>
-                <a:extLst>
-                  <a:ext uri="{0D108BD9-81ED-4DB2-BD59-A6C34878D82A}">
-                    <a16:rowId xmlns:a16="http://schemas.microsoft.com/office/drawing/2014/main" xmlns="" val="2585052838"/>
-                  </a:ext>
-                </a:extLst>
-              </a:tr>
-              <a:tr h="370840">
-                <a:tc>
-                  <a:txBody>
-                    <a:bodyPr/>
-                    <a:lstStyle/>
-                    <a:p>
-                      <a:r>
-                        <a:rPr lang="en-US" dirty="0">
-                          <a:effectLst/>
-                        </a:rPr>
-                        <a:t>Take Grass Tour</a:t>
-                      </a:r>
-                    </a:p>
-                  </a:txBody>
-                  <a:tcPr marL="123825" marR="123825" marT="57150" marB="57150" anchor="ctr"/>
-                </a:tc>
-                <a:tc>
-                  <a:txBody>
-                    <a:bodyPr/>
-                    <a:lstStyle/>
-                    <a:p>
-                      <a:r>
-                        <a:rPr lang="en-US">
-                          <a:effectLst/>
-                        </a:rPr>
-                        <a:t>2</a:t>
-                      </a:r>
-                    </a:p>
-                  </a:txBody>
-                  <a:tcPr marL="123825" marR="123825" marT="57150" marB="57150" anchor="ctr"/>
-                </a:tc>
-                <a:tc>
-                  <a:txBody>
-                    <a:bodyPr/>
-                    <a:lstStyle/>
-                    <a:p>
-                      <a:r>
-                        <a:rPr lang="en-US">
-                          <a:effectLst/>
-                        </a:rPr>
-                        <a:t>2</a:t>
-                      </a:r>
-                    </a:p>
-                  </a:txBody>
-                  <a:tcPr marL="123825" marR="123825" marT="57150" marB="57150" anchor="ctr"/>
-                </a:tc>
-                <a:tc>
-                  <a:txBody>
-                    <a:bodyPr/>
-                    <a:lstStyle/>
-                    <a:p>
-                      <a:r>
-                        <a:rPr lang="en-US">
-                          <a:effectLst/>
-                        </a:rPr>
-                        <a:t>Screen Will be constructed by Drury's location and individual location from data source with grass location.</a:t>
-                      </a:r>
-                    </a:p>
-                  </a:txBody>
-                  <a:tcPr marL="123825" marR="123825" marT="57150" marB="57150" anchor="ctr"/>
-                </a:tc>
-                <a:extLst>
-                  <a:ext uri="{0D108BD9-81ED-4DB2-BD59-A6C34878D82A}">
-                    <a16:rowId xmlns:a16="http://schemas.microsoft.com/office/drawing/2014/main" xmlns="" val="2440870835"/>
-                  </a:ext>
-                </a:extLst>
-              </a:tr>
-              <a:tr h="370840">
-                <a:tc>
-                  <a:txBody>
-                    <a:bodyPr/>
-                    <a:lstStyle/>
-                    <a:p>
-                      <a:r>
-                        <a:rPr lang="en-US" b="1">
-                          <a:effectLst/>
-                        </a:rPr>
-                        <a:t>Subscreen</a:t>
-                      </a:r>
-                      <a:endParaRPr lang="en-US">
-                        <a:effectLst/>
-                      </a:endParaRPr>
-                    </a:p>
-                  </a:txBody>
-                  <a:tcPr marL="123825" marR="123825" marT="57150" marB="57150" anchor="ctr"/>
-                </a:tc>
-                <a:tc>
-                  <a:txBody>
-                    <a:bodyPr/>
-                    <a:lstStyle/>
-                    <a:p>
-                      <a:endParaRPr lang="en-US">
-                        <a:effectLst/>
-                      </a:endParaRPr>
-                    </a:p>
-                  </a:txBody>
-                  <a:tcPr marL="123825" marR="123825" marT="57150" marB="57150" anchor="ctr"/>
-                </a:tc>
-                <a:tc>
-                  <a:txBody>
-                    <a:bodyPr/>
-                    <a:lstStyle/>
-                    <a:p>
-                      <a:endParaRPr lang="en-US">
-                        <a:effectLst/>
-                      </a:endParaRPr>
-                    </a:p>
-                  </a:txBody>
-                  <a:tcPr marL="123825" marR="123825" marT="57150" marB="57150" anchor="ctr"/>
-                </a:tc>
-                <a:tc>
-                  <a:txBody>
-                    <a:bodyPr/>
-                    <a:lstStyle/>
-                    <a:p>
-                      <a:endParaRPr lang="en-US">
-                        <a:effectLst/>
-                      </a:endParaRPr>
-                    </a:p>
-                  </a:txBody>
-                  <a:tcPr marL="123825" marR="123825" marT="57150" marB="57150" anchor="ctr"/>
-                </a:tc>
-                <a:extLst>
-                  <a:ext uri="{0D108BD9-81ED-4DB2-BD59-A6C34878D82A}">
-                    <a16:rowId xmlns:a16="http://schemas.microsoft.com/office/drawing/2014/main" xmlns="" val="3880781591"/>
-                  </a:ext>
-                </a:extLst>
-              </a:tr>
-              <a:tr h="370840">
-                <a:tc>
-                  <a:txBody>
-                    <a:bodyPr/>
-                    <a:lstStyle/>
-                    <a:p>
-                      <a:r>
-                        <a:rPr lang="en-US">
-                          <a:effectLst/>
-                        </a:rPr>
-                        <a:t>Read About Grasses</a:t>
-                      </a:r>
-                    </a:p>
-                  </a:txBody>
-                  <a:tcPr marL="123825" marR="123825" marT="57150" marB="57150" anchor="ctr"/>
-                </a:tc>
-                <a:tc>
-                  <a:txBody>
-                    <a:bodyPr/>
-                    <a:lstStyle/>
-                    <a:p>
-                      <a:r>
-                        <a:rPr lang="en-US">
-                          <a:effectLst/>
-                        </a:rPr>
-                        <a:t>1</a:t>
-                      </a:r>
-                    </a:p>
-                  </a:txBody>
-                  <a:tcPr marL="123825" marR="123825" marT="57150" marB="57150" anchor="ctr"/>
-                </a:tc>
-                <a:tc>
-                  <a:txBody>
-                    <a:bodyPr/>
-                    <a:lstStyle/>
-                    <a:p>
-                      <a:r>
-                        <a:rPr lang="en-US">
-                          <a:effectLst/>
-                        </a:rPr>
-                        <a:t>1</a:t>
-                      </a:r>
-                    </a:p>
-                  </a:txBody>
-                  <a:tcPr marL="123825" marR="123825" marT="57150" marB="57150" anchor="ctr"/>
-                </a:tc>
-                <a:tc>
-                  <a:txBody>
-                    <a:bodyPr/>
-                    <a:lstStyle/>
-                    <a:p>
-                      <a:r>
-                        <a:rPr lang="en-US" dirty="0">
-                          <a:effectLst/>
-                        </a:rPr>
-                        <a:t>Simple text with some images on screen.</a:t>
-                      </a:r>
-                    </a:p>
-                  </a:txBody>
-                  <a:tcPr marL="123825" marR="123825" marT="57150" marB="57150" anchor="ctr"/>
-                </a:tc>
-                <a:extLst>
-                  <a:ext uri="{0D108BD9-81ED-4DB2-BD59-A6C34878D82A}">
-                    <a16:rowId xmlns:a16="http://schemas.microsoft.com/office/drawing/2014/main" xmlns="" val="4195087847"/>
-                  </a:ext>
-                </a:extLst>
-              </a:tr>
-            </a:tbl>
-          </a:graphicData>
-        </a:graphic>
-      </p:graphicFrame>
-      <p:pic>
-        <p:nvPicPr>
-          <p:cNvPr id="5" name="Picture 4" descr="TeamLogo.png"/>
-          <p:cNvPicPr>
-            <a:picLocks noChangeAspect="1"/>
-          </p:cNvPicPr>
-          <p:nvPr/>
-        </p:nvPicPr>
-        <p:blipFill>
-          <a:blip r:embed="rId2">
-            <a:extLst>
-              <a:ext uri="{28A0092B-C50C-407E-A947-70E740481C1C}">
-                <a14:useLocalDpi xmlns:a14="http://schemas.microsoft.com/office/drawing/2010/main" val="0"/>
-              </a:ext>
-            </a:extLst>
-          </a:blip>
-          <a:stretch>
-            <a:fillRect/>
-          </a:stretch>
-        </p:blipFill>
-        <p:spPr>
-          <a:xfrm>
-            <a:off x="11220623" y="206756"/>
-            <a:ext cx="742103" cy="989471"/>
-          </a:xfrm>
-          <a:prstGeom prst="rect">
-            <a:avLst/>
-          </a:prstGeom>
-        </p:spPr>
-      </p:pic>
-      <p:sp>
-        <p:nvSpPr>
-          <p:cNvPr id="6" name="TextBox 5"/>
-          <p:cNvSpPr txBox="1"/>
-          <p:nvPr/>
-        </p:nvSpPr>
-        <p:spPr>
-          <a:xfrm>
-            <a:off x="1122291" y="6335573"/>
-            <a:ext cx="1629623" cy="369332"/>
-          </a:xfrm>
-          <a:prstGeom prst="rect">
-            <a:avLst/>
-          </a:prstGeom>
-          <a:noFill/>
-        </p:spPr>
-        <p:txBody>
-          <a:bodyPr wrap="none" rtlCol="0">
-            <a:spAutoFit/>
-          </a:bodyPr>
-          <a:lstStyle/>
-          <a:p>
-            <a:r>
-              <a:rPr lang="en-US" dirty="0" smtClean="0"/>
-              <a:t>Code Monkey</a:t>
-            </a:r>
-            <a:endParaRPr lang="en-US" dirty="0"/>
-          </a:p>
-        </p:txBody>
-      </p:sp>
-      <p:sp>
-        <p:nvSpPr>
-          <p:cNvPr id="7" name="TextBox 6"/>
-          <p:cNvSpPr txBox="1"/>
-          <p:nvPr/>
-        </p:nvSpPr>
-        <p:spPr>
-          <a:xfrm>
-            <a:off x="9499907" y="6369826"/>
-            <a:ext cx="1478703" cy="369332"/>
-          </a:xfrm>
-          <a:prstGeom prst="rect">
-            <a:avLst/>
-          </a:prstGeom>
-          <a:noFill/>
-        </p:spPr>
-        <p:txBody>
-          <a:bodyPr wrap="none" rtlCol="0">
-            <a:spAutoFit/>
-          </a:bodyPr>
-          <a:lstStyle/>
-          <a:p>
-            <a:r>
-              <a:rPr lang="en-US" dirty="0" smtClean="0"/>
-              <a:t>April 5, 2017</a:t>
-            </a:r>
-            <a:endParaRPr lang="en-US" dirty="0"/>
-          </a:p>
-        </p:txBody>
-      </p:sp>
-    </p:spTree>
-    <p:extLst>
-      <p:ext uri="{BB962C8B-B14F-4D97-AF65-F5344CB8AC3E}">
-        <p14:creationId xmlns:p14="http://schemas.microsoft.com/office/powerpoint/2010/main" val="1216751560"/>
-      </p:ext>
-    </p:extLst>
-  </p:cSld>
-  <p:clrMapOvr>
-    <a:masterClrMapping/>
-  </p:clrMapOvr>
-  <mc:AlternateContent xmlns:mc="http://schemas.openxmlformats.org/markup-compatibility/2006" xmlns:p14="http://schemas.microsoft.com/office/powerpoint/2010/main">
-    <mc:Choice Requires="p14">
-      <p:transition spd="med" p14:dur="700">
-        <p:fade/>
-      </p:transition>
-    </mc:Choice>
-    <mc:Fallback xmlns="">
-      <p:transition spd="med">
-        <p:fade/>
-      </p:transition>
-    </mc:Fallback>
-  </mc:AlternateContent>
-  <p:timing>
-    <p:tnLst>
-      <p:par>
-        <p:cTn id="1" dur="indefinite" restart="never" nodeType="tmRoot"/>
-      </p:par>
-    </p:tnLst>
-  </p:timing>
-</p:sld>
-</file>
-
-<file path=ppt/slides/slide12.xml><?xml version="1.0" encoding="utf-8"?>
-<p:sld xmlns:a="http://schemas.openxmlformats.org/drawingml/2006/main" xmlns:r="http://schemas.openxmlformats.org/officeDocument/2006/relationships" xmlns:p="http://schemas.openxmlformats.org/presentationml/2006/main">
-  <p:cSld>
-    <p:spTree>
-      <p:nvGrpSpPr>
-        <p:cNvPr id="1" name=""/>
-        <p:cNvGrpSpPr/>
-        <p:nvPr/>
-      </p:nvGrpSpPr>
-      <p:grpSpPr>
-        <a:xfrm>
-          <a:off x="0" y="0"/>
-          <a:ext cx="0" cy="0"/>
-          <a:chOff x="0" y="0"/>
-          <a:chExt cx="0" cy="0"/>
-        </a:xfrm>
-      </p:grpSpPr>
-      <p:sp>
-        <p:nvSpPr>
-          <p:cNvPr id="2" name="Title 1"/>
-          <p:cNvSpPr>
-            <a:spLocks noGrp="1"/>
-          </p:cNvSpPr>
-          <p:nvPr>
-            <p:ph type="title"/>
-          </p:nvPr>
-        </p:nvSpPr>
-        <p:spPr/>
-        <p:txBody>
-          <a:bodyPr/>
-          <a:lstStyle/>
-          <a:p>
-            <a:r>
-              <a:rPr lang="en-US" dirty="0"/>
-              <a:t>Effort Estimate Assumptions</a:t>
-            </a:r>
-          </a:p>
-        </p:txBody>
-      </p:sp>
-      <p:graphicFrame>
-        <p:nvGraphicFramePr>
-          <p:cNvPr id="4" name="Content Placeholder 3"/>
-          <p:cNvGraphicFramePr>
-            <a:graphicFrameLocks noGrp="1"/>
-          </p:cNvGraphicFramePr>
-          <p:nvPr>
-            <p:ph idx="1"/>
-            <p:extLst>
-              <p:ext uri="{D42A27DB-BD31-4B8C-83A1-F6EECF244321}">
-                <p14:modId xmlns:p14="http://schemas.microsoft.com/office/powerpoint/2010/main" val="450252133"/>
-              </p:ext>
-            </p:extLst>
-          </p:nvPr>
-        </p:nvGraphicFramePr>
-        <p:xfrm>
-          <a:off x="609600" y="1600200"/>
-          <a:ext cx="10972800" cy="3182620"/>
-        </p:xfrm>
-        <a:graphic>
-          <a:graphicData uri="http://schemas.openxmlformats.org/drawingml/2006/table">
-            <a:tbl>
-              <a:tblPr firstRow="1" bandRow="1">
-                <a:tableStyleId>{5C22544A-7EE6-4342-B048-85BDC9FD1C3A}</a:tableStyleId>
-              </a:tblPr>
-              <a:tblGrid>
-                <a:gridCol w="2743200">
-                  <a:extLst>
-                    <a:ext uri="{9D8B030D-6E8A-4147-A177-3AD203B41FA5}">
-                      <a16:colId xmlns:a16="http://schemas.microsoft.com/office/drawing/2014/main" xmlns="" val="4007007747"/>
-                    </a:ext>
-                  </a:extLst>
-                </a:gridCol>
-                <a:gridCol w="2743200">
-                  <a:extLst>
-                    <a:ext uri="{9D8B030D-6E8A-4147-A177-3AD203B41FA5}">
-                      <a16:colId xmlns:a16="http://schemas.microsoft.com/office/drawing/2014/main" xmlns="" val="2089765381"/>
-                    </a:ext>
-                  </a:extLst>
-                </a:gridCol>
-                <a:gridCol w="2743200">
-                  <a:extLst>
-                    <a:ext uri="{9D8B030D-6E8A-4147-A177-3AD203B41FA5}">
-                      <a16:colId xmlns:a16="http://schemas.microsoft.com/office/drawing/2014/main" xmlns="" val="2946535250"/>
-                    </a:ext>
-                  </a:extLst>
-                </a:gridCol>
-                <a:gridCol w="2743200">
-                  <a:extLst>
-                    <a:ext uri="{9D8B030D-6E8A-4147-A177-3AD203B41FA5}">
-                      <a16:colId xmlns:a16="http://schemas.microsoft.com/office/drawing/2014/main" xmlns="" val="2232881725"/>
-                    </a:ext>
-                  </a:extLst>
-                </a:gridCol>
-              </a:tblGrid>
-              <a:tr h="370840">
-                <a:tc>
-                  <a:txBody>
-                    <a:bodyPr/>
-                    <a:lstStyle/>
-                    <a:p>
-                      <a:r>
-                        <a:rPr lang="en-US" dirty="0" smtClean="0"/>
-                        <a:t>Screen/Report</a:t>
-                      </a:r>
-                      <a:endParaRPr lang="en-US" dirty="0"/>
-                    </a:p>
-                  </a:txBody>
-                  <a:tcPr/>
-                </a:tc>
-                <a:tc>
-                  <a:txBody>
-                    <a:bodyPr/>
-                    <a:lstStyle/>
-                    <a:p>
-                      <a:r>
-                        <a:rPr lang="en-US" dirty="0" smtClean="0"/>
-                        <a:t>Complexity</a:t>
-                      </a:r>
-                      <a:endParaRPr lang="en-US" dirty="0"/>
-                    </a:p>
-                  </a:txBody>
-                  <a:tcPr/>
-                </a:tc>
-                <a:tc>
-                  <a:txBody>
-                    <a:bodyPr/>
-                    <a:lstStyle/>
-                    <a:p>
-                      <a:r>
-                        <a:rPr lang="en-US" dirty="0" smtClean="0"/>
-                        <a:t>Object Points</a:t>
-                      </a:r>
-                      <a:endParaRPr lang="en-US" dirty="0"/>
-                    </a:p>
-                  </a:txBody>
-                  <a:tcPr/>
-                </a:tc>
-                <a:tc>
-                  <a:txBody>
-                    <a:bodyPr/>
-                    <a:lstStyle/>
-                    <a:p>
-                      <a:r>
-                        <a:rPr lang="en-US" dirty="0" smtClean="0"/>
-                        <a:t>Notes</a:t>
-                      </a:r>
-                      <a:endParaRPr lang="en-US" dirty="0"/>
-                    </a:p>
-                  </a:txBody>
-                  <a:tcPr/>
-                </a:tc>
-                <a:extLst>
-                  <a:ext uri="{0D108BD9-81ED-4DB2-BD59-A6C34878D82A}">
-                    <a16:rowId xmlns:a16="http://schemas.microsoft.com/office/drawing/2014/main" xmlns="" val="2585052838"/>
-                  </a:ext>
-                </a:extLst>
-              </a:tr>
-              <a:tr h="370840">
-                <a:tc>
-                  <a:txBody>
-                    <a:bodyPr/>
-                    <a:lstStyle/>
-                    <a:p>
-                      <a:r>
-                        <a:rPr lang="en-US" dirty="0">
-                          <a:effectLst/>
-                        </a:rPr>
-                        <a:t>Take Repurposed Pieces Tour</a:t>
-                      </a:r>
-                    </a:p>
-                  </a:txBody>
-                  <a:tcPr marL="123825" marR="123825" marT="57150" marB="57150" anchor="ctr"/>
-                </a:tc>
-                <a:tc>
-                  <a:txBody>
-                    <a:bodyPr/>
-                    <a:lstStyle/>
-                    <a:p>
-                      <a:r>
-                        <a:rPr lang="en-US">
-                          <a:effectLst/>
-                        </a:rPr>
-                        <a:t>2</a:t>
-                      </a:r>
-                    </a:p>
-                  </a:txBody>
-                  <a:tcPr marL="123825" marR="123825" marT="57150" marB="57150" anchor="ctr"/>
-                </a:tc>
-                <a:tc>
-                  <a:txBody>
-                    <a:bodyPr/>
-                    <a:lstStyle/>
-                    <a:p>
-                      <a:r>
-                        <a:rPr lang="en-US">
-                          <a:effectLst/>
-                        </a:rPr>
-                        <a:t>2</a:t>
-                      </a:r>
-                    </a:p>
-                  </a:txBody>
-                  <a:tcPr marL="123825" marR="123825" marT="57150" marB="57150" anchor="ctr"/>
-                </a:tc>
-                <a:tc>
-                  <a:txBody>
-                    <a:bodyPr/>
-                    <a:lstStyle/>
-                    <a:p>
-                      <a:r>
-                        <a:rPr lang="en-US">
-                          <a:effectLst/>
-                        </a:rPr>
-                        <a:t>Screen will be constructed by Drury's location and individual location from data source with repurposed pieces location.</a:t>
-                      </a:r>
-                    </a:p>
-                  </a:txBody>
-                  <a:tcPr marL="123825" marR="123825" marT="57150" marB="57150" anchor="ctr"/>
-                </a:tc>
-                <a:extLst>
-                  <a:ext uri="{0D108BD9-81ED-4DB2-BD59-A6C34878D82A}">
-                    <a16:rowId xmlns:a16="http://schemas.microsoft.com/office/drawing/2014/main" xmlns="" val="2319653860"/>
-                  </a:ext>
-                </a:extLst>
-              </a:tr>
-              <a:tr h="370840">
-                <a:tc>
-                  <a:txBody>
-                    <a:bodyPr/>
-                    <a:lstStyle/>
-                    <a:p>
-                      <a:r>
-                        <a:rPr lang="en-US" b="1">
-                          <a:effectLst/>
-                        </a:rPr>
-                        <a:t>Subscreen</a:t>
-                      </a:r>
-                      <a:endParaRPr lang="en-US">
-                        <a:effectLst/>
-                      </a:endParaRPr>
-                    </a:p>
-                  </a:txBody>
-                  <a:tcPr marL="123825" marR="123825" marT="57150" marB="57150" anchor="ctr"/>
-                </a:tc>
-                <a:tc>
-                  <a:txBody>
-                    <a:bodyPr/>
-                    <a:lstStyle/>
-                    <a:p>
-                      <a:endParaRPr lang="en-US">
-                        <a:effectLst/>
-                      </a:endParaRPr>
-                    </a:p>
-                  </a:txBody>
-                  <a:tcPr marL="123825" marR="123825" marT="57150" marB="57150" anchor="ctr"/>
-                </a:tc>
-                <a:tc>
-                  <a:txBody>
-                    <a:bodyPr/>
-                    <a:lstStyle/>
-                    <a:p>
-                      <a:endParaRPr lang="en-US">
-                        <a:effectLst/>
-                      </a:endParaRPr>
-                    </a:p>
-                  </a:txBody>
-                  <a:tcPr marL="123825" marR="123825" marT="57150" marB="57150" anchor="ctr"/>
-                </a:tc>
-                <a:tc>
-                  <a:txBody>
-                    <a:bodyPr/>
-                    <a:lstStyle/>
-                    <a:p>
-                      <a:endParaRPr lang="en-US">
-                        <a:effectLst/>
-                      </a:endParaRPr>
-                    </a:p>
-                  </a:txBody>
-                  <a:tcPr marL="123825" marR="123825" marT="57150" marB="57150" anchor="ctr"/>
-                </a:tc>
-                <a:extLst>
-                  <a:ext uri="{0D108BD9-81ED-4DB2-BD59-A6C34878D82A}">
-                    <a16:rowId xmlns:a16="http://schemas.microsoft.com/office/drawing/2014/main" xmlns="" val="2490656911"/>
-                  </a:ext>
-                </a:extLst>
-              </a:tr>
-              <a:tr h="370840">
-                <a:tc>
-                  <a:txBody>
-                    <a:bodyPr/>
-                    <a:lstStyle/>
-                    <a:p>
-                      <a:r>
-                        <a:rPr lang="en-US">
-                          <a:effectLst/>
-                        </a:rPr>
-                        <a:t>Read About Repurposed Pieces</a:t>
-                      </a:r>
-                    </a:p>
-                  </a:txBody>
-                  <a:tcPr marL="123825" marR="123825" marT="57150" marB="57150" anchor="ctr"/>
-                </a:tc>
-                <a:tc>
-                  <a:txBody>
-                    <a:bodyPr/>
-                    <a:lstStyle/>
-                    <a:p>
-                      <a:r>
-                        <a:rPr lang="en-US" dirty="0">
-                          <a:effectLst/>
-                        </a:rPr>
-                        <a:t>1</a:t>
-                      </a:r>
-                    </a:p>
-                  </a:txBody>
-                  <a:tcPr marL="123825" marR="123825" marT="57150" marB="57150" anchor="ctr"/>
-                </a:tc>
-                <a:tc>
-                  <a:txBody>
-                    <a:bodyPr/>
-                    <a:lstStyle/>
-                    <a:p>
-                      <a:r>
-                        <a:rPr lang="en-US">
-                          <a:effectLst/>
-                        </a:rPr>
-                        <a:t>1</a:t>
-                      </a:r>
-                    </a:p>
-                  </a:txBody>
-                  <a:tcPr marL="123825" marR="123825" marT="57150" marB="57150" anchor="ctr"/>
-                </a:tc>
-                <a:tc>
-                  <a:txBody>
-                    <a:bodyPr/>
-                    <a:lstStyle/>
-                    <a:p>
-                      <a:r>
-                        <a:rPr lang="en-US" dirty="0">
-                          <a:effectLst/>
-                        </a:rPr>
-                        <a:t>Simple text with some images on the screen.</a:t>
-                      </a:r>
-                    </a:p>
-                  </a:txBody>
-                  <a:tcPr marL="123825" marR="123825" marT="57150" marB="57150" anchor="ctr"/>
-                </a:tc>
-                <a:extLst>
-                  <a:ext uri="{0D108BD9-81ED-4DB2-BD59-A6C34878D82A}">
-                    <a16:rowId xmlns:a16="http://schemas.microsoft.com/office/drawing/2014/main" xmlns="" val="281916472"/>
-                  </a:ext>
-                </a:extLst>
-              </a:tr>
-            </a:tbl>
-          </a:graphicData>
-        </a:graphic>
-      </p:graphicFrame>
-      <p:pic>
-        <p:nvPicPr>
-          <p:cNvPr id="5" name="Picture 4" descr="TeamLogo.png"/>
-          <p:cNvPicPr>
-            <a:picLocks noChangeAspect="1"/>
-          </p:cNvPicPr>
-          <p:nvPr/>
-        </p:nvPicPr>
-        <p:blipFill>
-          <a:blip r:embed="rId2">
-            <a:extLst>
-              <a:ext uri="{28A0092B-C50C-407E-A947-70E740481C1C}">
-                <a14:useLocalDpi xmlns:a14="http://schemas.microsoft.com/office/drawing/2010/main" val="0"/>
-              </a:ext>
-            </a:extLst>
-          </a:blip>
-          <a:stretch>
-            <a:fillRect/>
-          </a:stretch>
-        </p:blipFill>
-        <p:spPr>
-          <a:xfrm>
-            <a:off x="11220623" y="206756"/>
-            <a:ext cx="742103" cy="989471"/>
-          </a:xfrm>
-          <a:prstGeom prst="rect">
-            <a:avLst/>
-          </a:prstGeom>
-        </p:spPr>
-      </p:pic>
-      <p:sp>
-        <p:nvSpPr>
-          <p:cNvPr id="6" name="TextBox 5"/>
-          <p:cNvSpPr txBox="1"/>
-          <p:nvPr/>
-        </p:nvSpPr>
-        <p:spPr>
-          <a:xfrm>
-            <a:off x="1122291" y="6335573"/>
-            <a:ext cx="1629623" cy="369332"/>
-          </a:xfrm>
-          <a:prstGeom prst="rect">
-            <a:avLst/>
-          </a:prstGeom>
-          <a:noFill/>
-        </p:spPr>
-        <p:txBody>
-          <a:bodyPr wrap="none" rtlCol="0">
-            <a:spAutoFit/>
-          </a:bodyPr>
-          <a:lstStyle/>
-          <a:p>
-            <a:r>
-              <a:rPr lang="en-US" dirty="0" smtClean="0"/>
-              <a:t>Code Monkey</a:t>
-            </a:r>
-            <a:endParaRPr lang="en-US" dirty="0"/>
-          </a:p>
-        </p:txBody>
-      </p:sp>
-      <p:sp>
-        <p:nvSpPr>
-          <p:cNvPr id="7" name="TextBox 6"/>
-          <p:cNvSpPr txBox="1"/>
-          <p:nvPr/>
-        </p:nvSpPr>
-        <p:spPr>
-          <a:xfrm>
-            <a:off x="9499907" y="6369826"/>
-            <a:ext cx="1478703" cy="369332"/>
-          </a:xfrm>
-          <a:prstGeom prst="rect">
-            <a:avLst/>
-          </a:prstGeom>
-          <a:noFill/>
-        </p:spPr>
-        <p:txBody>
-          <a:bodyPr wrap="none" rtlCol="0">
-            <a:spAutoFit/>
-          </a:bodyPr>
-          <a:lstStyle/>
-          <a:p>
-            <a:r>
-              <a:rPr lang="en-US" dirty="0" smtClean="0"/>
-              <a:t>April 5, 2017</a:t>
-            </a:r>
-            <a:endParaRPr lang="en-US" dirty="0"/>
-          </a:p>
-        </p:txBody>
-      </p:sp>
-    </p:spTree>
-    <p:extLst>
-      <p:ext uri="{BB962C8B-B14F-4D97-AF65-F5344CB8AC3E}">
-        <p14:creationId xmlns:p14="http://schemas.microsoft.com/office/powerpoint/2010/main" val="2303474947"/>
-      </p:ext>
-    </p:extLst>
-  </p:cSld>
-  <p:clrMapOvr>
-    <a:masterClrMapping/>
-  </p:clrMapOvr>
-  <mc:AlternateContent xmlns:mc="http://schemas.openxmlformats.org/markup-compatibility/2006" xmlns:p14="http://schemas.microsoft.com/office/powerpoint/2010/main">
-    <mc:Choice Requires="p14">
-      <p:transition spd="med" p14:dur="700">
-        <p:fade/>
-      </p:transition>
-    </mc:Choice>
-    <mc:Fallback xmlns="">
-      <p:transition spd="med">
-        <p:fade/>
-      </p:transition>
-    </mc:Fallback>
-  </mc:AlternateContent>
-  <p:timing>
-    <p:tnLst>
-      <p:par>
-        <p:cTn id="1" dur="indefinite" restart="never" nodeType="tmRoot"/>
-      </p:par>
-    </p:tnLst>
-  </p:timing>
-</p:sld>
-</file>
-
-<file path=ppt/slides/slide13.xml><?xml version="1.0" encoding="utf-8"?>
-<p:sld xmlns:a="http://schemas.openxmlformats.org/drawingml/2006/main" xmlns:r="http://schemas.openxmlformats.org/officeDocument/2006/relationships" xmlns:p="http://schemas.openxmlformats.org/presentationml/2006/main">
-  <p:cSld>
-    <p:spTree>
-      <p:nvGrpSpPr>
-        <p:cNvPr id="1" name=""/>
-        <p:cNvGrpSpPr/>
-        <p:nvPr/>
-      </p:nvGrpSpPr>
-      <p:grpSpPr>
-        <a:xfrm>
-          <a:off x="0" y="0"/>
-          <a:ext cx="0" cy="0"/>
-          <a:chOff x="0" y="0"/>
-          <a:chExt cx="0" cy="0"/>
-        </a:xfrm>
-      </p:grpSpPr>
-      <p:sp>
-        <p:nvSpPr>
-          <p:cNvPr id="2" name="Title 1"/>
-          <p:cNvSpPr>
-            <a:spLocks noGrp="1"/>
-          </p:cNvSpPr>
-          <p:nvPr>
-            <p:ph type="title"/>
-          </p:nvPr>
-        </p:nvSpPr>
-        <p:spPr/>
-        <p:txBody>
-          <a:bodyPr/>
-          <a:lstStyle/>
-          <a:p>
-            <a:r>
-              <a:rPr lang="en-US" dirty="0"/>
-              <a:t>Effort Estimate Assumptions</a:t>
-            </a:r>
-          </a:p>
-        </p:txBody>
-      </p:sp>
-      <p:graphicFrame>
-        <p:nvGraphicFramePr>
-          <p:cNvPr id="4" name="Content Placeholder 3"/>
-          <p:cNvGraphicFramePr>
-            <a:graphicFrameLocks noGrp="1"/>
-          </p:cNvGraphicFramePr>
-          <p:nvPr>
-            <p:ph idx="1"/>
-            <p:extLst>
-              <p:ext uri="{D42A27DB-BD31-4B8C-83A1-F6EECF244321}">
-                <p14:modId xmlns:p14="http://schemas.microsoft.com/office/powerpoint/2010/main" val="1082142021"/>
-              </p:ext>
-            </p:extLst>
-          </p:nvPr>
-        </p:nvGraphicFramePr>
-        <p:xfrm>
-          <a:off x="609600" y="1600200"/>
-          <a:ext cx="10972800" cy="3022600"/>
-        </p:xfrm>
-        <a:graphic>
-          <a:graphicData uri="http://schemas.openxmlformats.org/drawingml/2006/table">
-            <a:tbl>
-              <a:tblPr firstRow="1" bandRow="1">
-                <a:tableStyleId>{5C22544A-7EE6-4342-B048-85BDC9FD1C3A}</a:tableStyleId>
-              </a:tblPr>
-              <a:tblGrid>
-                <a:gridCol w="2743200">
-                  <a:extLst>
-                    <a:ext uri="{9D8B030D-6E8A-4147-A177-3AD203B41FA5}">
-                      <a16:colId xmlns:a16="http://schemas.microsoft.com/office/drawing/2014/main" xmlns="" val="4007007747"/>
-                    </a:ext>
-                  </a:extLst>
-                </a:gridCol>
-                <a:gridCol w="2743200">
-                  <a:extLst>
-                    <a:ext uri="{9D8B030D-6E8A-4147-A177-3AD203B41FA5}">
-                      <a16:colId xmlns:a16="http://schemas.microsoft.com/office/drawing/2014/main" xmlns="" val="2089765381"/>
-                    </a:ext>
-                  </a:extLst>
-                </a:gridCol>
-                <a:gridCol w="2743200">
-                  <a:extLst>
-                    <a:ext uri="{9D8B030D-6E8A-4147-A177-3AD203B41FA5}">
-                      <a16:colId xmlns:a16="http://schemas.microsoft.com/office/drawing/2014/main" xmlns="" val="2946535250"/>
-                    </a:ext>
-                  </a:extLst>
-                </a:gridCol>
-                <a:gridCol w="2743200">
-                  <a:extLst>
-                    <a:ext uri="{9D8B030D-6E8A-4147-A177-3AD203B41FA5}">
-                      <a16:colId xmlns:a16="http://schemas.microsoft.com/office/drawing/2014/main" xmlns="" val="2232881725"/>
-                    </a:ext>
-                  </a:extLst>
-                </a:gridCol>
-              </a:tblGrid>
-              <a:tr h="370840">
-                <a:tc>
-                  <a:txBody>
-                    <a:bodyPr/>
-                    <a:lstStyle/>
-                    <a:p>
-                      <a:r>
-                        <a:rPr lang="en-US" dirty="0" smtClean="0"/>
-                        <a:t>Screen/Report</a:t>
-                      </a:r>
-                      <a:endParaRPr lang="en-US" dirty="0"/>
-                    </a:p>
-                  </a:txBody>
-                  <a:tcPr/>
-                </a:tc>
-                <a:tc>
-                  <a:txBody>
-                    <a:bodyPr/>
-                    <a:lstStyle/>
-                    <a:p>
-                      <a:r>
-                        <a:rPr lang="en-US" dirty="0" smtClean="0"/>
-                        <a:t>Complexity</a:t>
-                      </a:r>
-                      <a:endParaRPr lang="en-US" dirty="0"/>
-                    </a:p>
-                  </a:txBody>
-                  <a:tcPr/>
-                </a:tc>
-                <a:tc>
-                  <a:txBody>
-                    <a:bodyPr/>
-                    <a:lstStyle/>
-                    <a:p>
-                      <a:r>
-                        <a:rPr lang="en-US" dirty="0" smtClean="0"/>
-                        <a:t>Object Points</a:t>
-                      </a:r>
-                      <a:endParaRPr lang="en-US" dirty="0"/>
-                    </a:p>
-                  </a:txBody>
-                  <a:tcPr/>
-                </a:tc>
-                <a:tc>
-                  <a:txBody>
-                    <a:bodyPr/>
-                    <a:lstStyle/>
-                    <a:p>
-                      <a:r>
-                        <a:rPr lang="en-US" dirty="0" smtClean="0"/>
-                        <a:t>Notes</a:t>
-                      </a:r>
-                      <a:endParaRPr lang="en-US" dirty="0"/>
-                    </a:p>
-                  </a:txBody>
-                  <a:tcPr/>
-                </a:tc>
-                <a:extLst>
-                  <a:ext uri="{0D108BD9-81ED-4DB2-BD59-A6C34878D82A}">
-                    <a16:rowId xmlns:a16="http://schemas.microsoft.com/office/drawing/2014/main" xmlns="" val="2585052838"/>
-                  </a:ext>
-                </a:extLst>
-              </a:tr>
-              <a:tr h="370840">
-                <a:tc>
-                  <a:txBody>
-                    <a:bodyPr/>
-                    <a:lstStyle/>
-                    <a:p>
-                      <a:r>
-                        <a:rPr lang="en-US" dirty="0">
-                          <a:effectLst/>
-                        </a:rPr>
-                        <a:t>Manage Repurposed Pieces</a:t>
-                      </a:r>
-                    </a:p>
-                  </a:txBody>
-                  <a:tcPr marL="123825" marR="123825" marT="57150" marB="57150" anchor="ctr"/>
-                </a:tc>
-                <a:tc>
-                  <a:txBody>
-                    <a:bodyPr/>
-                    <a:lstStyle/>
-                    <a:p>
-                      <a:r>
-                        <a:rPr lang="en-US">
-                          <a:effectLst/>
-                        </a:rPr>
-                        <a:t>1</a:t>
-                      </a:r>
-                    </a:p>
-                  </a:txBody>
-                  <a:tcPr marL="123825" marR="123825" marT="57150" marB="57150" anchor="ctr"/>
-                </a:tc>
-                <a:tc>
-                  <a:txBody>
-                    <a:bodyPr/>
-                    <a:lstStyle/>
-                    <a:p>
-                      <a:r>
-                        <a:rPr lang="en-US">
-                          <a:effectLst/>
-                        </a:rPr>
-                        <a:t>1</a:t>
-                      </a:r>
-                    </a:p>
-                  </a:txBody>
-                  <a:tcPr marL="123825" marR="123825" marT="57150" marB="57150" anchor="ctr"/>
-                </a:tc>
-                <a:tc>
-                  <a:txBody>
-                    <a:bodyPr/>
-                    <a:lstStyle/>
-                    <a:p>
-                      <a:r>
-                        <a:rPr lang="en-US">
-                          <a:effectLst/>
-                        </a:rPr>
-                        <a:t>Simple screen and access to the database.</a:t>
-                      </a:r>
-                    </a:p>
-                  </a:txBody>
-                  <a:tcPr marL="123825" marR="123825" marT="57150" marB="57150" anchor="ctr"/>
-                </a:tc>
-                <a:extLst>
-                  <a:ext uri="{0D108BD9-81ED-4DB2-BD59-A6C34878D82A}">
-                    <a16:rowId xmlns:a16="http://schemas.microsoft.com/office/drawing/2014/main" xmlns="" val="3764811118"/>
-                  </a:ext>
-                </a:extLst>
-              </a:tr>
-              <a:tr h="370840">
-                <a:tc>
-                  <a:txBody>
-                    <a:bodyPr/>
-                    <a:lstStyle/>
-                    <a:p>
-                      <a:r>
-                        <a:rPr lang="en-US">
-                          <a:effectLst/>
-                        </a:rPr>
-                        <a:t>Manage Grass</a:t>
-                      </a:r>
-                    </a:p>
-                  </a:txBody>
-                  <a:tcPr marL="123825" marR="123825" marT="57150" marB="57150" anchor="ctr"/>
-                </a:tc>
-                <a:tc>
-                  <a:txBody>
-                    <a:bodyPr/>
-                    <a:lstStyle/>
-                    <a:p>
-                      <a:r>
-                        <a:rPr lang="en-US">
-                          <a:effectLst/>
-                        </a:rPr>
-                        <a:t>1</a:t>
-                      </a:r>
-                    </a:p>
-                  </a:txBody>
-                  <a:tcPr marL="123825" marR="123825" marT="57150" marB="57150" anchor="ctr"/>
-                </a:tc>
-                <a:tc>
-                  <a:txBody>
-                    <a:bodyPr/>
-                    <a:lstStyle/>
-                    <a:p>
-                      <a:r>
-                        <a:rPr lang="en-US">
-                          <a:effectLst/>
-                        </a:rPr>
-                        <a:t>1</a:t>
-                      </a:r>
-                    </a:p>
-                  </a:txBody>
-                  <a:tcPr marL="123825" marR="123825" marT="57150" marB="57150" anchor="ctr"/>
-                </a:tc>
-                <a:tc>
-                  <a:txBody>
-                    <a:bodyPr/>
-                    <a:lstStyle/>
-                    <a:p>
-                      <a:r>
-                        <a:rPr lang="en-US">
-                          <a:effectLst/>
-                        </a:rPr>
-                        <a:t>Simple screen and access to the database.</a:t>
-                      </a:r>
-                    </a:p>
-                  </a:txBody>
-                  <a:tcPr marL="123825" marR="123825" marT="57150" marB="57150" anchor="ctr"/>
-                </a:tc>
-                <a:extLst>
-                  <a:ext uri="{0D108BD9-81ED-4DB2-BD59-A6C34878D82A}">
-                    <a16:rowId xmlns:a16="http://schemas.microsoft.com/office/drawing/2014/main" xmlns="" val="14760046"/>
-                  </a:ext>
-                </a:extLst>
-              </a:tr>
-              <a:tr h="370840">
-                <a:tc>
-                  <a:txBody>
-                    <a:bodyPr/>
-                    <a:lstStyle/>
-                    <a:p>
-                      <a:r>
-                        <a:rPr lang="en-US">
-                          <a:effectLst/>
-                        </a:rPr>
-                        <a:t>Manage Trees</a:t>
-                      </a:r>
-                    </a:p>
-                  </a:txBody>
-                  <a:tcPr marL="123825" marR="123825" marT="57150" marB="57150" anchor="ctr"/>
-                </a:tc>
-                <a:tc>
-                  <a:txBody>
-                    <a:bodyPr/>
-                    <a:lstStyle/>
-                    <a:p>
-                      <a:r>
-                        <a:rPr lang="en-US">
-                          <a:effectLst/>
-                        </a:rPr>
-                        <a:t>1</a:t>
-                      </a:r>
-                    </a:p>
-                  </a:txBody>
-                  <a:tcPr marL="123825" marR="123825" marT="57150" marB="57150" anchor="ctr"/>
-                </a:tc>
-                <a:tc>
-                  <a:txBody>
-                    <a:bodyPr/>
-                    <a:lstStyle/>
-                    <a:p>
-                      <a:r>
-                        <a:rPr lang="en-US">
-                          <a:effectLst/>
-                        </a:rPr>
-                        <a:t>1</a:t>
-                      </a:r>
-                    </a:p>
-                  </a:txBody>
-                  <a:tcPr marL="123825" marR="123825" marT="57150" marB="57150" anchor="ctr"/>
-                </a:tc>
-                <a:tc>
-                  <a:txBody>
-                    <a:bodyPr/>
-                    <a:lstStyle/>
-                    <a:p>
-                      <a:r>
-                        <a:rPr lang="en-US">
-                          <a:effectLst/>
-                        </a:rPr>
-                        <a:t>Simple screen and access to the database.</a:t>
-                      </a:r>
-                    </a:p>
-                  </a:txBody>
-                  <a:tcPr marL="123825" marR="123825" marT="57150" marB="57150" anchor="ctr"/>
-                </a:tc>
-                <a:extLst>
-                  <a:ext uri="{0D108BD9-81ED-4DB2-BD59-A6C34878D82A}">
-                    <a16:rowId xmlns:a16="http://schemas.microsoft.com/office/drawing/2014/main" xmlns="" val="1188642816"/>
-                  </a:ext>
-                </a:extLst>
-              </a:tr>
-              <a:tr h="370840">
-                <a:tc>
-                  <a:txBody>
-                    <a:bodyPr/>
-                    <a:lstStyle/>
-                    <a:p>
-                      <a:r>
-                        <a:rPr lang="en-US">
-                          <a:effectLst/>
-                        </a:rPr>
-                        <a:t>Screen Total</a:t>
-                      </a:r>
-                    </a:p>
-                  </a:txBody>
-                  <a:tcPr marL="123825" marR="123825" marT="57150" marB="57150" anchor="ctr"/>
-                </a:tc>
-                <a:tc>
-                  <a:txBody>
-                    <a:bodyPr/>
-                    <a:lstStyle/>
-                    <a:p>
-                      <a:endParaRPr lang="en-US">
-                        <a:effectLst/>
-                      </a:endParaRPr>
-                    </a:p>
-                  </a:txBody>
-                  <a:tcPr marL="123825" marR="123825" marT="57150" marB="57150" anchor="ctr"/>
-                </a:tc>
-                <a:tc>
-                  <a:txBody>
-                    <a:bodyPr/>
-                    <a:lstStyle/>
-                    <a:p>
-                      <a:r>
-                        <a:rPr lang="en-US">
-                          <a:effectLst/>
-                        </a:rPr>
-                        <a:t>20</a:t>
-                      </a:r>
-                    </a:p>
-                  </a:txBody>
-                  <a:tcPr marL="123825" marR="123825" marT="57150" marB="57150" anchor="ctr"/>
-                </a:tc>
-                <a:tc>
-                  <a:txBody>
-                    <a:bodyPr/>
-                    <a:lstStyle/>
-                    <a:p>
-                      <a:r>
-                        <a:rPr lang="en-US" dirty="0">
-                          <a:effectLst/>
-                        </a:rPr>
-                        <a:t>Total object points for screen.</a:t>
-                      </a:r>
-                    </a:p>
-                  </a:txBody>
-                  <a:tcPr marL="123825" marR="123825" marT="57150" marB="57150" anchor="ctr"/>
-                </a:tc>
-                <a:extLst>
-                  <a:ext uri="{0D108BD9-81ED-4DB2-BD59-A6C34878D82A}">
-                    <a16:rowId xmlns:a16="http://schemas.microsoft.com/office/drawing/2014/main" xmlns="" val="297767302"/>
-                  </a:ext>
-                </a:extLst>
-              </a:tr>
-            </a:tbl>
-          </a:graphicData>
-        </a:graphic>
-      </p:graphicFrame>
-      <p:pic>
-        <p:nvPicPr>
-          <p:cNvPr id="5" name="Picture 4" descr="TeamLogo.png"/>
-          <p:cNvPicPr>
-            <a:picLocks noChangeAspect="1"/>
-          </p:cNvPicPr>
-          <p:nvPr/>
-        </p:nvPicPr>
-        <p:blipFill>
-          <a:blip r:embed="rId2">
-            <a:extLst>
-              <a:ext uri="{28A0092B-C50C-407E-A947-70E740481C1C}">
-                <a14:useLocalDpi xmlns:a14="http://schemas.microsoft.com/office/drawing/2010/main" val="0"/>
-              </a:ext>
-            </a:extLst>
-          </a:blip>
-          <a:stretch>
-            <a:fillRect/>
-          </a:stretch>
-        </p:blipFill>
-        <p:spPr>
-          <a:xfrm>
-            <a:off x="11220623" y="206756"/>
-            <a:ext cx="742103" cy="989471"/>
-          </a:xfrm>
-          <a:prstGeom prst="rect">
-            <a:avLst/>
-          </a:prstGeom>
-        </p:spPr>
-      </p:pic>
-      <p:sp>
-        <p:nvSpPr>
-          <p:cNvPr id="6" name="TextBox 5"/>
-          <p:cNvSpPr txBox="1"/>
-          <p:nvPr/>
-        </p:nvSpPr>
-        <p:spPr>
-          <a:xfrm>
-            <a:off x="1122291" y="6335573"/>
-            <a:ext cx="1629623" cy="369332"/>
-          </a:xfrm>
-          <a:prstGeom prst="rect">
-            <a:avLst/>
-          </a:prstGeom>
-          <a:noFill/>
-        </p:spPr>
-        <p:txBody>
-          <a:bodyPr wrap="none" rtlCol="0">
-            <a:spAutoFit/>
-          </a:bodyPr>
-          <a:lstStyle/>
-          <a:p>
-            <a:r>
-              <a:rPr lang="en-US" dirty="0" smtClean="0"/>
-              <a:t>Code Monkey</a:t>
-            </a:r>
-            <a:endParaRPr lang="en-US" dirty="0"/>
-          </a:p>
-        </p:txBody>
-      </p:sp>
-      <p:sp>
-        <p:nvSpPr>
-          <p:cNvPr id="7" name="TextBox 6"/>
-          <p:cNvSpPr txBox="1"/>
-          <p:nvPr/>
-        </p:nvSpPr>
-        <p:spPr>
-          <a:xfrm>
-            <a:off x="9499907" y="6369826"/>
-            <a:ext cx="1478703" cy="369332"/>
-          </a:xfrm>
-          <a:prstGeom prst="rect">
-            <a:avLst/>
-          </a:prstGeom>
-          <a:noFill/>
-        </p:spPr>
-        <p:txBody>
-          <a:bodyPr wrap="none" rtlCol="0">
-            <a:spAutoFit/>
-          </a:bodyPr>
-          <a:lstStyle/>
-          <a:p>
-            <a:r>
-              <a:rPr lang="en-US" dirty="0" smtClean="0"/>
-              <a:t>April 5, 2017</a:t>
-            </a:r>
-            <a:endParaRPr lang="en-US" dirty="0"/>
-          </a:p>
-        </p:txBody>
-      </p:sp>
-    </p:spTree>
-    <p:extLst>
-      <p:ext uri="{BB962C8B-B14F-4D97-AF65-F5344CB8AC3E}">
-        <p14:creationId xmlns:p14="http://schemas.microsoft.com/office/powerpoint/2010/main" val="329787518"/>
-      </p:ext>
-    </p:extLst>
-  </p:cSld>
-  <p:clrMapOvr>
-    <a:masterClrMapping/>
-  </p:clrMapOvr>
-  <mc:AlternateContent xmlns:mc="http://schemas.openxmlformats.org/markup-compatibility/2006" xmlns:p14="http://schemas.microsoft.com/office/powerpoint/2010/main">
-    <mc:Choice Requires="p14">
-      <p:transition spd="med" p14:dur="700">
-        <p:fade/>
-      </p:transition>
-    </mc:Choice>
-    <mc:Fallback xmlns="">
-      <p:transition spd="med">
-        <p:fade/>
-      </p:transition>
-    </mc:Fallback>
-  </mc:AlternateContent>
-  <p:timing>
-    <p:tnLst>
-      <p:par>
-        <p:cTn id="1" dur="indefinite" restart="never" nodeType="tmRoot"/>
-      </p:par>
-    </p:tnLst>
-  </p:timing>
-</p:sld>
-</file>
-
-<file path=ppt/slides/slide14.xml><?xml version="1.0" encoding="utf-8"?>
-<p:sld xmlns:a="http://schemas.openxmlformats.org/drawingml/2006/main" xmlns:r="http://schemas.openxmlformats.org/officeDocument/2006/relationships" xmlns:p="http://schemas.openxmlformats.org/presentationml/2006/main">
-  <p:cSld>
-    <p:spTree>
-      <p:nvGrpSpPr>
-        <p:cNvPr id="1" name=""/>
-        <p:cNvGrpSpPr/>
-        <p:nvPr/>
-      </p:nvGrpSpPr>
-      <p:grpSpPr>
-        <a:xfrm>
-          <a:off x="0" y="0"/>
-          <a:ext cx="0" cy="0"/>
-          <a:chOff x="0" y="0"/>
-          <a:chExt cx="0" cy="0"/>
-        </a:xfrm>
-      </p:grpSpPr>
-      <p:sp>
-        <p:nvSpPr>
-          <p:cNvPr id="2" name="Title 1"/>
-          <p:cNvSpPr>
-            <a:spLocks noGrp="1"/>
-          </p:cNvSpPr>
-          <p:nvPr>
-            <p:ph type="title"/>
-          </p:nvPr>
-        </p:nvSpPr>
-        <p:spPr/>
-        <p:txBody>
-          <a:bodyPr/>
-          <a:lstStyle/>
-          <a:p>
-            <a:r>
-              <a:rPr lang="en-US" dirty="0"/>
-              <a:t>Effort Estimate Assumptions</a:t>
-            </a:r>
-          </a:p>
-        </p:txBody>
-      </p:sp>
-      <p:graphicFrame>
-        <p:nvGraphicFramePr>
-          <p:cNvPr id="4" name="Content Placeholder 3"/>
-          <p:cNvGraphicFramePr>
-            <a:graphicFrameLocks noGrp="1"/>
-          </p:cNvGraphicFramePr>
-          <p:nvPr>
-            <p:ph idx="1"/>
-            <p:extLst>
-              <p:ext uri="{D42A27DB-BD31-4B8C-83A1-F6EECF244321}">
-                <p14:modId xmlns:p14="http://schemas.microsoft.com/office/powerpoint/2010/main" val="3368142880"/>
-              </p:ext>
-            </p:extLst>
-          </p:nvPr>
-        </p:nvGraphicFramePr>
-        <p:xfrm>
-          <a:off x="609600" y="1600200"/>
-          <a:ext cx="10972800" cy="4622800"/>
-        </p:xfrm>
-        <a:graphic>
-          <a:graphicData uri="http://schemas.openxmlformats.org/drawingml/2006/table">
-            <a:tbl>
-              <a:tblPr firstRow="1" bandRow="1">
-                <a:tableStyleId>{5C22544A-7EE6-4342-B048-85BDC9FD1C3A}</a:tableStyleId>
-              </a:tblPr>
-              <a:tblGrid>
-                <a:gridCol w="2743200">
-                  <a:extLst>
-                    <a:ext uri="{9D8B030D-6E8A-4147-A177-3AD203B41FA5}">
-                      <a16:colId xmlns:a16="http://schemas.microsoft.com/office/drawing/2014/main" xmlns="" val="4007007747"/>
-                    </a:ext>
-                  </a:extLst>
-                </a:gridCol>
-                <a:gridCol w="2743200">
-                  <a:extLst>
-                    <a:ext uri="{9D8B030D-6E8A-4147-A177-3AD203B41FA5}">
-                      <a16:colId xmlns:a16="http://schemas.microsoft.com/office/drawing/2014/main" xmlns="" val="2089765381"/>
-                    </a:ext>
-                  </a:extLst>
-                </a:gridCol>
-                <a:gridCol w="2743200">
-                  <a:extLst>
-                    <a:ext uri="{9D8B030D-6E8A-4147-A177-3AD203B41FA5}">
-                      <a16:colId xmlns:a16="http://schemas.microsoft.com/office/drawing/2014/main" xmlns="" val="2946535250"/>
-                    </a:ext>
-                  </a:extLst>
-                </a:gridCol>
-                <a:gridCol w="2743200">
-                  <a:extLst>
-                    <a:ext uri="{9D8B030D-6E8A-4147-A177-3AD203B41FA5}">
-                      <a16:colId xmlns:a16="http://schemas.microsoft.com/office/drawing/2014/main" xmlns="" val="2232881725"/>
-                    </a:ext>
-                  </a:extLst>
-                </a:gridCol>
-              </a:tblGrid>
-              <a:tr h="370840">
-                <a:tc>
-                  <a:txBody>
-                    <a:bodyPr/>
-                    <a:lstStyle/>
-                    <a:p>
-                      <a:r>
-                        <a:rPr lang="en-US" dirty="0" smtClean="0"/>
-                        <a:t>Screen/Report</a:t>
-                      </a:r>
-                      <a:endParaRPr lang="en-US" dirty="0"/>
-                    </a:p>
-                  </a:txBody>
-                  <a:tcPr/>
-                </a:tc>
-                <a:tc>
-                  <a:txBody>
-                    <a:bodyPr/>
-                    <a:lstStyle/>
-                    <a:p>
-                      <a:r>
-                        <a:rPr lang="en-US" dirty="0" smtClean="0"/>
-                        <a:t>Complexity</a:t>
-                      </a:r>
-                      <a:endParaRPr lang="en-US" dirty="0"/>
-                    </a:p>
-                  </a:txBody>
-                  <a:tcPr/>
-                </a:tc>
-                <a:tc>
-                  <a:txBody>
-                    <a:bodyPr/>
-                    <a:lstStyle/>
-                    <a:p>
-                      <a:r>
-                        <a:rPr lang="en-US" dirty="0" smtClean="0"/>
-                        <a:t>Object Points</a:t>
-                      </a:r>
-                      <a:endParaRPr lang="en-US" dirty="0"/>
-                    </a:p>
-                  </a:txBody>
-                  <a:tcPr/>
-                </a:tc>
-                <a:tc>
-                  <a:txBody>
-                    <a:bodyPr/>
-                    <a:lstStyle/>
-                    <a:p>
-                      <a:r>
-                        <a:rPr lang="en-US" dirty="0" smtClean="0"/>
-                        <a:t>Notes</a:t>
-                      </a:r>
-                      <a:endParaRPr lang="en-US" dirty="0"/>
-                    </a:p>
-                  </a:txBody>
-                  <a:tcPr/>
-                </a:tc>
-                <a:extLst>
-                  <a:ext uri="{0D108BD9-81ED-4DB2-BD59-A6C34878D82A}">
-                    <a16:rowId xmlns:a16="http://schemas.microsoft.com/office/drawing/2014/main" xmlns="" val="2585052838"/>
-                  </a:ext>
-                </a:extLst>
-              </a:tr>
-              <a:tr h="370840">
-                <a:tc>
-                  <a:txBody>
-                    <a:bodyPr/>
-                    <a:lstStyle/>
-                    <a:p>
-                      <a:r>
-                        <a:rPr lang="en-US" b="1" dirty="0">
-                          <a:effectLst/>
-                        </a:rPr>
-                        <a:t>3GL Modules</a:t>
-                      </a:r>
-                      <a:endParaRPr lang="en-US" dirty="0">
-                        <a:effectLst/>
-                      </a:endParaRPr>
-                    </a:p>
-                  </a:txBody>
-                  <a:tcPr marL="123825" marR="123825" marT="57150" marB="57150" anchor="ctr"/>
-                </a:tc>
-                <a:tc>
-                  <a:txBody>
-                    <a:bodyPr/>
-                    <a:lstStyle/>
-                    <a:p>
-                      <a:endParaRPr lang="en-US">
-                        <a:effectLst/>
-                      </a:endParaRPr>
-                    </a:p>
-                  </a:txBody>
-                  <a:tcPr marL="123825" marR="123825" marT="57150" marB="57150" anchor="ctr"/>
-                </a:tc>
-                <a:tc>
-                  <a:txBody>
-                    <a:bodyPr/>
-                    <a:lstStyle/>
-                    <a:p>
-                      <a:endParaRPr lang="en-US">
-                        <a:effectLst/>
-                      </a:endParaRPr>
-                    </a:p>
-                  </a:txBody>
-                  <a:tcPr marL="123825" marR="123825" marT="57150" marB="57150" anchor="ctr"/>
-                </a:tc>
-                <a:tc>
-                  <a:txBody>
-                    <a:bodyPr/>
-                    <a:lstStyle/>
-                    <a:p>
-                      <a:endParaRPr lang="en-US">
-                        <a:effectLst/>
-                      </a:endParaRPr>
-                    </a:p>
-                  </a:txBody>
-                  <a:tcPr marL="123825" marR="123825" marT="57150" marB="57150" anchor="ctr"/>
-                </a:tc>
-                <a:extLst>
-                  <a:ext uri="{0D108BD9-81ED-4DB2-BD59-A6C34878D82A}">
-                    <a16:rowId xmlns:a16="http://schemas.microsoft.com/office/drawing/2014/main" xmlns="" val="3714616697"/>
-                  </a:ext>
-                </a:extLst>
-              </a:tr>
-              <a:tr h="370840">
-                <a:tc>
-                  <a:txBody>
-                    <a:bodyPr/>
-                    <a:lstStyle/>
-                    <a:p>
-                      <a:r>
-                        <a:rPr lang="en-US">
-                          <a:effectLst/>
-                        </a:rPr>
-                        <a:t>Map Modules</a:t>
-                      </a:r>
-                    </a:p>
-                  </a:txBody>
-                  <a:tcPr marL="123825" marR="123825" marT="57150" marB="57150" anchor="ctr"/>
-                </a:tc>
-                <a:tc>
-                  <a:txBody>
-                    <a:bodyPr/>
-                    <a:lstStyle/>
-                    <a:p>
-                      <a:r>
-                        <a:rPr lang="en-US">
-                          <a:effectLst/>
-                        </a:rPr>
-                        <a:t>5@10</a:t>
-                      </a:r>
-                    </a:p>
-                  </a:txBody>
-                  <a:tcPr marL="123825" marR="123825" marT="57150" marB="57150" anchor="ctr"/>
-                </a:tc>
-                <a:tc>
-                  <a:txBody>
-                    <a:bodyPr/>
-                    <a:lstStyle/>
-                    <a:p>
-                      <a:r>
-                        <a:rPr lang="en-US">
-                          <a:effectLst/>
-                        </a:rPr>
-                        <a:t>50</a:t>
-                      </a:r>
-                    </a:p>
-                  </a:txBody>
-                  <a:tcPr marL="123825" marR="123825" marT="57150" marB="57150" anchor="ctr"/>
-                </a:tc>
-                <a:tc>
-                  <a:txBody>
-                    <a:bodyPr/>
-                    <a:lstStyle/>
-                    <a:p>
-                      <a:r>
-                        <a:rPr lang="en-US">
-                          <a:effectLst/>
-                        </a:rPr>
-                        <a:t>Module requiring scripting against a map API.</a:t>
-                      </a:r>
-                    </a:p>
-                  </a:txBody>
-                  <a:tcPr marL="123825" marR="123825" marT="57150" marB="57150" anchor="ctr"/>
-                </a:tc>
-                <a:extLst>
-                  <a:ext uri="{0D108BD9-81ED-4DB2-BD59-A6C34878D82A}">
-                    <a16:rowId xmlns:a16="http://schemas.microsoft.com/office/drawing/2014/main" xmlns="" val="1340422060"/>
-                  </a:ext>
-                </a:extLst>
-              </a:tr>
-              <a:tr h="370840">
-                <a:tc>
-                  <a:txBody>
-                    <a:bodyPr/>
-                    <a:lstStyle/>
-                    <a:p>
-                      <a:r>
-                        <a:rPr lang="en-US">
-                          <a:effectLst/>
-                        </a:rPr>
-                        <a:t>GPS Tour</a:t>
-                      </a:r>
-                    </a:p>
-                  </a:txBody>
-                  <a:tcPr marL="123825" marR="123825" marT="57150" marB="57150" anchor="ctr"/>
-                </a:tc>
-                <a:tc>
-                  <a:txBody>
-                    <a:bodyPr/>
-                    <a:lstStyle/>
-                    <a:p>
-                      <a:r>
-                        <a:rPr lang="en-US">
-                          <a:effectLst/>
-                        </a:rPr>
-                        <a:t>5@10</a:t>
-                      </a:r>
-                    </a:p>
-                  </a:txBody>
-                  <a:tcPr marL="123825" marR="123825" marT="57150" marB="57150" anchor="ctr"/>
-                </a:tc>
-                <a:tc>
-                  <a:txBody>
-                    <a:bodyPr/>
-                    <a:lstStyle/>
-                    <a:p>
-                      <a:r>
-                        <a:rPr lang="en-US">
-                          <a:effectLst/>
-                        </a:rPr>
-                        <a:t>50</a:t>
-                      </a:r>
-                    </a:p>
-                  </a:txBody>
-                  <a:tcPr marL="123825" marR="123825" marT="57150" marB="57150" anchor="ctr"/>
-                </a:tc>
-                <a:tc>
-                  <a:txBody>
-                    <a:bodyPr/>
-                    <a:lstStyle/>
-                    <a:p>
-                      <a:r>
-                        <a:rPr lang="en-US">
-                          <a:effectLst/>
-                        </a:rPr>
-                        <a:t>Module to find individual location with GPS.</a:t>
-                      </a:r>
-                    </a:p>
-                  </a:txBody>
-                  <a:tcPr marL="123825" marR="123825" marT="57150" marB="57150" anchor="ctr"/>
-                </a:tc>
-                <a:extLst>
-                  <a:ext uri="{0D108BD9-81ED-4DB2-BD59-A6C34878D82A}">
-                    <a16:rowId xmlns:a16="http://schemas.microsoft.com/office/drawing/2014/main" xmlns="" val="2564084175"/>
-                  </a:ext>
-                </a:extLst>
-              </a:tr>
-              <a:tr h="370840">
-                <a:tc>
-                  <a:txBody>
-                    <a:bodyPr/>
-                    <a:lstStyle/>
-                    <a:p>
-                      <a:r>
-                        <a:rPr lang="en-US">
-                          <a:effectLst/>
-                        </a:rPr>
-                        <a:t>Server Modules</a:t>
-                      </a:r>
-                    </a:p>
-                  </a:txBody>
-                  <a:tcPr marL="123825" marR="123825" marT="57150" marB="57150" anchor="ctr"/>
-                </a:tc>
-                <a:tc>
-                  <a:txBody>
-                    <a:bodyPr/>
-                    <a:lstStyle/>
-                    <a:p>
-                      <a:r>
-                        <a:rPr lang="en-US">
-                          <a:effectLst/>
-                        </a:rPr>
-                        <a:t>4@10</a:t>
-                      </a:r>
-                    </a:p>
-                  </a:txBody>
-                  <a:tcPr marL="123825" marR="123825" marT="57150" marB="57150" anchor="ctr"/>
-                </a:tc>
-                <a:tc>
-                  <a:txBody>
-                    <a:bodyPr/>
-                    <a:lstStyle/>
-                    <a:p>
-                      <a:r>
-                        <a:rPr lang="en-US">
-                          <a:effectLst/>
-                        </a:rPr>
-                        <a:t>40</a:t>
-                      </a:r>
-                    </a:p>
-                  </a:txBody>
-                  <a:tcPr marL="123825" marR="123825" marT="57150" marB="57150" anchor="ctr"/>
-                </a:tc>
-                <a:tc>
-                  <a:txBody>
-                    <a:bodyPr/>
-                    <a:lstStyle/>
-                    <a:p>
-                      <a:r>
-                        <a:rPr lang="en-US">
-                          <a:effectLst/>
-                        </a:rPr>
-                        <a:t>Data server for all 4 Map Modules.</a:t>
-                      </a:r>
-                    </a:p>
-                  </a:txBody>
-                  <a:tcPr marL="123825" marR="123825" marT="57150" marB="57150" anchor="ctr"/>
-                </a:tc>
-                <a:extLst>
-                  <a:ext uri="{0D108BD9-81ED-4DB2-BD59-A6C34878D82A}">
-                    <a16:rowId xmlns:a16="http://schemas.microsoft.com/office/drawing/2014/main" xmlns="" val="2775949887"/>
-                  </a:ext>
-                </a:extLst>
-              </a:tr>
-              <a:tr h="370840">
-                <a:tc>
-                  <a:txBody>
-                    <a:bodyPr/>
-                    <a:lstStyle/>
-                    <a:p>
-                      <a:r>
-                        <a:rPr lang="en-US">
-                          <a:effectLst/>
-                        </a:rPr>
-                        <a:t>3GL Total</a:t>
-                      </a:r>
-                    </a:p>
-                  </a:txBody>
-                  <a:tcPr marL="123825" marR="123825" marT="57150" marB="57150" anchor="ctr"/>
-                </a:tc>
-                <a:tc>
-                  <a:txBody>
-                    <a:bodyPr/>
-                    <a:lstStyle/>
-                    <a:p>
-                      <a:endParaRPr lang="en-US">
-                        <a:effectLst/>
-                      </a:endParaRPr>
-                    </a:p>
-                  </a:txBody>
-                  <a:tcPr marL="123825" marR="123825" marT="57150" marB="57150" anchor="ctr"/>
-                </a:tc>
-                <a:tc>
-                  <a:txBody>
-                    <a:bodyPr/>
-                    <a:lstStyle/>
-                    <a:p>
-                      <a:r>
-                        <a:rPr lang="en-US">
-                          <a:effectLst/>
-                        </a:rPr>
-                        <a:t>140</a:t>
-                      </a:r>
-                    </a:p>
-                  </a:txBody>
-                  <a:tcPr marL="123825" marR="123825" marT="57150" marB="57150" anchor="ctr"/>
-                </a:tc>
-                <a:tc>
-                  <a:txBody>
-                    <a:bodyPr/>
-                    <a:lstStyle/>
-                    <a:p>
-                      <a:r>
-                        <a:rPr lang="en-US">
-                          <a:effectLst/>
-                        </a:rPr>
-                        <a:t>Total object points for 3GL Module.</a:t>
-                      </a:r>
-                    </a:p>
-                  </a:txBody>
-                  <a:tcPr marL="123825" marR="123825" marT="57150" marB="57150" anchor="ctr"/>
-                </a:tc>
-                <a:extLst>
-                  <a:ext uri="{0D108BD9-81ED-4DB2-BD59-A6C34878D82A}">
-                    <a16:rowId xmlns:a16="http://schemas.microsoft.com/office/drawing/2014/main" xmlns="" val="2549268092"/>
-                  </a:ext>
-                </a:extLst>
-              </a:tr>
-              <a:tr h="370840">
-                <a:tc>
-                  <a:txBody>
-                    <a:bodyPr/>
-                    <a:lstStyle/>
-                    <a:p>
-                      <a:r>
-                        <a:rPr lang="en-US">
-                          <a:effectLst/>
-                        </a:rPr>
-                        <a:t>Total Object Points</a:t>
-                      </a:r>
-                    </a:p>
-                  </a:txBody>
-                  <a:tcPr marL="123825" marR="123825" marT="57150" marB="57150" anchor="ctr"/>
-                </a:tc>
-                <a:tc>
-                  <a:txBody>
-                    <a:bodyPr/>
-                    <a:lstStyle/>
-                    <a:p>
-                      <a:endParaRPr lang="en-US">
-                        <a:effectLst/>
-                      </a:endParaRPr>
-                    </a:p>
-                  </a:txBody>
-                  <a:tcPr marL="123825" marR="123825" marT="57150" marB="57150" anchor="ctr"/>
-                </a:tc>
-                <a:tc>
-                  <a:txBody>
-                    <a:bodyPr/>
-                    <a:lstStyle/>
-                    <a:p>
-                      <a:r>
-                        <a:rPr lang="en-US">
-                          <a:effectLst/>
-                        </a:rPr>
-                        <a:t>160</a:t>
-                      </a:r>
-                    </a:p>
-                  </a:txBody>
-                  <a:tcPr marL="123825" marR="123825" marT="57150" marB="57150" anchor="ctr"/>
-                </a:tc>
-                <a:tc>
-                  <a:txBody>
-                    <a:bodyPr/>
-                    <a:lstStyle/>
-                    <a:p>
-                      <a:r>
-                        <a:rPr lang="en-US" dirty="0">
-                          <a:effectLst/>
-                        </a:rPr>
-                        <a:t>Total object points for the project.</a:t>
-                      </a:r>
-                    </a:p>
-                  </a:txBody>
-                  <a:tcPr marL="123825" marR="123825" marT="57150" marB="57150" anchor="ctr"/>
-                </a:tc>
-                <a:extLst>
-                  <a:ext uri="{0D108BD9-81ED-4DB2-BD59-A6C34878D82A}">
-                    <a16:rowId xmlns:a16="http://schemas.microsoft.com/office/drawing/2014/main" xmlns="" val="178318549"/>
-                  </a:ext>
-                </a:extLst>
-              </a:tr>
-            </a:tbl>
-          </a:graphicData>
-        </a:graphic>
-      </p:graphicFrame>
-      <p:pic>
-        <p:nvPicPr>
-          <p:cNvPr id="5" name="Picture 4" descr="TeamLogo.png"/>
-          <p:cNvPicPr>
-            <a:picLocks noChangeAspect="1"/>
-          </p:cNvPicPr>
-          <p:nvPr/>
-        </p:nvPicPr>
-        <p:blipFill>
-          <a:blip r:embed="rId2">
-            <a:extLst>
-              <a:ext uri="{28A0092B-C50C-407E-A947-70E740481C1C}">
-                <a14:useLocalDpi xmlns:a14="http://schemas.microsoft.com/office/drawing/2010/main" val="0"/>
-              </a:ext>
-            </a:extLst>
-          </a:blip>
-          <a:stretch>
-            <a:fillRect/>
-          </a:stretch>
-        </p:blipFill>
-        <p:spPr>
-          <a:xfrm>
-            <a:off x="11220623" y="206756"/>
-            <a:ext cx="742103" cy="989471"/>
-          </a:xfrm>
-          <a:prstGeom prst="rect">
-            <a:avLst/>
-          </a:prstGeom>
-        </p:spPr>
-      </p:pic>
-      <p:sp>
-        <p:nvSpPr>
-          <p:cNvPr id="6" name="TextBox 5"/>
-          <p:cNvSpPr txBox="1"/>
-          <p:nvPr/>
-        </p:nvSpPr>
-        <p:spPr>
-          <a:xfrm>
-            <a:off x="1122291" y="6335573"/>
-            <a:ext cx="1629623" cy="369332"/>
-          </a:xfrm>
-          <a:prstGeom prst="rect">
-            <a:avLst/>
-          </a:prstGeom>
-          <a:noFill/>
-        </p:spPr>
-        <p:txBody>
-          <a:bodyPr wrap="none" rtlCol="0">
-            <a:spAutoFit/>
-          </a:bodyPr>
-          <a:lstStyle/>
-          <a:p>
-            <a:r>
-              <a:rPr lang="en-US" dirty="0" smtClean="0"/>
-              <a:t>Code Monkey</a:t>
-            </a:r>
-            <a:endParaRPr lang="en-US" dirty="0"/>
-          </a:p>
-        </p:txBody>
-      </p:sp>
-      <p:sp>
-        <p:nvSpPr>
-          <p:cNvPr id="7" name="TextBox 6"/>
-          <p:cNvSpPr txBox="1"/>
-          <p:nvPr/>
-        </p:nvSpPr>
-        <p:spPr>
-          <a:xfrm>
-            <a:off x="9499907" y="6369826"/>
-            <a:ext cx="1478703" cy="369332"/>
-          </a:xfrm>
-          <a:prstGeom prst="rect">
-            <a:avLst/>
-          </a:prstGeom>
-          <a:noFill/>
-        </p:spPr>
-        <p:txBody>
-          <a:bodyPr wrap="none" rtlCol="0">
-            <a:spAutoFit/>
-          </a:bodyPr>
-          <a:lstStyle/>
-          <a:p>
-            <a:r>
-              <a:rPr lang="en-US" dirty="0" smtClean="0"/>
-              <a:t>April 5, 2017</a:t>
-            </a:r>
-            <a:endParaRPr lang="en-US" dirty="0"/>
-          </a:p>
-        </p:txBody>
-      </p:sp>
-    </p:spTree>
-    <p:extLst>
-      <p:ext uri="{BB962C8B-B14F-4D97-AF65-F5344CB8AC3E}">
-        <p14:creationId xmlns:p14="http://schemas.microsoft.com/office/powerpoint/2010/main" val="2876187254"/>
-      </p:ext>
-    </p:extLst>
-  </p:cSld>
-  <p:clrMapOvr>
-    <a:masterClrMapping/>
-  </p:clrMapOvr>
-  <mc:AlternateContent xmlns:mc="http://schemas.openxmlformats.org/markup-compatibility/2006" xmlns:p14="http://schemas.microsoft.com/office/powerpoint/2010/main">
-    <mc:Choice Requires="p14">
-      <p:transition spd="med" p14:dur="700">
-        <p:fade/>
-      </p:transition>
-    </mc:Choice>
-    <mc:Fallback xmlns="">
-      <p:transition spd="med">
-        <p:fade/>
-      </p:transition>
-    </mc:Fallback>
-  </mc:AlternateContent>
-  <p:timing>
-    <p:tnLst>
-      <p:par>
-        <p:cTn id="1" dur="indefinite" restart="never" nodeType="tmRoot"/>
-      </p:par>
-    </p:tnLst>
-  </p:timing>
-</p:sld>
-</file>
-
-<file path=ppt/slides/slide15.xml><?xml version="1.0" encoding="utf-8"?>
-<p:sld xmlns:a="http://schemas.openxmlformats.org/drawingml/2006/main" xmlns:r="http://schemas.openxmlformats.org/officeDocument/2006/relationships" xmlns:p="http://schemas.openxmlformats.org/presentationml/2006/main">
-  <p:cSld>
-    <p:spTree>
-      <p:nvGrpSpPr>
-        <p:cNvPr id="1" name=""/>
-        <p:cNvGrpSpPr/>
-        <p:nvPr/>
-      </p:nvGrpSpPr>
-      <p:grpSpPr>
-        <a:xfrm>
-          <a:off x="0" y="0"/>
-          <a:ext cx="0" cy="0"/>
-          <a:chOff x="0" y="0"/>
-          <a:chExt cx="0" cy="0"/>
-        </a:xfrm>
-      </p:grpSpPr>
-      <p:sp>
-        <p:nvSpPr>
-          <p:cNvPr id="2" name="Title 1"/>
-          <p:cNvSpPr>
-            <a:spLocks noGrp="1"/>
-          </p:cNvSpPr>
-          <p:nvPr>
-            <p:ph type="title"/>
-          </p:nvPr>
-        </p:nvSpPr>
-        <p:spPr/>
-        <p:txBody>
-          <a:bodyPr/>
-          <a:lstStyle/>
-          <a:p>
-            <a:r>
-              <a:rPr lang="en-US" dirty="0" smtClean="0"/>
-              <a:t>Effort Estimate</a:t>
-            </a:r>
-            <a:endParaRPr lang="en-US" dirty="0"/>
-          </a:p>
-        </p:txBody>
-      </p:sp>
-      <p:sp>
-        <p:nvSpPr>
-          <p:cNvPr id="3" name="Content Placeholder 2"/>
-          <p:cNvSpPr>
-            <a:spLocks noGrp="1"/>
-          </p:cNvSpPr>
-          <p:nvPr>
-            <p:ph idx="1"/>
-          </p:nvPr>
-        </p:nvSpPr>
-        <p:spPr/>
-        <p:txBody>
-          <a:bodyPr/>
-          <a:lstStyle/>
-          <a:p>
-            <a:r>
-              <a:rPr lang="en-US" dirty="0"/>
-              <a:t>Productivity (PROD)</a:t>
-            </a:r>
-          </a:p>
-          <a:p>
-            <a:pPr lvl="1"/>
-            <a:r>
-              <a:rPr lang="en-US" dirty="0"/>
-              <a:t>PROD estimate is </a:t>
-            </a:r>
-            <a:r>
-              <a:rPr lang="en-US" dirty="0" smtClean="0"/>
-              <a:t>normal (10)</a:t>
-            </a:r>
-            <a:endParaRPr lang="en-US" dirty="0"/>
-          </a:p>
-          <a:p>
-            <a:pPr lvl="1"/>
-            <a:r>
-              <a:rPr lang="en-US" dirty="0"/>
-              <a:t>PROD = 160 NOP / </a:t>
-            </a:r>
-            <a:r>
-              <a:rPr lang="en-US" dirty="0" smtClean="0"/>
-              <a:t>16 </a:t>
-            </a:r>
-            <a:r>
-              <a:rPr lang="en-US" dirty="0"/>
-              <a:t>person months</a:t>
-            </a:r>
-          </a:p>
-          <a:p>
-            <a:pPr lvl="1"/>
-            <a:r>
-              <a:rPr lang="en-US" dirty="0"/>
-              <a:t>PM = </a:t>
-            </a:r>
-            <a:r>
-              <a:rPr lang="en-US" dirty="0" smtClean="0"/>
-              <a:t>4hr </a:t>
-            </a:r>
-            <a:r>
-              <a:rPr lang="en-US" dirty="0"/>
-              <a:t>x 1 week x 4 weeks</a:t>
-            </a:r>
-          </a:p>
-          <a:p>
-            <a:pPr lvl="1"/>
-            <a:r>
-              <a:rPr lang="en-US" dirty="0"/>
-              <a:t>Justification: students</a:t>
-            </a:r>
-          </a:p>
-          <a:p>
-            <a:r>
-              <a:rPr lang="en-US" dirty="0"/>
-              <a:t>Some code reuse is anticipated so adjusted effort = NOP</a:t>
-            </a:r>
-          </a:p>
-          <a:p>
-            <a:pPr lvl="1"/>
-            <a:r>
-              <a:rPr lang="en-US" dirty="0"/>
-              <a:t>NOP = (160 </a:t>
-            </a:r>
-            <a:r>
-              <a:rPr lang="en-US" dirty="0" err="1"/>
-              <a:t>Obj</a:t>
-            </a:r>
-            <a:r>
-              <a:rPr lang="en-US" dirty="0"/>
-              <a:t> pts x (100-0.1)) / 100 = 159.8</a:t>
-            </a:r>
-          </a:p>
-          <a:p>
-            <a:r>
-              <a:rPr lang="en-US" dirty="0"/>
-              <a:t>Effort Estimate in person months (PM) (PM = </a:t>
-            </a:r>
-            <a:r>
-              <a:rPr lang="en-US" dirty="0" smtClean="0"/>
-              <a:t>16)</a:t>
-            </a:r>
-            <a:endParaRPr lang="en-US" dirty="0"/>
-          </a:p>
-          <a:p>
-            <a:pPr lvl="1"/>
-            <a:r>
-              <a:rPr lang="en-US" dirty="0"/>
-              <a:t>Effort(PM) = 159</a:t>
-            </a:r>
-            <a:r>
-              <a:rPr lang="en-US" dirty="0" smtClean="0"/>
-              <a:t>/10 </a:t>
-            </a:r>
-            <a:r>
-              <a:rPr lang="en-US" dirty="0"/>
-              <a:t>= </a:t>
-            </a:r>
-            <a:r>
-              <a:rPr lang="en-US" dirty="0" smtClean="0"/>
-              <a:t>15.9 </a:t>
-            </a:r>
-            <a:r>
-              <a:rPr lang="en-US" dirty="0"/>
-              <a:t>person months</a:t>
-            </a:r>
-          </a:p>
-        </p:txBody>
-      </p:sp>
-      <p:pic>
-        <p:nvPicPr>
-          <p:cNvPr id="4" name="Picture 3" descr="TeamLogo.png"/>
-          <p:cNvPicPr>
-            <a:picLocks noChangeAspect="1"/>
-          </p:cNvPicPr>
-          <p:nvPr/>
-        </p:nvPicPr>
-        <p:blipFill>
-          <a:blip r:embed="rId2">
-            <a:extLst>
-              <a:ext uri="{28A0092B-C50C-407E-A947-70E740481C1C}">
-                <a14:useLocalDpi xmlns:a14="http://schemas.microsoft.com/office/drawing/2010/main" val="0"/>
-              </a:ext>
-            </a:extLst>
-          </a:blip>
-          <a:stretch>
-            <a:fillRect/>
-          </a:stretch>
-        </p:blipFill>
-        <p:spPr>
-          <a:xfrm>
-            <a:off x="11220623" y="206756"/>
-            <a:ext cx="742103" cy="989471"/>
-          </a:xfrm>
-          <a:prstGeom prst="rect">
-            <a:avLst/>
-          </a:prstGeom>
-        </p:spPr>
-      </p:pic>
-      <p:sp>
-        <p:nvSpPr>
-          <p:cNvPr id="5" name="TextBox 4"/>
-          <p:cNvSpPr txBox="1"/>
-          <p:nvPr/>
-        </p:nvSpPr>
-        <p:spPr>
-          <a:xfrm>
-            <a:off x="1122291" y="6335573"/>
-            <a:ext cx="1629623" cy="369332"/>
-          </a:xfrm>
-          <a:prstGeom prst="rect">
-            <a:avLst/>
-          </a:prstGeom>
-          <a:noFill/>
-        </p:spPr>
-        <p:txBody>
-          <a:bodyPr wrap="none" rtlCol="0">
-            <a:spAutoFit/>
-          </a:bodyPr>
-          <a:lstStyle/>
-          <a:p>
-            <a:r>
-              <a:rPr lang="en-US" dirty="0" smtClean="0"/>
-              <a:t>Code Monkey</a:t>
-            </a:r>
-            <a:endParaRPr lang="en-US" dirty="0"/>
-          </a:p>
-        </p:txBody>
-      </p:sp>
-      <p:sp>
-        <p:nvSpPr>
-          <p:cNvPr id="6" name="TextBox 5"/>
-          <p:cNvSpPr txBox="1"/>
-          <p:nvPr/>
-        </p:nvSpPr>
-        <p:spPr>
-          <a:xfrm>
-            <a:off x="9499907" y="6369826"/>
-            <a:ext cx="1478703" cy="369332"/>
-          </a:xfrm>
-          <a:prstGeom prst="rect">
-            <a:avLst/>
-          </a:prstGeom>
-          <a:noFill/>
-        </p:spPr>
-        <p:txBody>
-          <a:bodyPr wrap="none" rtlCol="0">
-            <a:spAutoFit/>
-          </a:bodyPr>
-          <a:lstStyle/>
-          <a:p>
-            <a:r>
-              <a:rPr lang="en-US" dirty="0" smtClean="0"/>
-              <a:t>April 5, 2017</a:t>
-            </a:r>
-            <a:endParaRPr lang="en-US" dirty="0"/>
-          </a:p>
-        </p:txBody>
-      </p:sp>
-    </p:spTree>
-    <p:extLst>
-      <p:ext uri="{BB962C8B-B14F-4D97-AF65-F5344CB8AC3E}">
-        <p14:creationId xmlns:p14="http://schemas.microsoft.com/office/powerpoint/2010/main" val="3181238762"/>
-      </p:ext>
-    </p:extLst>
-  </p:cSld>
-  <p:clrMapOvr>
-    <a:masterClrMapping/>
-  </p:clrMapOvr>
-  <mc:AlternateContent xmlns:mc="http://schemas.openxmlformats.org/markup-compatibility/2006" xmlns:p14="http://schemas.microsoft.com/office/powerpoint/2010/main">
-    <mc:Choice Requires="p14">
-      <p:transition spd="med" p14:dur="700">
-        <p:fade/>
-      </p:transition>
-    </mc:Choice>
-    <mc:Fallback xmlns="">
-      <p:transition spd="med">
-        <p:fade/>
-      </p:transition>
-    </mc:Fallback>
-  </mc:AlternateContent>
-  <p:timing>
-    <p:tnLst>
-      <p:par>
-        <p:cTn id="1" dur="indefinite" restart="never" nodeType="tmRoot"/>
-      </p:par>
-    </p:tnLst>
-  </p:timing>
-</p:sld>
-</file>
-
-<file path=ppt/slides/slide16.xml><?xml version="1.0" encoding="utf-8"?>
 <p:sld xmlns:a="http://schemas.openxmlformats.org/drawingml/2006/main" xmlns:r="http://schemas.openxmlformats.org/officeDocument/2006/relationships" xmlns:p="http://schemas.openxmlformats.org/presentationml/2006/main">
   <p:cSld>
     <p:spTree>
@@ -7323,7 +4353,7 @@
           <a:noFill/>
           <a:extLst>
             <a:ext uri="{909E8E84-426E-40dd-AFC4-6F175D3DCCD1}">
-              <a14:hiddenFill xmlns:a14="http://schemas.microsoft.com/office/drawing/2010/main" xmlns="">
+              <a14:hiddenFill xmlns:a14="http://schemas.microsoft.com/office/drawing/2010/main">
                 <a:solidFill>
                   <a:srgbClr val="FFFFFF"/>
                 </a:solidFill>
@@ -7447,14 +4477,14 @@
   <p:timing>
     <p:tnLst>
       <p:par>
-        <p:cTn id="1" dur="indefinite" restart="never" nodeType="tmRoot"/>
+        <p:cTn xmlns:p14="http://schemas.microsoft.com/office/powerpoint/2010/main" id="1" dur="indefinite" restart="never" nodeType="tmRoot"/>
       </p:par>
     </p:tnLst>
   </p:timing>
 </p:sld>
 </file>
 
-<file path=ppt/slides/slide17.xml><?xml version="1.0" encoding="utf-8"?>
+<file path=ppt/slides/slide11.xml><?xml version="1.0" encoding="utf-8"?>
 <p:sld xmlns:a="http://schemas.openxmlformats.org/drawingml/2006/main" xmlns:r="http://schemas.openxmlformats.org/officeDocument/2006/relationships" xmlns:p="http://schemas.openxmlformats.org/presentationml/2006/main">
   <p:cSld>
     <p:spTree>
@@ -7511,13 +4541,8 @@
           <a:p>
             <a:r>
               <a:rPr lang="en-US" dirty="0" smtClean="0"/>
-              <a:t>Penetration </a:t>
-            </a:r>
-            <a:r>
-              <a:rPr lang="en-US" dirty="0" smtClean="0"/>
-              <a:t>Attacks</a:t>
-            </a:r>
-            <a:endParaRPr lang="en-US" dirty="0" smtClean="0"/>
+              <a:t>Penetration Attacks</a:t>
+            </a:r>
           </a:p>
           <a:p>
             <a:pPr lvl="1"/>
@@ -7531,7 +4556,6 @@
               <a:rPr lang="en-US" dirty="0" smtClean="0"/>
               <a:t>MITM Attack</a:t>
             </a:r>
-            <a:endParaRPr lang="en-US" dirty="0" smtClean="0"/>
           </a:p>
           <a:p>
             <a:r>
@@ -7546,7 +4570,6 @@
               <a:rPr lang="en-US" dirty="0" smtClean="0"/>
               <a:t>njection</a:t>
             </a:r>
-            <a:endParaRPr lang="en-US" dirty="0" smtClean="0"/>
           </a:p>
         </p:txBody>
       </p:sp>
@@ -7665,7 +4688,7 @@
 </p:sld>
 </file>
 
-<file path=ppt/slides/slide18.xml><?xml version="1.0" encoding="utf-8"?>
+<file path=ppt/slides/slide12.xml><?xml version="1.0" encoding="utf-8"?>
 <p:sld xmlns:a="http://schemas.openxmlformats.org/drawingml/2006/main" xmlns:r="http://schemas.openxmlformats.org/officeDocument/2006/relationships" xmlns:p="http://schemas.openxmlformats.org/presentationml/2006/main">
   <p:cSld>
     <p:spTree>
@@ -7730,7 +4753,7 @@
         </p:nvGraphicFramePr>
         <p:xfrm>
           <a:off x="609600" y="1600200"/>
-          <a:ext cx="10972800" cy="2565400"/>
+          <a:ext cx="10972800" cy="2565399"/>
         </p:xfrm>
         <a:graphic>
           <a:graphicData uri="http://schemas.openxmlformats.org/drawingml/2006/table">
@@ -8110,7 +5133,7 @@
           <a:p>
             <a:r>
               <a:rPr lang="en-US" dirty="0" smtClean="0"/>
-              <a:t>System Inception</a:t>
+              <a:t>Sprint 1 Inception</a:t>
             </a:r>
             <a:endParaRPr lang="en-US" dirty="0"/>
           </a:p>
@@ -8308,7 +5331,7 @@
   <p:timing>
     <p:tnLst>
       <p:par>
-        <p:cTn id="1" dur="indefinite" restart="never" nodeType="tmRoot"/>
+        <p:cTn xmlns:p14="http://schemas.microsoft.com/office/powerpoint/2010/main" id="1" dur="indefinite" restart="never" nodeType="tmRoot"/>
       </p:par>
     </p:tnLst>
   </p:timing>
@@ -8362,47 +5385,6 @@
       </p:sp>
       <p:pic>
         <p:nvPicPr>
-          <p:cNvPr id="2050" name="Picture 2" descr="Use Case Model"/>
-          <p:cNvPicPr>
-            <a:picLocks noChangeAspect="1" noChangeArrowheads="1"/>
-          </p:cNvPicPr>
-          <p:nvPr/>
-        </p:nvPicPr>
-        <p:blipFill>
-          <a:blip r:embed="rId2">
-            <a:extLst>
-              <a:ext uri="{28A0092B-C50C-407E-A947-70E740481C1C}">
-                <a14:useLocalDpi xmlns:a14="http://schemas.microsoft.com/office/drawing/2010/main" val="0"/>
-              </a:ext>
-            </a:extLst>
-          </a:blip>
-          <a:srcRect/>
-          <a:stretch>
-            <a:fillRect/>
-          </a:stretch>
-        </p:blipFill>
-        <p:spPr bwMode="auto">
-          <a:xfrm>
-            <a:off x="2635044" y="298449"/>
-            <a:ext cx="7270956" cy="6261102"/>
-          </a:xfrm>
-          <a:prstGeom prst="rect">
-            <a:avLst/>
-          </a:prstGeom>
-          <a:noFill/>
-          <a:extLst>
-            <a:ext uri="{909E8E84-426E-40dd-AFC4-6F175D3DCCD1}">
-              <a14:hiddenFill xmlns:a14="http://schemas.microsoft.com/office/drawing/2010/main" xmlns="">
-                <a:solidFill>
-                  <a:srgbClr val="FFFFFF"/>
-                </a:solidFill>
-              </a14:hiddenFill>
-            </a:ext>
-          </a:extLst>
-        </p:spPr>
-      </p:pic>
-      <p:pic>
-        <p:nvPicPr>
           <p:cNvPr id="4" name="Picture 3" descr="TeamLogo.png"/>
           <p:cNvPicPr>
             <a:picLocks noChangeAspect="1"/>
@@ -8410,7 +5392,7 @@
           <p:nvPr/>
         </p:nvPicPr>
         <p:blipFill>
-          <a:blip r:embed="rId3">
+          <a:blip r:embed="rId2">
             <a:extLst>
               <a:ext uri="{28A0092B-C50C-407E-A947-70E740481C1C}">
                 <a14:useLocalDpi xmlns:a14="http://schemas.microsoft.com/office/drawing/2010/main" val="0"/>
@@ -8516,7 +5498,7 @@
   <p:timing>
     <p:tnLst>
       <p:par>
-        <p:cTn id="1" dur="indefinite" restart="never" nodeType="tmRoot"/>
+        <p:cTn xmlns:p14="http://schemas.microsoft.com/office/powerpoint/2010/main" id="1" dur="indefinite" restart="never" nodeType="tmRoot"/>
       </p:par>
     </p:tnLst>
   </p:timing>
@@ -8573,14 +5555,14 @@
             <p:ph idx="1"/>
             <p:extLst>
               <p:ext uri="{D42A27DB-BD31-4B8C-83A1-F6EECF244321}">
-                <p14:modId xmlns:p14="http://schemas.microsoft.com/office/powerpoint/2010/main" val="2740616528"/>
+                <p14:modId xmlns:p14="http://schemas.microsoft.com/office/powerpoint/2010/main" val="3012838759"/>
               </p:ext>
             </p:extLst>
           </p:nvPr>
         </p:nvGraphicFramePr>
         <p:xfrm>
           <a:off x="609600" y="1600200"/>
-          <a:ext cx="10972800" cy="4079240"/>
+          <a:ext cx="10972800" cy="2966720"/>
         </p:xfrm>
         <a:graphic>
           <a:graphicData uri="http://schemas.openxmlformats.org/drawingml/2006/table">
@@ -8592,14 +5574,14 @@
                 <a:gridCol w="5486400">
                   <a:extLst>
                     <a:ext uri="{9D8B030D-6E8A-4147-A177-3AD203B41FA5}">
-                      <a16:colId xmlns:a16="http://schemas.microsoft.com/office/drawing/2014/main" xmlns="" val="4024214062"/>
+                      <a16:colId xmlns="" xmlns:a16="http://schemas.microsoft.com/office/drawing/2014/main" val="4024214062"/>
                     </a:ext>
                   </a:extLst>
                 </a:gridCol>
                 <a:gridCol w="5486400">
                   <a:extLst>
                     <a:ext uri="{9D8B030D-6E8A-4147-A177-3AD203B41FA5}">
-                      <a16:colId xmlns:a16="http://schemas.microsoft.com/office/drawing/2014/main" xmlns="" val="1838665537"/>
+                      <a16:colId xmlns="" xmlns:a16="http://schemas.microsoft.com/office/drawing/2014/main" val="1838665537"/>
                     </a:ext>
                   </a:extLst>
                 </a:gridCol>
@@ -8635,7 +5617,7 @@
                 </a:tc>
                 <a:extLst>
                   <a:ext uri="{0D108BD9-81ED-4DB2-BD59-A6C34878D82A}">
-                    <a16:rowId xmlns:a16="http://schemas.microsoft.com/office/drawing/2014/main" xmlns="" val="986279335"/>
+                    <a16:rowId xmlns="" xmlns:a16="http://schemas.microsoft.com/office/drawing/2014/main" val="986279335"/>
                   </a:ext>
                 </a:extLst>
               </a:tr>
@@ -8666,7 +5648,7 @@
                 </a:tc>
                 <a:extLst>
                   <a:ext uri="{0D108BD9-81ED-4DB2-BD59-A6C34878D82A}">
-                    <a16:rowId xmlns:a16="http://schemas.microsoft.com/office/drawing/2014/main" xmlns="" val="2649700066"/>
+                    <a16:rowId xmlns="" xmlns:a16="http://schemas.microsoft.com/office/drawing/2014/main" val="2649700066"/>
                   </a:ext>
                 </a:extLst>
               </a:tr>
@@ -8701,7 +5683,7 @@
                 </a:tc>
                 <a:extLst>
                   <a:ext uri="{0D108BD9-81ED-4DB2-BD59-A6C34878D82A}">
-                    <a16:rowId xmlns:a16="http://schemas.microsoft.com/office/drawing/2014/main" xmlns="" val="3650691391"/>
+                    <a16:rowId xmlns="" xmlns:a16="http://schemas.microsoft.com/office/drawing/2014/main" val="3650691391"/>
                   </a:ext>
                 </a:extLst>
               </a:tr>
@@ -8736,7 +5718,7 @@
                 </a:tc>
                 <a:extLst>
                   <a:ext uri="{0D108BD9-81ED-4DB2-BD59-A6C34878D82A}">
-                    <a16:rowId xmlns:a16="http://schemas.microsoft.com/office/drawing/2014/main" xmlns="" val="3717878835"/>
+                    <a16:rowId xmlns="" xmlns:a16="http://schemas.microsoft.com/office/drawing/2014/main" val="3717878835"/>
                   </a:ext>
                 </a:extLst>
               </a:tr>
@@ -8748,7 +5730,11 @@
                     <a:p>
                       <a:r>
                         <a:rPr lang="en-US" dirty="0" smtClean="0"/>
-                        <a:t>Cordova</a:t>
+                        <a:t>Map</a:t>
+                      </a:r>
+                      <a:r>
+                        <a:rPr lang="en-US" baseline="0" dirty="0" smtClean="0"/>
+                        <a:t> Technologies</a:t>
                       </a:r>
                       <a:endParaRPr lang="en-US" dirty="0"/>
                     </a:p>
@@ -8760,10 +5746,6 @@
                     <a:bodyPr/>
                     <a:lstStyle/>
                     <a:p>
-                      <a:r>
-                        <a:rPr lang="en-US" dirty="0" smtClean="0"/>
-                        <a:t>Tutorial</a:t>
-                      </a:r>
                       <a:endParaRPr lang="en-US" dirty="0"/>
                     </a:p>
                   </a:txBody>
@@ -8771,7 +5753,7 @@
                 </a:tc>
                 <a:extLst>
                   <a:ext uri="{0D108BD9-81ED-4DB2-BD59-A6C34878D82A}">
-                    <a16:rowId xmlns:a16="http://schemas.microsoft.com/office/drawing/2014/main" xmlns="" val="304909867"/>
+                    <a16:rowId xmlns="" xmlns:a16="http://schemas.microsoft.com/office/drawing/2014/main" val="207666318"/>
                   </a:ext>
                 </a:extLst>
               </a:tr>
@@ -8783,11 +5765,7 @@
                     <a:p>
                       <a:r>
                         <a:rPr lang="en-US" dirty="0" smtClean="0"/>
-                        <a:t>Windows 10</a:t>
-                      </a:r>
-                      <a:r>
-                        <a:rPr lang="en-US" baseline="0" dirty="0" smtClean="0"/>
-                        <a:t> Phone</a:t>
+                        <a:t>Google Maps</a:t>
                       </a:r>
                       <a:endParaRPr lang="en-US" dirty="0"/>
                     </a:p>
@@ -8801,7 +5779,7 @@
                     <a:p>
                       <a:r>
                         <a:rPr lang="en-US" dirty="0" smtClean="0"/>
-                        <a:t>None</a:t>
+                        <a:t>Tutorial</a:t>
                       </a:r>
                       <a:endParaRPr lang="en-US" dirty="0"/>
                     </a:p>
@@ -8810,7 +5788,7 @@
                 </a:tc>
                 <a:extLst>
                   <a:ext uri="{0D108BD9-81ED-4DB2-BD59-A6C34878D82A}">
-                    <a16:rowId xmlns:a16="http://schemas.microsoft.com/office/drawing/2014/main" xmlns="" val="1562380615"/>
+                    <a16:rowId xmlns="" xmlns:a16="http://schemas.microsoft.com/office/drawing/2014/main" val="4219954106"/>
                   </a:ext>
                 </a:extLst>
               </a:tr>
@@ -8822,11 +5800,7 @@
                     <a:p>
                       <a:r>
                         <a:rPr lang="en-US" dirty="0" smtClean="0"/>
-                        <a:t>Map</a:t>
-                      </a:r>
-                      <a:r>
-                        <a:rPr lang="en-US" baseline="0" dirty="0" smtClean="0"/>
-                        <a:t> Technologies</a:t>
+                        <a:t>Open Layers</a:t>
                       </a:r>
                       <a:endParaRPr lang="en-US" dirty="0"/>
                     </a:p>
@@ -8838,14 +5812,17 @@
                     <a:bodyPr/>
                     <a:lstStyle/>
                     <a:p>
-                      <a:endParaRPr lang="en-US" dirty="0"/>
+                      <a:r>
+                        <a:rPr lang="en-US" dirty="0" smtClean="0"/>
+                        <a:t>None</a:t>
+                      </a:r>
                     </a:p>
                   </a:txBody>
                   <a:tcPr/>
                 </a:tc>
                 <a:extLst>
                   <a:ext uri="{0D108BD9-81ED-4DB2-BD59-A6C34878D82A}">
-                    <a16:rowId xmlns:a16="http://schemas.microsoft.com/office/drawing/2014/main" xmlns="" val="207666318"/>
+                    <a16:rowId xmlns="" xmlns:a16="http://schemas.microsoft.com/office/drawing/2014/main" val="2041197959"/>
                   </a:ext>
                 </a:extLst>
               </a:tr>
@@ -8856,134 +5833,30 @@
                     <a:lstStyle/>
                     <a:p>
                       <a:r>
+                        <a:rPr lang="en-US" dirty="0" err="1" smtClean="0"/>
+                        <a:t>OpenStreetMap</a:t>
+                      </a:r>
+                      <a:endParaRPr lang="en-US" dirty="0"/>
+                    </a:p>
+                  </a:txBody>
+                  <a:tcPr/>
+                </a:tc>
+                <a:tc>
+                  <a:txBody>
+                    <a:bodyPr/>
+                    <a:lstStyle/>
+                    <a:p>
+                      <a:r>
                         <a:rPr lang="en-US" dirty="0" smtClean="0"/>
-                        <a:t>Google Maps</a:t>
-                      </a:r>
-                      <a:endParaRPr lang="en-US" dirty="0"/>
-                    </a:p>
-                  </a:txBody>
-                  <a:tcPr/>
-                </a:tc>
-                <a:tc>
-                  <a:txBody>
-                    <a:bodyPr/>
-                    <a:lstStyle/>
-                    <a:p>
-                      <a:r>
-                        <a:rPr lang="en-US" dirty="0" smtClean="0"/>
-                        <a:t>Tutorial</a:t>
-                      </a:r>
-                      <a:endParaRPr lang="en-US" dirty="0"/>
+                        <a:t>None</a:t>
+                      </a:r>
                     </a:p>
                   </a:txBody>
                   <a:tcPr/>
                 </a:tc>
                 <a:extLst>
                   <a:ext uri="{0D108BD9-81ED-4DB2-BD59-A6C34878D82A}">
-                    <a16:rowId xmlns:a16="http://schemas.microsoft.com/office/drawing/2014/main" xmlns="" val="4219954106"/>
-                  </a:ext>
-                </a:extLst>
-              </a:tr>
-              <a:tr h="370840">
-                <a:tc>
-                  <a:txBody>
-                    <a:bodyPr/>
-                    <a:lstStyle/>
-                    <a:p>
-                      <a:r>
-                        <a:rPr lang="en-US" dirty="0" smtClean="0"/>
-                        <a:t>Microsoft Bing Maps</a:t>
-                      </a:r>
-                      <a:endParaRPr lang="en-US" dirty="0"/>
-                    </a:p>
-                  </a:txBody>
-                  <a:tcPr/>
-                </a:tc>
-                <a:tc>
-                  <a:txBody>
-                    <a:bodyPr/>
-                    <a:lstStyle/>
-                    <a:p>
-                      <a:r>
-                        <a:rPr lang="en-US" dirty="0" smtClean="0"/>
-                        <a:t>None</a:t>
-                      </a:r>
-                      <a:endParaRPr lang="en-US" dirty="0"/>
-                    </a:p>
-                  </a:txBody>
-                  <a:tcPr/>
-                </a:tc>
-                <a:extLst>
-                  <a:ext uri="{0D108BD9-81ED-4DB2-BD59-A6C34878D82A}">
-                    <a16:rowId xmlns:a16="http://schemas.microsoft.com/office/drawing/2014/main" xmlns="" val="2908311740"/>
-                  </a:ext>
-                </a:extLst>
-              </a:tr>
-              <a:tr h="370840">
-                <a:tc>
-                  <a:txBody>
-                    <a:bodyPr/>
-                    <a:lstStyle/>
-                    <a:p>
-                      <a:r>
-                        <a:rPr lang="en-US" dirty="0" smtClean="0"/>
-                        <a:t>Open Layers</a:t>
-                      </a:r>
-                      <a:endParaRPr lang="en-US" dirty="0"/>
-                    </a:p>
-                  </a:txBody>
-                  <a:tcPr/>
-                </a:tc>
-                <a:tc>
-                  <a:txBody>
-                    <a:bodyPr/>
-                    <a:lstStyle/>
-                    <a:p>
-                      <a:r>
-                        <a:rPr lang="en-US" dirty="0" smtClean="0"/>
-                        <a:t>None</a:t>
-                      </a:r>
-                    </a:p>
-                  </a:txBody>
-                  <a:tcPr/>
-                </a:tc>
-                <a:extLst>
-                  <a:ext uri="{0D108BD9-81ED-4DB2-BD59-A6C34878D82A}">
-                    <a16:rowId xmlns:a16="http://schemas.microsoft.com/office/drawing/2014/main" xmlns="" val="2041197959"/>
-                  </a:ext>
-                </a:extLst>
-              </a:tr>
-              <a:tr h="370840">
-                <a:tc>
-                  <a:txBody>
-                    <a:bodyPr/>
-                    <a:lstStyle/>
-                    <a:p>
-                      <a:r>
-                        <a:rPr lang="en-US" dirty="0" err="1" smtClean="0"/>
-                        <a:t>OpenStreetMap</a:t>
-                      </a:r>
-                      <a:endParaRPr lang="en-US" dirty="0"/>
-                    </a:p>
-                  </a:txBody>
-                  <a:tcPr/>
-                </a:tc>
-                <a:tc>
-                  <a:txBody>
-                    <a:bodyPr/>
-                    <a:lstStyle/>
-                    <a:p>
-                      <a:r>
-                        <a:rPr lang="en-US" dirty="0" smtClean="0"/>
-                        <a:t>None</a:t>
-                      </a:r>
-                    </a:p>
-                  </a:txBody>
-                  <a:tcPr/>
-                </a:tc>
-                <a:extLst>
-                  <a:ext uri="{0D108BD9-81ED-4DB2-BD59-A6C34878D82A}">
-                    <a16:rowId xmlns:a16="http://schemas.microsoft.com/office/drawing/2014/main" xmlns="" val="1620820458"/>
+                    <a16:rowId xmlns="" xmlns:a16="http://schemas.microsoft.com/office/drawing/2014/main" val="1620820458"/>
                   </a:ext>
                 </a:extLst>
               </a:tr>
@@ -9106,7 +5979,7 @@
   <p:timing>
     <p:tnLst>
       <p:par>
-        <p:cTn id="1" dur="indefinite" restart="never" nodeType="tmRoot"/>
+        <p:cTn xmlns:p14="http://schemas.microsoft.com/office/powerpoint/2010/main" id="1" dur="indefinite" restart="never" nodeType="tmRoot"/>
       </p:par>
     </p:tnLst>
   </p:timing>
@@ -9163,14 +6036,14 @@
             <p:ph idx="1"/>
             <p:extLst>
               <p:ext uri="{D42A27DB-BD31-4B8C-83A1-F6EECF244321}">
-                <p14:modId xmlns:p14="http://schemas.microsoft.com/office/powerpoint/2010/main" val="4108653627"/>
+                <p14:modId xmlns:p14="http://schemas.microsoft.com/office/powerpoint/2010/main" val="2840570419"/>
               </p:ext>
             </p:extLst>
           </p:nvPr>
         </p:nvGraphicFramePr>
         <p:xfrm>
           <a:off x="609600" y="1600200"/>
-          <a:ext cx="10972800" cy="4450080"/>
+          <a:ext cx="10972800" cy="2225040"/>
         </p:xfrm>
         <a:graphic>
           <a:graphicData uri="http://schemas.openxmlformats.org/drawingml/2006/table">
@@ -9182,14 +6055,14 @@
                 <a:gridCol w="5486400">
                   <a:extLst>
                     <a:ext uri="{9D8B030D-6E8A-4147-A177-3AD203B41FA5}">
-                      <a16:colId xmlns:a16="http://schemas.microsoft.com/office/drawing/2014/main" xmlns="" val="4024214062"/>
+                      <a16:colId xmlns="" xmlns:a16="http://schemas.microsoft.com/office/drawing/2014/main" val="4024214062"/>
                     </a:ext>
                   </a:extLst>
                 </a:gridCol>
                 <a:gridCol w="5486400">
                   <a:extLst>
                     <a:ext uri="{9D8B030D-6E8A-4147-A177-3AD203B41FA5}">
-                      <a16:colId xmlns:a16="http://schemas.microsoft.com/office/drawing/2014/main" xmlns="" val="1838665537"/>
+                      <a16:colId xmlns="" xmlns:a16="http://schemas.microsoft.com/office/drawing/2014/main" val="1838665537"/>
                     </a:ext>
                   </a:extLst>
                 </a:gridCol>
@@ -9221,7 +6094,7 @@
                 </a:tc>
                 <a:extLst>
                   <a:ext uri="{0D108BD9-81ED-4DB2-BD59-A6C34878D82A}">
-                    <a16:rowId xmlns:a16="http://schemas.microsoft.com/office/drawing/2014/main" xmlns="" val="986279335"/>
+                    <a16:rowId xmlns="" xmlns:a16="http://schemas.microsoft.com/office/drawing/2014/main" val="986279335"/>
                   </a:ext>
                 </a:extLst>
               </a:tr>
@@ -9252,7 +6125,7 @@
                 </a:tc>
                 <a:extLst>
                   <a:ext uri="{0D108BD9-81ED-4DB2-BD59-A6C34878D82A}">
-                    <a16:rowId xmlns:a16="http://schemas.microsoft.com/office/drawing/2014/main" xmlns="" val="2649700066"/>
+                    <a16:rowId xmlns="" xmlns:a16="http://schemas.microsoft.com/office/drawing/2014/main" val="2649700066"/>
                   </a:ext>
                 </a:extLst>
               </a:tr>
@@ -9287,7 +6160,7 @@
                 </a:tc>
                 <a:extLst>
                   <a:ext uri="{0D108BD9-81ED-4DB2-BD59-A6C34878D82A}">
-                    <a16:rowId xmlns:a16="http://schemas.microsoft.com/office/drawing/2014/main" xmlns="" val="309961168"/>
+                    <a16:rowId xmlns="" xmlns:a16="http://schemas.microsoft.com/office/drawing/2014/main" val="309961168"/>
                   </a:ext>
                 </a:extLst>
               </a:tr>
@@ -9322,7 +6195,7 @@
                 </a:tc>
                 <a:extLst>
                   <a:ext uri="{0D108BD9-81ED-4DB2-BD59-A6C34878D82A}">
-                    <a16:rowId xmlns:a16="http://schemas.microsoft.com/office/drawing/2014/main" xmlns="" val="1746750848"/>
+                    <a16:rowId xmlns="" xmlns:a16="http://schemas.microsoft.com/office/drawing/2014/main" val="1746750848"/>
                   </a:ext>
                 </a:extLst>
               </a:tr>
@@ -9357,7 +6230,7 @@
                 </a:tc>
                 <a:extLst>
                   <a:ext uri="{0D108BD9-81ED-4DB2-BD59-A6C34878D82A}">
-                    <a16:rowId xmlns:a16="http://schemas.microsoft.com/office/drawing/2014/main" xmlns="" val="2287252683"/>
+                    <a16:rowId xmlns="" xmlns:a16="http://schemas.microsoft.com/office/drawing/2014/main" val="2287252683"/>
                   </a:ext>
                 </a:extLst>
               </a:tr>
@@ -9392,217 +6265,7 @@
                 </a:tc>
                 <a:extLst>
                   <a:ext uri="{0D108BD9-81ED-4DB2-BD59-A6C34878D82A}">
-                    <a16:rowId xmlns:a16="http://schemas.microsoft.com/office/drawing/2014/main" xmlns="" val="3931255069"/>
-                  </a:ext>
-                </a:extLst>
-              </a:tr>
-              <a:tr h="370840">
-                <a:tc>
-                  <a:txBody>
-                    <a:bodyPr/>
-                    <a:lstStyle/>
-                    <a:p>
-                      <a:r>
-                        <a:rPr lang="en-US" dirty="0" smtClean="0"/>
-                        <a:t>JQuery Mobile</a:t>
-                      </a:r>
-                      <a:endParaRPr lang="en-US" dirty="0"/>
-                    </a:p>
-                  </a:txBody>
-                  <a:tcPr/>
-                </a:tc>
-                <a:tc>
-                  <a:txBody>
-                    <a:bodyPr/>
-                    <a:lstStyle/>
-                    <a:p>
-                      <a:r>
-                        <a:rPr lang="en-US" dirty="0" smtClean="0"/>
-                        <a:t>Tutorial</a:t>
-                      </a:r>
-                      <a:endParaRPr lang="en-US" dirty="0"/>
-                    </a:p>
-                  </a:txBody>
-                  <a:tcPr/>
-                </a:tc>
-                <a:extLst>
-                  <a:ext uri="{0D108BD9-81ED-4DB2-BD59-A6C34878D82A}">
-                    <a16:rowId xmlns:a16="http://schemas.microsoft.com/office/drawing/2014/main" xmlns="" val="3016523529"/>
-                  </a:ext>
-                </a:extLst>
-              </a:tr>
-              <a:tr h="370840">
-                <a:tc>
-                  <a:txBody>
-                    <a:bodyPr/>
-                    <a:lstStyle/>
-                    <a:p>
-                      <a:r>
-                        <a:rPr lang="en-US" dirty="0" smtClean="0"/>
-                        <a:t>Bootstrap Framework</a:t>
-                      </a:r>
-                      <a:endParaRPr lang="en-US" dirty="0"/>
-                    </a:p>
-                  </a:txBody>
-                  <a:tcPr/>
-                </a:tc>
-                <a:tc>
-                  <a:txBody>
-                    <a:bodyPr/>
-                    <a:lstStyle/>
-                    <a:p>
-                      <a:r>
-                        <a:rPr lang="en-US" dirty="0" smtClean="0"/>
-                        <a:t>Tutorial</a:t>
-                      </a:r>
-                      <a:endParaRPr lang="en-US" dirty="0"/>
-                    </a:p>
-                  </a:txBody>
-                  <a:tcPr/>
-                </a:tc>
-                <a:extLst>
-                  <a:ext uri="{0D108BD9-81ED-4DB2-BD59-A6C34878D82A}">
-                    <a16:rowId xmlns:a16="http://schemas.microsoft.com/office/drawing/2014/main" xmlns="" val="3948036698"/>
-                  </a:ext>
-                </a:extLst>
-              </a:tr>
-              <a:tr h="370840">
-                <a:tc>
-                  <a:txBody>
-                    <a:bodyPr/>
-                    <a:lstStyle/>
-                    <a:p>
-                      <a:r>
-                        <a:rPr lang="en-US" dirty="0" smtClean="0"/>
-                        <a:t>Iconic Framework</a:t>
-                      </a:r>
-                      <a:endParaRPr lang="en-US" dirty="0"/>
-                    </a:p>
-                  </a:txBody>
-                  <a:tcPr/>
-                </a:tc>
-                <a:tc>
-                  <a:txBody>
-                    <a:bodyPr/>
-                    <a:lstStyle/>
-                    <a:p>
-                      <a:r>
-                        <a:rPr lang="en-US" dirty="0" smtClean="0"/>
-                        <a:t>None</a:t>
-                      </a:r>
-                      <a:endParaRPr lang="en-US" dirty="0"/>
-                    </a:p>
-                  </a:txBody>
-                  <a:tcPr/>
-                </a:tc>
-                <a:extLst>
-                  <a:ext uri="{0D108BD9-81ED-4DB2-BD59-A6C34878D82A}">
-                    <a16:rowId xmlns:a16="http://schemas.microsoft.com/office/drawing/2014/main" xmlns="" val="1862235874"/>
-                  </a:ext>
-                </a:extLst>
-              </a:tr>
-              <a:tr h="370840">
-                <a:tc>
-                  <a:txBody>
-                    <a:bodyPr/>
-                    <a:lstStyle/>
-                    <a:p>
-                      <a:r>
-                        <a:rPr lang="en-US" dirty="0" smtClean="0"/>
-                        <a:t>Web Server</a:t>
-                      </a:r>
-                      <a:r>
-                        <a:rPr lang="en-US" baseline="0" dirty="0" smtClean="0"/>
-                        <a:t> Scripting</a:t>
-                      </a:r>
-                      <a:endParaRPr lang="en-US" dirty="0"/>
-                    </a:p>
-                  </a:txBody>
-                  <a:tcPr/>
-                </a:tc>
-                <a:tc>
-                  <a:txBody>
-                    <a:bodyPr/>
-                    <a:lstStyle/>
-                    <a:p>
-                      <a:endParaRPr lang="en-US" dirty="0"/>
-                    </a:p>
-                  </a:txBody>
-                  <a:tcPr/>
-                </a:tc>
-                <a:extLst>
-                  <a:ext uri="{0D108BD9-81ED-4DB2-BD59-A6C34878D82A}">
-                    <a16:rowId xmlns:a16="http://schemas.microsoft.com/office/drawing/2014/main" xmlns="" val="1952473074"/>
-                  </a:ext>
-                </a:extLst>
-              </a:tr>
-              <a:tr h="370840">
-                <a:tc>
-                  <a:txBody>
-                    <a:bodyPr/>
-                    <a:lstStyle/>
-                    <a:p>
-                      <a:r>
-                        <a:rPr lang="en-US" dirty="0" smtClean="0"/>
-                        <a:t>PHP</a:t>
-                      </a:r>
-                      <a:endParaRPr lang="en-US" dirty="0"/>
-                    </a:p>
-                  </a:txBody>
-                  <a:tcPr/>
-                </a:tc>
-                <a:tc>
-                  <a:txBody>
-                    <a:bodyPr/>
-                    <a:lstStyle/>
-                    <a:p>
-                      <a:r>
-                        <a:rPr lang="en-US" dirty="0" smtClean="0"/>
-                        <a:t>Small Scale</a:t>
-                      </a:r>
-                      <a:endParaRPr lang="en-US" dirty="0"/>
-                    </a:p>
-                  </a:txBody>
-                  <a:tcPr/>
-                </a:tc>
-                <a:extLst>
-                  <a:ext uri="{0D108BD9-81ED-4DB2-BD59-A6C34878D82A}">
-                    <a16:rowId xmlns:a16="http://schemas.microsoft.com/office/drawing/2014/main" xmlns="" val="3794391533"/>
-                  </a:ext>
-                </a:extLst>
-              </a:tr>
-              <a:tr h="370840">
-                <a:tc>
-                  <a:txBody>
-                    <a:bodyPr/>
-                    <a:lstStyle/>
-                    <a:p>
-                      <a:r>
-                        <a:rPr lang="en-US" dirty="0" smtClean="0"/>
-                        <a:t>Microsoft ASP.NET</a:t>
-                      </a:r>
-                      <a:endParaRPr lang="en-US" dirty="0"/>
-                    </a:p>
-                  </a:txBody>
-                  <a:tcPr/>
-                </a:tc>
-                <a:tc>
-                  <a:txBody>
-                    <a:bodyPr/>
-                    <a:lstStyle/>
-                    <a:p>
-                      <a:r>
-                        <a:rPr lang="en-US" dirty="0" smtClean="0"/>
-                        <a:t>None</a:t>
-                      </a:r>
-                      <a:endParaRPr lang="en-US" dirty="0"/>
-                    </a:p>
-                  </a:txBody>
-                  <a:tcPr/>
-                </a:tc>
-                <a:extLst>
-                  <a:ext uri="{0D108BD9-81ED-4DB2-BD59-A6C34878D82A}">
-                    <a16:rowId xmlns:a16="http://schemas.microsoft.com/office/drawing/2014/main" xmlns="" val="4213279396"/>
+                    <a16:rowId xmlns="" xmlns:a16="http://schemas.microsoft.com/office/drawing/2014/main" val="3931255069"/>
                   </a:ext>
                 </a:extLst>
               </a:tr>
@@ -9725,7 +6388,7 @@
   <p:timing>
     <p:tnLst>
       <p:par>
-        <p:cTn id="1" dur="indefinite" restart="never" nodeType="tmRoot"/>
+        <p:cTn xmlns:p14="http://schemas.microsoft.com/office/powerpoint/2010/main" id="1" dur="indefinite" restart="never" nodeType="tmRoot"/>
       </p:par>
     </p:tnLst>
   </p:timing>
@@ -9782,14 +6445,14 @@
             <p:ph idx="1"/>
             <p:extLst>
               <p:ext uri="{D42A27DB-BD31-4B8C-83A1-F6EECF244321}">
-                <p14:modId xmlns:p14="http://schemas.microsoft.com/office/powerpoint/2010/main" val="445838289"/>
+                <p14:modId xmlns:p14="http://schemas.microsoft.com/office/powerpoint/2010/main" val="1258884260"/>
               </p:ext>
             </p:extLst>
           </p:nvPr>
         </p:nvGraphicFramePr>
         <p:xfrm>
           <a:off x="609600" y="1600200"/>
-          <a:ext cx="10972800" cy="3505200"/>
+          <a:ext cx="10972800" cy="2865120"/>
         </p:xfrm>
         <a:graphic>
           <a:graphicData uri="http://schemas.openxmlformats.org/drawingml/2006/table">
@@ -9801,14 +6464,14 @@
                 <a:gridCol w="5486400">
                   <a:extLst>
                     <a:ext uri="{9D8B030D-6E8A-4147-A177-3AD203B41FA5}">
-                      <a16:colId xmlns:a16="http://schemas.microsoft.com/office/drawing/2014/main" xmlns="" val="3661438328"/>
+                      <a16:colId xmlns="" xmlns:a16="http://schemas.microsoft.com/office/drawing/2014/main" val="3661438328"/>
                     </a:ext>
                   </a:extLst>
                 </a:gridCol>
                 <a:gridCol w="5486400">
                   <a:extLst>
                     <a:ext uri="{9D8B030D-6E8A-4147-A177-3AD203B41FA5}">
-                      <a16:colId xmlns:a16="http://schemas.microsoft.com/office/drawing/2014/main" xmlns="" val="2462084561"/>
+                      <a16:colId xmlns="" xmlns:a16="http://schemas.microsoft.com/office/drawing/2014/main" val="2462084561"/>
                     </a:ext>
                   </a:extLst>
                 </a:gridCol>
@@ -9844,7 +6507,7 @@
                 </a:tc>
                 <a:extLst>
                   <a:ext uri="{0D108BD9-81ED-4DB2-BD59-A6C34878D82A}">
-                    <a16:rowId xmlns:a16="http://schemas.microsoft.com/office/drawing/2014/main" xmlns="" val="2830022487"/>
+                    <a16:rowId xmlns="" xmlns:a16="http://schemas.microsoft.com/office/drawing/2014/main" val="2830022487"/>
                   </a:ext>
                 </a:extLst>
               </a:tr>
@@ -9879,7 +6542,7 @@
                 </a:tc>
                 <a:extLst>
                   <a:ext uri="{0D108BD9-81ED-4DB2-BD59-A6C34878D82A}">
-                    <a16:rowId xmlns:a16="http://schemas.microsoft.com/office/drawing/2014/main" xmlns="" val="3462792300"/>
+                    <a16:rowId xmlns="" xmlns:a16="http://schemas.microsoft.com/office/drawing/2014/main" val="3462792300"/>
                   </a:ext>
                 </a:extLst>
               </a:tr>
@@ -9891,11 +6554,11 @@
                     <a:p>
                       <a:r>
                         <a:rPr lang="en-US" dirty="0" smtClean="0"/>
-                        <a:t>Limited experience</a:t>
+                        <a:t>No experience with Android</a:t>
                       </a:r>
                       <a:r>
                         <a:rPr lang="en-US" baseline="0" dirty="0" smtClean="0"/>
-                        <a:t> with app development</a:t>
+                        <a:t> development</a:t>
                       </a:r>
                       <a:endParaRPr lang="en-US" dirty="0"/>
                     </a:p>
@@ -9909,11 +6572,11 @@
                     <a:p>
                       <a:r>
                         <a:rPr lang="en-US" dirty="0" smtClean="0"/>
-                        <a:t>Schedule time and work</a:t>
+                        <a:t>Schedule time</a:t>
                       </a:r>
                       <a:r>
                         <a:rPr lang="en-US" baseline="0" dirty="0" smtClean="0"/>
-                        <a:t> through tutorials</a:t>
+                        <a:t> and work through tutorials</a:t>
                       </a:r>
                       <a:endParaRPr lang="en-US" dirty="0"/>
                     </a:p>
@@ -9922,7 +6585,7 @@
                 </a:tc>
                 <a:extLst>
                   <a:ext uri="{0D108BD9-81ED-4DB2-BD59-A6C34878D82A}">
-                    <a16:rowId xmlns:a16="http://schemas.microsoft.com/office/drawing/2014/main" xmlns="" val="3061581558"/>
+                    <a16:rowId xmlns="" xmlns:a16="http://schemas.microsoft.com/office/drawing/2014/main" val="3061581558"/>
                   </a:ext>
                 </a:extLst>
               </a:tr>
@@ -9934,37 +6597,25 @@
                     <a:p>
                       <a:r>
                         <a:rPr lang="en-US" dirty="0" smtClean="0"/>
-                        <a:t>Limited experience with tools (Cordova, </a:t>
-                      </a:r>
-                      <a:r>
-                        <a:rPr lang="en-US" dirty="0" err="1" smtClean="0"/>
-                        <a:t>Git</a:t>
-                      </a:r>
+                        <a:t>Limited experience</a:t>
+                      </a:r>
+                      <a:r>
+                        <a:rPr lang="en-US" baseline="0" dirty="0" smtClean="0"/>
+                        <a:t> with app development</a:t>
+                      </a:r>
+                      <a:endParaRPr lang="en-US" dirty="0"/>
+                    </a:p>
+                  </a:txBody>
+                  <a:tcPr/>
+                </a:tc>
+                <a:tc>
+                  <a:txBody>
+                    <a:bodyPr/>
+                    <a:lstStyle/>
+                    <a:p>
                       <a:r>
                         <a:rPr lang="en-US" dirty="0" smtClean="0"/>
-                        <a:t>,</a:t>
-                      </a:r>
-                      <a:r>
-                        <a:rPr lang="en-US" baseline="0" dirty="0" smtClean="0"/>
-                        <a:t> and Visual Paradigm)</a:t>
-                      </a:r>
-                      <a:endParaRPr lang="en-US" dirty="0"/>
-                    </a:p>
-                  </a:txBody>
-                  <a:tcPr/>
-                </a:tc>
-                <a:tc>
-                  <a:txBody>
-                    <a:bodyPr/>
-                    <a:lstStyle/>
-                    <a:p>
-                      <a:r>
-                        <a:rPr lang="en-US" dirty="0" smtClean="0"/>
-                        <a:t>Schedule time to</a:t>
-                      </a:r>
-                      <a:r>
-                        <a:rPr lang="en-US" baseline="0" dirty="0" smtClean="0"/>
-                        <a:t> learn about the tools and work through the tutorials</a:t>
+                        <a:t>Schedule time and work tutorials</a:t>
                       </a:r>
                       <a:endParaRPr lang="en-US" dirty="0"/>
                     </a:p>
@@ -9973,7 +6624,7 @@
                 </a:tc>
                 <a:extLst>
                   <a:ext uri="{0D108BD9-81ED-4DB2-BD59-A6C34878D82A}">
-                    <a16:rowId xmlns:a16="http://schemas.microsoft.com/office/drawing/2014/main" xmlns="" val="742086977"/>
+                    <a16:rowId xmlns="" xmlns:a16="http://schemas.microsoft.com/office/drawing/2014/main" val="742086977"/>
                   </a:ext>
                 </a:extLst>
               </a:tr>
@@ -9999,11 +6650,7 @@
                     <a:p>
                       <a:r>
                         <a:rPr lang="en-US" dirty="0" smtClean="0"/>
-                        <a:t>Plan meetings far</a:t>
-                      </a:r>
-                      <a:r>
-                        <a:rPr lang="en-US" baseline="0" dirty="0" smtClean="0"/>
-                        <a:t> in advance and communication in dividing work</a:t>
+                        <a:t>Plan meetings for in advance</a:t>
                       </a:r>
                       <a:endParaRPr lang="en-US" dirty="0"/>
                     </a:p>
@@ -10012,7 +6659,7 @@
                 </a:tc>
                 <a:extLst>
                   <a:ext uri="{0D108BD9-81ED-4DB2-BD59-A6C34878D82A}">
-                    <a16:rowId xmlns:a16="http://schemas.microsoft.com/office/drawing/2014/main" xmlns="" val="2361850435"/>
+                    <a16:rowId xmlns="" xmlns:a16="http://schemas.microsoft.com/office/drawing/2014/main" val="2361850435"/>
                   </a:ext>
                 </a:extLst>
               </a:tr>
@@ -10024,11 +6671,11 @@
                     <a:p>
                       <a:r>
                         <a:rPr lang="en-US" dirty="0" smtClean="0"/>
-                        <a:t>No experience</a:t>
+                        <a:t>No experience accessing GPS</a:t>
                       </a:r>
                       <a:r>
                         <a:rPr lang="en-US" baseline="0" dirty="0" smtClean="0"/>
-                        <a:t> accessing GPS in mobile</a:t>
+                        <a:t> in mobile apps</a:t>
                       </a:r>
                       <a:endParaRPr lang="en-US" dirty="0"/>
                     </a:p>
@@ -10042,11 +6689,7 @@
                     <a:p>
                       <a:r>
                         <a:rPr lang="en-US" dirty="0" smtClean="0"/>
-                        <a:t>Schedule</a:t>
-                      </a:r>
-                      <a:r>
-                        <a:rPr lang="en-US" baseline="0" dirty="0" smtClean="0"/>
-                        <a:t> time to learn and work through tutorials</a:t>
+                        <a:t>Schedule time to learn and work through tutorials</a:t>
                       </a:r>
                       <a:endParaRPr lang="en-US" dirty="0"/>
                     </a:p>
@@ -10055,7 +6698,7 @@
                 </a:tc>
                 <a:extLst>
                   <a:ext uri="{0D108BD9-81ED-4DB2-BD59-A6C34878D82A}">
-                    <a16:rowId xmlns:a16="http://schemas.microsoft.com/office/drawing/2014/main" xmlns="" val="2876776749"/>
+                    <a16:rowId xmlns="" xmlns:a16="http://schemas.microsoft.com/office/drawing/2014/main" val="2876776749"/>
                   </a:ext>
                 </a:extLst>
               </a:tr>
@@ -10067,7 +6710,11 @@
                     <a:p>
                       <a:r>
                         <a:rPr lang="en-US" dirty="0" smtClean="0"/>
-                        <a:t>Limited information on expected product</a:t>
+                        <a:t>No experience</a:t>
+                      </a:r>
+                      <a:r>
+                        <a:rPr lang="en-US" baseline="0" dirty="0" smtClean="0"/>
+                        <a:t> with utilizing Google Maps in mobile apps</a:t>
                       </a:r>
                       <a:endParaRPr lang="en-US" dirty="0"/>
                     </a:p>
@@ -10081,7 +6728,7 @@
                     <a:p>
                       <a:r>
                         <a:rPr lang="en-US" dirty="0" smtClean="0"/>
-                        <a:t>Walkthroughs with end users</a:t>
+                        <a:t>Schedule time to learn and work through tutorials</a:t>
                       </a:r>
                       <a:endParaRPr lang="en-US" dirty="0"/>
                     </a:p>
@@ -10090,46 +6737,7 @@
                 </a:tc>
                 <a:extLst>
                   <a:ext uri="{0D108BD9-81ED-4DB2-BD59-A6C34878D82A}">
-                    <a16:rowId xmlns:a16="http://schemas.microsoft.com/office/drawing/2014/main" xmlns="" val="2847548840"/>
-                  </a:ext>
-                </a:extLst>
-              </a:tr>
-              <a:tr h="370840">
-                <a:tc>
-                  <a:txBody>
-                    <a:bodyPr/>
-                    <a:lstStyle/>
-                    <a:p>
-                      <a:r>
-                        <a:rPr lang="en-US" dirty="0" smtClean="0"/>
-                        <a:t>Limited time to finish product</a:t>
-                      </a:r>
-                      <a:endParaRPr lang="en-US" dirty="0"/>
-                    </a:p>
-                  </a:txBody>
-                  <a:tcPr/>
-                </a:tc>
-                <a:tc>
-                  <a:txBody>
-                    <a:bodyPr/>
-                    <a:lstStyle/>
-                    <a:p>
-                      <a:r>
-                        <a:rPr lang="en-US" dirty="0" smtClean="0"/>
-                        <a:t>Manage</a:t>
-                      </a:r>
-                      <a:r>
-                        <a:rPr lang="en-US" baseline="0" dirty="0" smtClean="0"/>
-                        <a:t> time efficiently</a:t>
-                      </a:r>
-                      <a:endParaRPr lang="en-US" dirty="0"/>
-                    </a:p>
-                  </a:txBody>
-                  <a:tcPr/>
-                </a:tc>
-                <a:extLst>
-                  <a:ext uri="{0D108BD9-81ED-4DB2-BD59-A6C34878D82A}">
-                    <a16:rowId xmlns:a16="http://schemas.microsoft.com/office/drawing/2014/main" xmlns="" val="1662843150"/>
+                    <a16:rowId xmlns="" xmlns:a16="http://schemas.microsoft.com/office/drawing/2014/main" val="2847548840"/>
                   </a:ext>
                 </a:extLst>
               </a:tr>
@@ -10252,7 +6860,7 @@
   <p:timing>
     <p:tnLst>
       <p:par>
-        <p:cTn id="1" dur="indefinite" restart="never" nodeType="tmRoot"/>
+        <p:cTn xmlns:p14="http://schemas.microsoft.com/office/powerpoint/2010/main" id="1" dur="indefinite" restart="never" nodeType="tmRoot"/>
       </p:par>
     </p:tnLst>
   </p:timing>
@@ -10299,6 +6907,381 @@
           </a:p>
         </p:txBody>
       </p:sp>
+      <p:graphicFrame>
+        <p:nvGraphicFramePr>
+          <p:cNvPr id="4" name="Content Placeholder 3"/>
+          <p:cNvGraphicFramePr>
+            <a:graphicFrameLocks noGrp="1"/>
+          </p:cNvGraphicFramePr>
+          <p:nvPr>
+            <p:ph idx="1"/>
+            <p:extLst>
+              <p:ext uri="{D42A27DB-BD31-4B8C-83A1-F6EECF244321}">
+                <p14:modId xmlns:p14="http://schemas.microsoft.com/office/powerpoint/2010/main" val="3171182788"/>
+              </p:ext>
+            </p:extLst>
+          </p:nvPr>
+        </p:nvGraphicFramePr>
+        <p:xfrm>
+          <a:off x="609600" y="1600200"/>
+          <a:ext cx="10972800" cy="4119879"/>
+        </p:xfrm>
+        <a:graphic>
+          <a:graphicData uri="http://schemas.openxmlformats.org/drawingml/2006/table">
+            <a:tbl>
+              <a:tblPr firstRow="1" bandRow="1">
+                <a:tableStyleId>{5C22544A-7EE6-4342-B048-85BDC9FD1C3A}</a:tableStyleId>
+              </a:tblPr>
+              <a:tblGrid>
+                <a:gridCol w="2743200">
+                  <a:extLst>
+                    <a:ext uri="{9D8B030D-6E8A-4147-A177-3AD203B41FA5}">
+                      <a16:colId xmlns="" xmlns:a16="http://schemas.microsoft.com/office/drawing/2014/main" val="4007007747"/>
+                    </a:ext>
+                  </a:extLst>
+                </a:gridCol>
+                <a:gridCol w="2743200">
+                  <a:extLst>
+                    <a:ext uri="{9D8B030D-6E8A-4147-A177-3AD203B41FA5}">
+                      <a16:colId xmlns="" xmlns:a16="http://schemas.microsoft.com/office/drawing/2014/main" val="2089765381"/>
+                    </a:ext>
+                  </a:extLst>
+                </a:gridCol>
+                <a:gridCol w="2743200">
+                  <a:extLst>
+                    <a:ext uri="{9D8B030D-6E8A-4147-A177-3AD203B41FA5}">
+                      <a16:colId xmlns="" xmlns:a16="http://schemas.microsoft.com/office/drawing/2014/main" val="2946535250"/>
+                    </a:ext>
+                  </a:extLst>
+                </a:gridCol>
+                <a:gridCol w="2743200">
+                  <a:extLst>
+                    <a:ext uri="{9D8B030D-6E8A-4147-A177-3AD203B41FA5}">
+                      <a16:colId xmlns="" xmlns:a16="http://schemas.microsoft.com/office/drawing/2014/main" val="2232881725"/>
+                    </a:ext>
+                  </a:extLst>
+                </a:gridCol>
+              </a:tblGrid>
+              <a:tr h="370840">
+                <a:tc>
+                  <a:txBody>
+                    <a:bodyPr/>
+                    <a:lstStyle/>
+                    <a:p>
+                      <a:r>
+                        <a:rPr lang="en-US" dirty="0" smtClean="0"/>
+                        <a:t>Screen/Report</a:t>
+                      </a:r>
+                      <a:endParaRPr lang="en-US" dirty="0"/>
+                    </a:p>
+                  </a:txBody>
+                  <a:tcPr/>
+                </a:tc>
+                <a:tc>
+                  <a:txBody>
+                    <a:bodyPr/>
+                    <a:lstStyle/>
+                    <a:p>
+                      <a:r>
+                        <a:rPr lang="en-US" dirty="0" smtClean="0"/>
+                        <a:t>Complexity</a:t>
+                      </a:r>
+                      <a:endParaRPr lang="en-US" dirty="0"/>
+                    </a:p>
+                  </a:txBody>
+                  <a:tcPr/>
+                </a:tc>
+                <a:tc>
+                  <a:txBody>
+                    <a:bodyPr/>
+                    <a:lstStyle/>
+                    <a:p>
+                      <a:r>
+                        <a:rPr lang="en-US" dirty="0" smtClean="0"/>
+                        <a:t>Object Points</a:t>
+                      </a:r>
+                      <a:endParaRPr lang="en-US" dirty="0"/>
+                    </a:p>
+                  </a:txBody>
+                  <a:tcPr/>
+                </a:tc>
+                <a:tc>
+                  <a:txBody>
+                    <a:bodyPr/>
+                    <a:lstStyle/>
+                    <a:p>
+                      <a:r>
+                        <a:rPr lang="en-US" dirty="0" smtClean="0"/>
+                        <a:t>Notes</a:t>
+                      </a:r>
+                      <a:endParaRPr lang="en-US" dirty="0"/>
+                    </a:p>
+                  </a:txBody>
+                  <a:tcPr/>
+                </a:tc>
+                <a:extLst>
+                  <a:ext uri="{0D108BD9-81ED-4DB2-BD59-A6C34878D82A}">
+                    <a16:rowId xmlns="" xmlns:a16="http://schemas.microsoft.com/office/drawing/2014/main" val="2585052838"/>
+                  </a:ext>
+                </a:extLst>
+              </a:tr>
+              <a:tr h="529883">
+                <a:tc>
+                  <a:txBody>
+                    <a:bodyPr/>
+                    <a:lstStyle/>
+                    <a:p>
+                      <a:r>
+                        <a:rPr lang="en-US" dirty="0">
+                          <a:effectLst/>
+                        </a:rPr>
+                        <a:t>View Campus</a:t>
+                      </a:r>
+                    </a:p>
+                  </a:txBody>
+                  <a:tcPr marL="123825" marR="123825" marT="57150" marB="57150" anchor="ctr"/>
+                </a:tc>
+                <a:tc>
+                  <a:txBody>
+                    <a:bodyPr/>
+                    <a:lstStyle/>
+                    <a:p>
+                      <a:r>
+                        <a:rPr lang="en-US">
+                          <a:effectLst/>
+                        </a:rPr>
+                        <a:t>1</a:t>
+                      </a:r>
+                    </a:p>
+                  </a:txBody>
+                  <a:tcPr marL="123825" marR="123825" marT="57150" marB="57150" anchor="ctr"/>
+                </a:tc>
+                <a:tc>
+                  <a:txBody>
+                    <a:bodyPr/>
+                    <a:lstStyle/>
+                    <a:p>
+                      <a:r>
+                        <a:rPr lang="en-US">
+                          <a:effectLst/>
+                        </a:rPr>
+                        <a:t>1</a:t>
+                      </a:r>
+                    </a:p>
+                  </a:txBody>
+                  <a:tcPr marL="123825" marR="123825" marT="57150" marB="57150" anchor="ctr"/>
+                </a:tc>
+                <a:tc>
+                  <a:txBody>
+                    <a:bodyPr/>
+                    <a:lstStyle/>
+                    <a:p>
+                      <a:r>
+                        <a:rPr lang="en-US" dirty="0">
+                          <a:effectLst/>
+                        </a:rPr>
+                        <a:t>Screen will be constructed by reading Drury location from the data source</a:t>
+                      </a:r>
+                      <a:r>
+                        <a:rPr lang="en-US" dirty="0" smtClean="0">
+                          <a:effectLst/>
+                        </a:rPr>
+                        <a:t>.</a:t>
+                      </a:r>
+                    </a:p>
+                  </a:txBody>
+                  <a:tcPr marL="123825" marR="123825" marT="57150" marB="57150" anchor="ctr"/>
+                </a:tc>
+                <a:extLst>
+                  <a:ext uri="{0D108BD9-81ED-4DB2-BD59-A6C34878D82A}">
+                    <a16:rowId xmlns="" xmlns:a16="http://schemas.microsoft.com/office/drawing/2014/main" val="1152342311"/>
+                  </a:ext>
+                </a:extLst>
+              </a:tr>
+              <a:tr h="370840">
+                <a:tc>
+                  <a:txBody>
+                    <a:bodyPr/>
+                    <a:lstStyle/>
+                    <a:p>
+                      <a:r>
+                        <a:rPr lang="en-US" dirty="0">
+                          <a:effectLst/>
+                        </a:rPr>
+                        <a:t>Take 21 Tree Tour</a:t>
+                      </a:r>
+                    </a:p>
+                  </a:txBody>
+                  <a:tcPr marL="123825" marR="123825" marT="57150" marB="57150" anchor="ctr"/>
+                </a:tc>
+                <a:tc>
+                  <a:txBody>
+                    <a:bodyPr/>
+                    <a:lstStyle/>
+                    <a:p>
+                      <a:r>
+                        <a:rPr lang="en-US">
+                          <a:effectLst/>
+                        </a:rPr>
+                        <a:t>2</a:t>
+                      </a:r>
+                    </a:p>
+                  </a:txBody>
+                  <a:tcPr marL="123825" marR="123825" marT="57150" marB="57150" anchor="ctr"/>
+                </a:tc>
+                <a:tc>
+                  <a:txBody>
+                    <a:bodyPr/>
+                    <a:lstStyle/>
+                    <a:p>
+                      <a:r>
+                        <a:rPr lang="en-US">
+                          <a:effectLst/>
+                        </a:rPr>
+                        <a:t>2</a:t>
+                      </a:r>
+                    </a:p>
+                  </a:txBody>
+                  <a:tcPr marL="123825" marR="123825" marT="57150" marB="57150" anchor="ctr"/>
+                </a:tc>
+                <a:tc>
+                  <a:txBody>
+                    <a:bodyPr/>
+                    <a:lstStyle/>
+                    <a:p>
+                      <a:r>
+                        <a:rPr lang="en-US">
+                          <a:effectLst/>
+                        </a:rPr>
+                        <a:t>Screen will be constructed by Drury's location and individual location from the data source.</a:t>
+                      </a:r>
+                    </a:p>
+                  </a:txBody>
+                  <a:tcPr marL="123825" marR="123825" marT="57150" marB="57150" anchor="ctr"/>
+                </a:tc>
+              </a:tr>
+              <a:tr h="370840">
+                <a:tc>
+                  <a:txBody>
+                    <a:bodyPr/>
+                    <a:lstStyle/>
+                    <a:p>
+                      <a:r>
+                        <a:rPr lang="en-US" b="1" dirty="0" err="1">
+                          <a:effectLst/>
+                        </a:rPr>
+                        <a:t>Subscreen</a:t>
+                      </a:r>
+                      <a:endParaRPr lang="en-US" dirty="0">
+                        <a:effectLst/>
+                      </a:endParaRPr>
+                    </a:p>
+                  </a:txBody>
+                  <a:tcPr marL="123825" marR="123825" marT="57150" marB="57150" anchor="ctr"/>
+                </a:tc>
+                <a:tc>
+                  <a:txBody>
+                    <a:bodyPr/>
+                    <a:lstStyle/>
+                    <a:p>
+                      <a:endParaRPr lang="en-US">
+                        <a:effectLst/>
+                      </a:endParaRPr>
+                    </a:p>
+                  </a:txBody>
+                  <a:tcPr marL="123825" marR="123825" marT="57150" marB="57150" anchor="ctr"/>
+                </a:tc>
+                <a:tc>
+                  <a:txBody>
+                    <a:bodyPr/>
+                    <a:lstStyle/>
+                    <a:p>
+                      <a:endParaRPr lang="en-US">
+                        <a:effectLst/>
+                      </a:endParaRPr>
+                    </a:p>
+                  </a:txBody>
+                  <a:tcPr marL="123825" marR="123825" marT="57150" marB="57150" anchor="ctr"/>
+                </a:tc>
+                <a:tc>
+                  <a:txBody>
+                    <a:bodyPr/>
+                    <a:lstStyle/>
+                    <a:p>
+                      <a:endParaRPr lang="en-US">
+                        <a:effectLst/>
+                      </a:endParaRPr>
+                    </a:p>
+                  </a:txBody>
+                  <a:tcPr marL="123825" marR="123825" marT="57150" marB="57150" anchor="ctr"/>
+                </a:tc>
+              </a:tr>
+              <a:tr h="370840">
+                <a:tc>
+                  <a:txBody>
+                    <a:bodyPr/>
+                    <a:lstStyle/>
+                    <a:p>
+                      <a:r>
+                        <a:rPr lang="en-US" dirty="0">
+                          <a:effectLst/>
+                        </a:rPr>
+                        <a:t>Read About Trees</a:t>
+                      </a:r>
+                    </a:p>
+                  </a:txBody>
+                  <a:tcPr marL="123825" marR="123825" marT="57150" marB="57150" anchor="ctr"/>
+                </a:tc>
+                <a:tc>
+                  <a:txBody>
+                    <a:bodyPr/>
+                    <a:lstStyle/>
+                    <a:p>
+                      <a:r>
+                        <a:rPr lang="en-US" dirty="0">
+                          <a:effectLst/>
+                        </a:rPr>
+                        <a:t>1</a:t>
+                      </a:r>
+                    </a:p>
+                  </a:txBody>
+                  <a:tcPr marL="123825" marR="123825" marT="57150" marB="57150" anchor="ctr"/>
+                </a:tc>
+                <a:tc>
+                  <a:txBody>
+                    <a:bodyPr/>
+                    <a:lstStyle/>
+                    <a:p>
+                      <a:r>
+                        <a:rPr lang="en-US" dirty="0">
+                          <a:effectLst/>
+                        </a:rPr>
+                        <a:t>1</a:t>
+                      </a:r>
+                    </a:p>
+                  </a:txBody>
+                  <a:tcPr marL="123825" marR="123825" marT="57150" marB="57150" anchor="ctr"/>
+                </a:tc>
+                <a:tc>
+                  <a:txBody>
+                    <a:bodyPr/>
+                    <a:lstStyle/>
+                    <a:p>
+                      <a:r>
+                        <a:rPr lang="en-US" dirty="0">
+                          <a:effectLst/>
+                        </a:rPr>
+                        <a:t>Simple text with some images on screen.</a:t>
+                      </a:r>
+                    </a:p>
+                  </a:txBody>
+                  <a:tcPr marL="123825" marR="123825" marT="57150" marB="57150" anchor="ctr"/>
+                </a:tc>
+              </a:tr>
+            </a:tbl>
+          </a:graphicData>
+        </a:graphic>
+      </p:graphicFrame>
       <p:pic>
         <p:nvPicPr>
           <p:cNvPr id="5" name="Picture 4" descr="TeamLogo.png"/>
@@ -10389,40 +7372,10 @@
           </a:p>
         </p:txBody>
       </p:sp>
-      <p:pic>
-        <p:nvPicPr>
-          <p:cNvPr id="9" name="Picture 8" descr="Screen Shot 2017-04-05 at 11.26.25 AM.png"/>
-          <p:cNvPicPr>
-            <a:picLocks noChangeAspect="1"/>
-          </p:cNvPicPr>
-          <p:nvPr/>
-        </p:nvPicPr>
-        <p:blipFill>
-          <a:blip r:embed="rId3">
-            <a:extLst>
-              <a:ext uri="{28A0092B-C50C-407E-A947-70E740481C1C}">
-                <a14:useLocalDpi xmlns:a14="http://schemas.microsoft.com/office/drawing/2010/main" val="0"/>
-              </a:ext>
-            </a:extLst>
-          </a:blip>
-          <a:stretch>
-            <a:fillRect/>
-          </a:stretch>
-        </p:blipFill>
-        <p:spPr>
-          <a:xfrm>
-            <a:off x="3592455" y="1646017"/>
-            <a:ext cx="4913333" cy="4606250"/>
-          </a:xfrm>
-          <a:prstGeom prst="rect">
-            <a:avLst/>
-          </a:prstGeom>
-        </p:spPr>
-      </p:pic>
     </p:spTree>
     <p:extLst>
       <p:ext uri="{BB962C8B-B14F-4D97-AF65-F5344CB8AC3E}">
-        <p14:creationId xmlns:p14="http://schemas.microsoft.com/office/powerpoint/2010/main" val="454833290"/>
+        <p14:creationId xmlns:p14="http://schemas.microsoft.com/office/powerpoint/2010/main" val="2494252465"/>
       </p:ext>
     </p:extLst>
   </p:cSld>
@@ -10444,7 +7397,7 @@
   <p:timing>
     <p:tnLst>
       <p:par>
-        <p:cTn id="1" dur="indefinite" restart="never" nodeType="tmRoot"/>
+        <p:cTn xmlns:p14="http://schemas.microsoft.com/office/powerpoint/2010/main" id="1" dur="indefinite" restart="never" nodeType="tmRoot"/>
       </p:par>
     </p:tnLst>
   </p:timing>
@@ -10484,10 +7437,9 @@
           <a:lstStyle/>
           <a:p>
             <a:r>
-              <a:rPr lang="en-US" dirty="0" smtClean="0"/>
-              <a:t>Effort Estimate</a:t>
-            </a:r>
-            <a:endParaRPr lang="en-US" dirty="0"/>
+              <a:rPr lang="en-US" dirty="0"/>
+              <a:t>Effort Estimate Assumptions</a:t>
+            </a:r>
           </a:p>
         </p:txBody>
       </p:sp>
@@ -10501,14 +7453,14 @@
             <p:ph idx="1"/>
             <p:extLst>
               <p:ext uri="{D42A27DB-BD31-4B8C-83A1-F6EECF244321}">
-                <p14:modId xmlns:p14="http://schemas.microsoft.com/office/powerpoint/2010/main" val="2850126485"/>
+                <p14:modId xmlns:p14="http://schemas.microsoft.com/office/powerpoint/2010/main" val="3758893795"/>
               </p:ext>
             </p:extLst>
           </p:nvPr>
         </p:nvGraphicFramePr>
         <p:xfrm>
           <a:off x="609600" y="1600200"/>
-          <a:ext cx="10972800" cy="2245360"/>
+          <a:ext cx="10972800" cy="3022599"/>
         </p:xfrm>
         <a:graphic>
           <a:graphicData uri="http://schemas.openxmlformats.org/drawingml/2006/table">
@@ -10520,28 +7472,28 @@
                 <a:gridCol w="2743200">
                   <a:extLst>
                     <a:ext uri="{9D8B030D-6E8A-4147-A177-3AD203B41FA5}">
-                      <a16:colId xmlns:a16="http://schemas.microsoft.com/office/drawing/2014/main" xmlns="" val="4007007747"/>
+                      <a16:colId xmlns="" xmlns:a16="http://schemas.microsoft.com/office/drawing/2014/main" val="4007007747"/>
                     </a:ext>
                   </a:extLst>
                 </a:gridCol>
                 <a:gridCol w="2743200">
                   <a:extLst>
                     <a:ext uri="{9D8B030D-6E8A-4147-A177-3AD203B41FA5}">
-                      <a16:colId xmlns:a16="http://schemas.microsoft.com/office/drawing/2014/main" xmlns="" val="2089765381"/>
+                      <a16:colId xmlns="" xmlns:a16="http://schemas.microsoft.com/office/drawing/2014/main" val="2089765381"/>
                     </a:ext>
                   </a:extLst>
                 </a:gridCol>
                 <a:gridCol w="2743200">
                   <a:extLst>
                     <a:ext uri="{9D8B030D-6E8A-4147-A177-3AD203B41FA5}">
-                      <a16:colId xmlns:a16="http://schemas.microsoft.com/office/drawing/2014/main" xmlns="" val="2946535250"/>
+                      <a16:colId xmlns="" xmlns:a16="http://schemas.microsoft.com/office/drawing/2014/main" val="2946535250"/>
                     </a:ext>
                   </a:extLst>
                 </a:gridCol>
                 <a:gridCol w="2743200">
                   <a:extLst>
                     <a:ext uri="{9D8B030D-6E8A-4147-A177-3AD203B41FA5}">
-                      <a16:colId xmlns:a16="http://schemas.microsoft.com/office/drawing/2014/main" xmlns="" val="2232881725"/>
+                      <a16:colId xmlns="" xmlns:a16="http://schemas.microsoft.com/office/drawing/2014/main" val="2232881725"/>
                     </a:ext>
                   </a:extLst>
                 </a:gridCol>
@@ -10605,7 +7557,7 @@
                 </a:tc>
                 <a:extLst>
                   <a:ext uri="{0D108BD9-81ED-4DB2-BD59-A6C34878D82A}">
-                    <a16:rowId xmlns:a16="http://schemas.microsoft.com/office/drawing/2014/main" xmlns="" val="2585052838"/>
+                    <a16:rowId xmlns="" xmlns:a16="http://schemas.microsoft.com/office/drawing/2014/main" val="2585052838"/>
                   </a:ext>
                 </a:extLst>
               </a:tr>
@@ -10616,11 +7568,14 @@
                     <a:lstStyle/>
                     <a:p>
                       <a:r>
-                        <a:rPr lang="en-US" dirty="0">
+                        <a:rPr lang="en-US" b="1" dirty="0">
                           <a:effectLst/>
                         </a:rPr>
-                        <a:t>View Campus</a:t>
-                      </a:r>
+                        <a:t>3GL Modules</a:t>
+                      </a:r>
+                      <a:endParaRPr lang="en-US" dirty="0">
+                        <a:effectLst/>
+                      </a:endParaRPr>
                     </a:p>
                   </a:txBody>
                   <a:tcPr marL="123825" marR="123825" marT="57150" marB="57150" anchor="ctr"/>
@@ -10630,12 +7585,9 @@
                     <a:bodyPr/>
                     <a:lstStyle/>
                     <a:p>
-                      <a:r>
-                        <a:rPr lang="en-US">
-                          <a:effectLst/>
-                        </a:rPr>
-                        <a:t>1</a:t>
-                      </a:r>
+                      <a:endParaRPr lang="en-US">
+                        <a:effectLst/>
+                      </a:endParaRPr>
                     </a:p>
                   </a:txBody>
                   <a:tcPr marL="123825" marR="123825" marT="57150" marB="57150" anchor="ctr"/>
@@ -10645,12 +7597,9 @@
                     <a:bodyPr/>
                     <a:lstStyle/>
                     <a:p>
-                      <a:r>
-                        <a:rPr lang="en-US">
-                          <a:effectLst/>
-                        </a:rPr>
-                        <a:t>1</a:t>
-                      </a:r>
+                      <a:endParaRPr lang="en-US">
+                        <a:effectLst/>
+                      </a:endParaRPr>
                     </a:p>
                   </a:txBody>
                   <a:tcPr marL="123825" marR="123825" marT="57150" marB="57150" anchor="ctr"/>
@@ -10660,19 +7609,16 @@
                     <a:bodyPr/>
                     <a:lstStyle/>
                     <a:p>
-                      <a:r>
-                        <a:rPr lang="en-US">
-                          <a:effectLst/>
-                        </a:rPr>
-                        <a:t>Screen will be constructed by reading Drury location from the data source.</a:t>
-                      </a:r>
+                      <a:endParaRPr lang="en-US">
+                        <a:effectLst/>
+                      </a:endParaRPr>
                     </a:p>
                   </a:txBody>
                   <a:tcPr marL="123825" marR="123825" marT="57150" marB="57150" anchor="ctr"/>
                 </a:tc>
                 <a:extLst>
                   <a:ext uri="{0D108BD9-81ED-4DB2-BD59-A6C34878D82A}">
-                    <a16:rowId xmlns:a16="http://schemas.microsoft.com/office/drawing/2014/main" xmlns="" val="1152342311"/>
+                    <a16:rowId xmlns="" xmlns:a16="http://schemas.microsoft.com/office/drawing/2014/main" val="3714616697"/>
                   </a:ext>
                 </a:extLst>
               </a:tr>
@@ -10683,15 +7629,88 @@
                     <a:lstStyle/>
                     <a:p>
                       <a:r>
+                        <a:rPr lang="en-US" dirty="0">
+                          <a:effectLst/>
+                        </a:rPr>
+                        <a:t>GPS Tour</a:t>
+                      </a:r>
+                    </a:p>
+                  </a:txBody>
+                  <a:tcPr marL="123825" marR="123825" marT="57150" marB="57150" anchor="ctr"/>
+                </a:tc>
+                <a:tc>
+                  <a:txBody>
+                    <a:bodyPr/>
+                    <a:lstStyle/>
+                    <a:p>
+                      <a:r>
+                        <a:rPr lang="en-US" dirty="0">
+                          <a:effectLst/>
+                        </a:rPr>
+                        <a:t>1</a:t>
+                      </a:r>
+                      <a:r>
+                        <a:rPr lang="en-US" dirty="0" smtClean="0">
+                          <a:effectLst/>
+                        </a:rPr>
+                        <a:t>@</a:t>
+                      </a:r>
+                      <a:r>
+                        <a:rPr lang="en-US" dirty="0">
+                          <a:effectLst/>
+                        </a:rPr>
+                        <a:t>10</a:t>
+                      </a:r>
+                    </a:p>
+                  </a:txBody>
+                  <a:tcPr marL="123825" marR="123825" marT="57150" marB="57150" anchor="ctr"/>
+                </a:tc>
+                <a:tc>
+                  <a:txBody>
+                    <a:bodyPr/>
+                    <a:lstStyle/>
+                    <a:p>
+                      <a:r>
+                        <a:rPr lang="en-US" dirty="0">
+                          <a:effectLst/>
+                        </a:rPr>
+                        <a:t>1</a:t>
+                      </a:r>
+                      <a:r>
+                        <a:rPr lang="en-US" dirty="0" smtClean="0">
+                          <a:effectLst/>
+                        </a:rPr>
+                        <a:t>0</a:t>
+                      </a:r>
+                      <a:endParaRPr lang="en-US" dirty="0">
+                        <a:effectLst/>
+                      </a:endParaRPr>
+                    </a:p>
+                  </a:txBody>
+                  <a:tcPr marL="123825" marR="123825" marT="57150" marB="57150" anchor="ctr"/>
+                </a:tc>
+                <a:tc>
+                  <a:txBody>
+                    <a:bodyPr/>
+                    <a:lstStyle/>
+                    <a:p>
+                      <a:r>
                         <a:rPr lang="en-US">
                           <a:effectLst/>
                         </a:rPr>
-                        <a:t>Access Menu</a:t>
+                        <a:t>Module to find individual location with GPS.</a:t>
                       </a:r>
                     </a:p>
                   </a:txBody>
                   <a:tcPr marL="123825" marR="123825" marT="57150" marB="57150" anchor="ctr"/>
                 </a:tc>
+                <a:extLst>
+                  <a:ext uri="{0D108BD9-81ED-4DB2-BD59-A6C34878D82A}">
+                    <a16:rowId xmlns="" xmlns:a16="http://schemas.microsoft.com/office/drawing/2014/main" val="2564084175"/>
+                  </a:ext>
+                </a:extLst>
+              </a:tr>
+              <a:tr h="370840">
                 <a:tc>
                   <a:txBody>
                     <a:bodyPr/>
@@ -10701,8 +7720,59 @@
                         <a:rPr lang="en-US">
                           <a:effectLst/>
                         </a:rPr>
-                        <a:t>1</a:t>
-                      </a:r>
+                        <a:t>Server Modules</a:t>
+                      </a:r>
+                    </a:p>
+                  </a:txBody>
+                  <a:tcPr marL="123825" marR="123825" marT="57150" marB="57150" anchor="ctr"/>
+                </a:tc>
+                <a:tc>
+                  <a:txBody>
+                    <a:bodyPr/>
+                    <a:lstStyle/>
+                    <a:p>
+                      <a:r>
+                        <a:rPr lang="en-US" dirty="0">
+                          <a:effectLst/>
+                        </a:rPr>
+                        <a:t>2</a:t>
+                      </a:r>
+                      <a:r>
+                        <a:rPr lang="en-US" dirty="0" smtClean="0">
+                          <a:effectLst/>
+                        </a:rPr>
+                        <a:t>@</a:t>
+                      </a:r>
+                      <a:r>
+                        <a:rPr lang="en-US" dirty="0">
+                          <a:effectLst/>
+                        </a:rPr>
+                        <a:t>10</a:t>
+                      </a:r>
+                    </a:p>
+                  </a:txBody>
+                  <a:tcPr marL="123825" marR="123825" marT="57150" marB="57150" anchor="ctr"/>
+                </a:tc>
+                <a:tc>
+                  <a:txBody>
+                    <a:bodyPr/>
+                    <a:lstStyle/>
+                    <a:p>
+                      <a:r>
+                        <a:rPr lang="en-US" dirty="0">
+                          <a:effectLst/>
+                        </a:rPr>
+                        <a:t>2</a:t>
+                      </a:r>
+                      <a:r>
+                        <a:rPr lang="en-US" dirty="0" smtClean="0">
+                          <a:effectLst/>
+                        </a:rPr>
+                        <a:t>0</a:t>
+                      </a:r>
+                      <a:endParaRPr lang="en-US" dirty="0">
+                        <a:effectLst/>
+                      </a:endParaRPr>
                     </a:p>
                   </a:txBody>
                   <a:tcPr marL="123825" marR="123825" marT="57150" marB="57150" anchor="ctr"/>
@@ -10716,12 +7786,19 @@
                         <a:rPr lang="en-US">
                           <a:effectLst/>
                         </a:rPr>
-                        <a:t>1</a:t>
+                        <a:t>Data server for all 4 Map Modules.</a:t>
                       </a:r>
                     </a:p>
                   </a:txBody>
                   <a:tcPr marL="123825" marR="123825" marT="57150" marB="57150" anchor="ctr"/>
                 </a:tc>
+                <a:extLst>
+                  <a:ext uri="{0D108BD9-81ED-4DB2-BD59-A6C34878D82A}">
+                    <a16:rowId xmlns="" xmlns:a16="http://schemas.microsoft.com/office/drawing/2014/main" val="2775949887"/>
+                  </a:ext>
+                </a:extLst>
+              </a:tr>
+              <a:tr h="370840">
                 <a:tc>
                   <a:txBody>
                     <a:bodyPr/>
@@ -10731,7 +7808,52 @@
                         <a:rPr lang="en-US" dirty="0">
                           <a:effectLst/>
                         </a:rPr>
-                        <a:t>Simple drop down with text tabs.</a:t>
+                        <a:t>Total Object Points</a:t>
+                      </a:r>
+                    </a:p>
+                  </a:txBody>
+                  <a:tcPr marL="123825" marR="123825" marT="57150" marB="57150" anchor="ctr"/>
+                </a:tc>
+                <a:tc>
+                  <a:txBody>
+                    <a:bodyPr/>
+                    <a:lstStyle/>
+                    <a:p>
+                      <a:endParaRPr lang="en-US">
+                        <a:effectLst/>
+                      </a:endParaRPr>
+                    </a:p>
+                  </a:txBody>
+                  <a:tcPr marL="123825" marR="123825" marT="57150" marB="57150" anchor="ctr"/>
+                </a:tc>
+                <a:tc>
+                  <a:txBody>
+                    <a:bodyPr/>
+                    <a:lstStyle/>
+                    <a:p>
+                      <a:r>
+                        <a:rPr lang="en-US" dirty="0" smtClean="0">
+                          <a:effectLst/>
+                        </a:rPr>
+                        <a:t>34</a:t>
+                      </a:r>
+                      <a:endParaRPr lang="en-US" dirty="0">
+                        <a:effectLst/>
+                      </a:endParaRPr>
+                    </a:p>
+                  </a:txBody>
+                  <a:tcPr marL="123825" marR="123825" marT="57150" marB="57150" anchor="ctr"/>
+                </a:tc>
+                <a:tc>
+                  <a:txBody>
+                    <a:bodyPr/>
+                    <a:lstStyle/>
+                    <a:p>
+                      <a:r>
+                        <a:rPr lang="en-US" dirty="0">
+                          <a:effectLst/>
+                        </a:rPr>
+                        <a:t>Total object points for the project.</a:t>
                       </a:r>
                     </a:p>
                   </a:txBody>
@@ -10739,7 +7861,7 @@
                 </a:tc>
                 <a:extLst>
                   <a:ext uri="{0D108BD9-81ED-4DB2-BD59-A6C34878D82A}">
-                    <a16:rowId xmlns:a16="http://schemas.microsoft.com/office/drawing/2014/main" xmlns="" val="2957515265"/>
+                    <a16:rowId xmlns="" xmlns:a16="http://schemas.microsoft.com/office/drawing/2014/main" val="178318549"/>
                   </a:ext>
                 </a:extLst>
               </a:tr>
@@ -10840,7 +7962,7 @@
     </p:spTree>
     <p:extLst>
       <p:ext uri="{BB962C8B-B14F-4D97-AF65-F5344CB8AC3E}">
-        <p14:creationId xmlns:p14="http://schemas.microsoft.com/office/powerpoint/2010/main" val="2494252465"/>
+        <p14:creationId xmlns:p14="http://schemas.microsoft.com/office/powerpoint/2010/main" val="2876187254"/>
       </p:ext>
     </p:extLst>
   </p:cSld>
@@ -10862,7 +7984,7 @@
   <p:timing>
     <p:tnLst>
       <p:par>
-        <p:cTn id="1" dur="indefinite" restart="never" nodeType="tmRoot"/>
+        <p:cTn xmlns:p14="http://schemas.microsoft.com/office/powerpoint/2010/main" id="1" dur="indefinite" restart="never" nodeType="tmRoot"/>
       </p:par>
     </p:tnLst>
   </p:timing>
@@ -10903,466 +8025,200 @@
           <a:p>
             <a:r>
               <a:rPr lang="en-US" dirty="0" smtClean="0"/>
-              <a:t>Effort Estimate Assumptions</a:t>
+              <a:t>Effort Estimate</a:t>
             </a:r>
             <a:endParaRPr lang="en-US" dirty="0"/>
           </a:p>
         </p:txBody>
       </p:sp>
-      <p:graphicFrame>
-        <p:nvGraphicFramePr>
-          <p:cNvPr id="4" name="Content Placeholder 3"/>
-          <p:cNvGraphicFramePr>
-            <a:graphicFrameLocks noGrp="1"/>
-          </p:cNvGraphicFramePr>
+      <p:sp>
+        <p:nvSpPr>
+          <p:cNvPr id="3" name="Content Placeholder 2"/>
+          <p:cNvSpPr>
+            <a:spLocks noGrp="1"/>
+          </p:cNvSpPr>
           <p:nvPr>
             <p:ph idx="1"/>
-            <p:extLst>
-              <p:ext uri="{D42A27DB-BD31-4B8C-83A1-F6EECF244321}">
-                <p14:modId xmlns:p14="http://schemas.microsoft.com/office/powerpoint/2010/main" val="391608317"/>
-              </p:ext>
-            </p:extLst>
-          </p:nvPr>
-        </p:nvGraphicFramePr>
-        <p:xfrm>
-          <a:off x="609600" y="1600200"/>
-          <a:ext cx="10972800" cy="4508499"/>
-        </p:xfrm>
-        <a:graphic>
-          <a:graphicData uri="http://schemas.openxmlformats.org/drawingml/2006/table">
-            <a:tbl>
-              <a:tblPr firstRow="1" bandRow="1">
-                <a:tableStyleId>{5C22544A-7EE6-4342-B048-85BDC9FD1C3A}</a:tableStyleId>
-              </a:tblPr>
-              <a:tblGrid>
-                <a:gridCol w="2743200">
-                  <a:extLst>
-                    <a:ext uri="{9D8B030D-6E8A-4147-A177-3AD203B41FA5}">
-                      <a16:colId xmlns:a16="http://schemas.microsoft.com/office/drawing/2014/main" xmlns="" val="4007007747"/>
-                    </a:ext>
-                  </a:extLst>
-                </a:gridCol>
-                <a:gridCol w="2743200">
-                  <a:extLst>
-                    <a:ext uri="{9D8B030D-6E8A-4147-A177-3AD203B41FA5}">
-                      <a16:colId xmlns:a16="http://schemas.microsoft.com/office/drawing/2014/main" xmlns="" val="2089765381"/>
-                    </a:ext>
-                  </a:extLst>
-                </a:gridCol>
-                <a:gridCol w="2743200">
-                  <a:extLst>
-                    <a:ext uri="{9D8B030D-6E8A-4147-A177-3AD203B41FA5}">
-                      <a16:colId xmlns:a16="http://schemas.microsoft.com/office/drawing/2014/main" xmlns="" val="2946535250"/>
-                    </a:ext>
-                  </a:extLst>
-                </a:gridCol>
-                <a:gridCol w="2743200">
-                  <a:extLst>
-                    <a:ext uri="{9D8B030D-6E8A-4147-A177-3AD203B41FA5}">
-                      <a16:colId xmlns:a16="http://schemas.microsoft.com/office/drawing/2014/main" xmlns="" val="2232881725"/>
-                    </a:ext>
-                  </a:extLst>
-                </a:gridCol>
-              </a:tblGrid>
-              <a:tr h="370840">
-                <a:tc>
-                  <a:txBody>
-                    <a:bodyPr/>
-                    <a:lstStyle/>
-                    <a:p>
-                      <a:r>
-                        <a:rPr lang="en-US" dirty="0" smtClean="0"/>
-                        <a:t>Screen/Report</a:t>
-                      </a:r>
-                      <a:endParaRPr lang="en-US" dirty="0"/>
-                    </a:p>
-                  </a:txBody>
-                  <a:tcPr/>
-                </a:tc>
-                <a:tc>
-                  <a:txBody>
-                    <a:bodyPr/>
-                    <a:lstStyle/>
-                    <a:p>
-                      <a:r>
-                        <a:rPr lang="en-US" dirty="0" smtClean="0"/>
-                        <a:t>Complexity</a:t>
-                      </a:r>
-                      <a:endParaRPr lang="en-US" dirty="0"/>
-                    </a:p>
-                  </a:txBody>
-                  <a:tcPr/>
-                </a:tc>
-                <a:tc>
-                  <a:txBody>
-                    <a:bodyPr/>
-                    <a:lstStyle/>
-                    <a:p>
-                      <a:r>
-                        <a:rPr lang="en-US" dirty="0" smtClean="0"/>
-                        <a:t>Object Points</a:t>
-                      </a:r>
-                      <a:endParaRPr lang="en-US" dirty="0"/>
-                    </a:p>
-                  </a:txBody>
-                  <a:tcPr/>
-                </a:tc>
-                <a:tc>
-                  <a:txBody>
-                    <a:bodyPr/>
-                    <a:lstStyle/>
-                    <a:p>
-                      <a:r>
-                        <a:rPr lang="en-US" dirty="0" smtClean="0"/>
-                        <a:t>Notes</a:t>
-                      </a:r>
-                      <a:endParaRPr lang="en-US" dirty="0"/>
-                    </a:p>
-                  </a:txBody>
-                  <a:tcPr/>
-                </a:tc>
-                <a:extLst>
-                  <a:ext uri="{0D108BD9-81ED-4DB2-BD59-A6C34878D82A}">
-                    <a16:rowId xmlns:a16="http://schemas.microsoft.com/office/drawing/2014/main" xmlns="" val="2585052838"/>
-                  </a:ext>
-                </a:extLst>
-              </a:tr>
-              <a:tr h="370840">
-                <a:tc>
-                  <a:txBody>
-                    <a:bodyPr/>
-                    <a:lstStyle/>
-                    <a:p>
-                      <a:r>
-                        <a:rPr lang="en-US" dirty="0">
-                          <a:effectLst/>
-                        </a:rPr>
-                        <a:t>Take 21 Tree Tour</a:t>
-                      </a:r>
-                    </a:p>
-                  </a:txBody>
-                  <a:tcPr marL="123825" marR="123825" marT="57150" marB="57150" anchor="ctr"/>
-                </a:tc>
-                <a:tc>
-                  <a:txBody>
-                    <a:bodyPr/>
-                    <a:lstStyle/>
-                    <a:p>
-                      <a:r>
-                        <a:rPr lang="en-US">
-                          <a:effectLst/>
-                        </a:rPr>
-                        <a:t>2</a:t>
-                      </a:r>
-                    </a:p>
-                  </a:txBody>
-                  <a:tcPr marL="123825" marR="123825" marT="57150" marB="57150" anchor="ctr"/>
-                </a:tc>
-                <a:tc>
-                  <a:txBody>
-                    <a:bodyPr/>
-                    <a:lstStyle/>
-                    <a:p>
-                      <a:r>
-                        <a:rPr lang="en-US">
-                          <a:effectLst/>
-                        </a:rPr>
-                        <a:t>2</a:t>
-                      </a:r>
-                    </a:p>
-                  </a:txBody>
-                  <a:tcPr marL="123825" marR="123825" marT="57150" marB="57150" anchor="ctr"/>
-                </a:tc>
-                <a:tc>
-                  <a:txBody>
-                    <a:bodyPr/>
-                    <a:lstStyle/>
-                    <a:p>
-                      <a:r>
-                        <a:rPr lang="en-US">
-                          <a:effectLst/>
-                        </a:rPr>
-                        <a:t>Screen will be constructed by Drury's location and individual location from the data source.</a:t>
-                      </a:r>
-                    </a:p>
-                  </a:txBody>
-                  <a:tcPr marL="123825" marR="123825" marT="57150" marB="57150" anchor="ctr"/>
-                </a:tc>
-                <a:extLst>
-                  <a:ext uri="{0D108BD9-81ED-4DB2-BD59-A6C34878D82A}">
-                    <a16:rowId xmlns:a16="http://schemas.microsoft.com/office/drawing/2014/main" xmlns="" val="3190619547"/>
-                  </a:ext>
-                </a:extLst>
-              </a:tr>
-              <a:tr h="370840">
-                <a:tc>
-                  <a:txBody>
-                    <a:bodyPr/>
-                    <a:lstStyle/>
-                    <a:p>
-                      <a:r>
-                        <a:rPr lang="en-US" b="1">
-                          <a:effectLst/>
-                        </a:rPr>
-                        <a:t>Subscreen</a:t>
-                      </a:r>
-                      <a:endParaRPr lang="en-US">
-                        <a:effectLst/>
-                      </a:endParaRPr>
-                    </a:p>
-                  </a:txBody>
-                  <a:tcPr marL="123825" marR="123825" marT="57150" marB="57150" anchor="ctr"/>
-                </a:tc>
-                <a:tc>
-                  <a:txBody>
-                    <a:bodyPr/>
-                    <a:lstStyle/>
-                    <a:p>
-                      <a:endParaRPr lang="en-US">
-                        <a:effectLst/>
-                      </a:endParaRPr>
-                    </a:p>
-                  </a:txBody>
-                  <a:tcPr marL="123825" marR="123825" marT="57150" marB="57150" anchor="ctr"/>
-                </a:tc>
-                <a:tc>
-                  <a:txBody>
-                    <a:bodyPr/>
-                    <a:lstStyle/>
-                    <a:p>
-                      <a:endParaRPr lang="en-US">
-                        <a:effectLst/>
-                      </a:endParaRPr>
-                    </a:p>
-                  </a:txBody>
-                  <a:tcPr marL="123825" marR="123825" marT="57150" marB="57150" anchor="ctr"/>
-                </a:tc>
-                <a:tc>
-                  <a:txBody>
-                    <a:bodyPr/>
-                    <a:lstStyle/>
-                    <a:p>
-                      <a:endParaRPr lang="en-US">
-                        <a:effectLst/>
-                      </a:endParaRPr>
-                    </a:p>
-                  </a:txBody>
-                  <a:tcPr marL="123825" marR="123825" marT="57150" marB="57150" anchor="ctr"/>
-                </a:tc>
-                <a:extLst>
-                  <a:ext uri="{0D108BD9-81ED-4DB2-BD59-A6C34878D82A}">
-                    <a16:rowId xmlns:a16="http://schemas.microsoft.com/office/drawing/2014/main" xmlns="" val="1767920701"/>
-                  </a:ext>
-                </a:extLst>
-              </a:tr>
-              <a:tr h="370840">
-                <a:tc>
-                  <a:txBody>
-                    <a:bodyPr/>
-                    <a:lstStyle/>
-                    <a:p>
-                      <a:r>
-                        <a:rPr lang="en-US">
-                          <a:effectLst/>
-                        </a:rPr>
-                        <a:t>Read About Trees</a:t>
-                      </a:r>
-                    </a:p>
-                  </a:txBody>
-                  <a:tcPr marL="123825" marR="123825" marT="57150" marB="57150" anchor="ctr"/>
-                </a:tc>
-                <a:tc>
-                  <a:txBody>
-                    <a:bodyPr/>
-                    <a:lstStyle/>
-                    <a:p>
-                      <a:r>
-                        <a:rPr lang="en-US">
-                          <a:effectLst/>
-                        </a:rPr>
-                        <a:t>1</a:t>
-                      </a:r>
-                    </a:p>
-                  </a:txBody>
-                  <a:tcPr marL="123825" marR="123825" marT="57150" marB="57150" anchor="ctr"/>
-                </a:tc>
-                <a:tc>
-                  <a:txBody>
-                    <a:bodyPr/>
-                    <a:lstStyle/>
-                    <a:p>
-                      <a:r>
-                        <a:rPr lang="en-US">
-                          <a:effectLst/>
-                        </a:rPr>
-                        <a:t>1</a:t>
-                      </a:r>
-                    </a:p>
-                  </a:txBody>
-                  <a:tcPr marL="123825" marR="123825" marT="57150" marB="57150" anchor="ctr"/>
-                </a:tc>
-                <a:tc>
-                  <a:txBody>
-                    <a:bodyPr/>
-                    <a:lstStyle/>
-                    <a:p>
-                      <a:r>
-                        <a:rPr lang="en-US">
-                          <a:effectLst/>
-                        </a:rPr>
-                        <a:t>Simple text with some images on screen.</a:t>
-                      </a:r>
-                    </a:p>
-                  </a:txBody>
-                  <a:tcPr marL="123825" marR="123825" marT="57150" marB="57150" anchor="ctr"/>
-                </a:tc>
-                <a:extLst>
-                  <a:ext uri="{0D108BD9-81ED-4DB2-BD59-A6C34878D82A}">
-                    <a16:rowId xmlns:a16="http://schemas.microsoft.com/office/drawing/2014/main" xmlns="" val="1045687176"/>
-                  </a:ext>
-                </a:extLst>
-              </a:tr>
-              <a:tr h="370840">
-                <a:tc>
-                  <a:txBody>
-                    <a:bodyPr/>
-                    <a:lstStyle/>
-                    <a:p>
-                      <a:r>
-                        <a:rPr lang="en-US">
-                          <a:effectLst/>
-                        </a:rPr>
-                        <a:t>Search Tree Species</a:t>
-                      </a:r>
-                    </a:p>
-                  </a:txBody>
-                  <a:tcPr marL="123825" marR="123825" marT="57150" marB="57150" anchor="ctr"/>
-                </a:tc>
-                <a:tc>
-                  <a:txBody>
-                    <a:bodyPr/>
-                    <a:lstStyle/>
-                    <a:p>
-                      <a:r>
-                        <a:rPr lang="en-US">
-                          <a:effectLst/>
-                        </a:rPr>
-                        <a:t>1</a:t>
-                      </a:r>
-                    </a:p>
-                  </a:txBody>
-                  <a:tcPr marL="123825" marR="123825" marT="57150" marB="57150" anchor="ctr"/>
-                </a:tc>
-                <a:tc>
-                  <a:txBody>
-                    <a:bodyPr/>
-                    <a:lstStyle/>
-                    <a:p>
-                      <a:r>
-                        <a:rPr lang="en-US">
-                          <a:effectLst/>
-                        </a:rPr>
-                        <a:t>1</a:t>
-                      </a:r>
-                    </a:p>
-                  </a:txBody>
-                  <a:tcPr marL="123825" marR="123825" marT="57150" marB="57150" anchor="ctr"/>
-                </a:tc>
-                <a:tc>
-                  <a:txBody>
-                    <a:bodyPr/>
-                    <a:lstStyle/>
-                    <a:p>
-                      <a:r>
-                        <a:rPr lang="en-US">
-                          <a:effectLst/>
-                        </a:rPr>
-                        <a:t>Simple search bar that accesses data source.</a:t>
-                      </a:r>
-                    </a:p>
-                  </a:txBody>
-                  <a:tcPr marL="123825" marR="123825" marT="57150" marB="57150" anchor="ctr"/>
-                </a:tc>
-                <a:extLst>
-                  <a:ext uri="{0D108BD9-81ED-4DB2-BD59-A6C34878D82A}">
-                    <a16:rowId xmlns:a16="http://schemas.microsoft.com/office/drawing/2014/main" xmlns="" val="2351577163"/>
-                  </a:ext>
-                </a:extLst>
-              </a:tr>
-              <a:tr h="370840">
-                <a:tc>
-                  <a:txBody>
-                    <a:bodyPr/>
-                    <a:lstStyle/>
-                    <a:p>
-                      <a:r>
-                        <a:rPr lang="en-US">
-                          <a:effectLst/>
-                        </a:rPr>
-                        <a:t>View Specific Trees on Campus</a:t>
-                      </a:r>
-                    </a:p>
-                  </a:txBody>
-                  <a:tcPr marL="123825" marR="123825" marT="57150" marB="57150" anchor="ctr"/>
-                </a:tc>
-                <a:tc>
-                  <a:txBody>
-                    <a:bodyPr/>
-                    <a:lstStyle/>
-                    <a:p>
-                      <a:r>
-                        <a:rPr lang="en-US">
-                          <a:effectLst/>
-                        </a:rPr>
-                        <a:t>2</a:t>
-                      </a:r>
-                    </a:p>
-                  </a:txBody>
-                  <a:tcPr marL="123825" marR="123825" marT="57150" marB="57150" anchor="ctr"/>
-                </a:tc>
-                <a:tc>
-                  <a:txBody>
-                    <a:bodyPr/>
-                    <a:lstStyle/>
-                    <a:p>
-                      <a:r>
-                        <a:rPr lang="en-US">
-                          <a:effectLst/>
-                        </a:rPr>
-                        <a:t>2</a:t>
-                      </a:r>
-                    </a:p>
-                  </a:txBody>
-                  <a:tcPr marL="123825" marR="123825" marT="57150" marB="57150" anchor="ctr"/>
-                </a:tc>
-                <a:tc>
-                  <a:txBody>
-                    <a:bodyPr/>
-                    <a:lstStyle/>
-                    <a:p>
-                      <a:r>
-                        <a:rPr lang="en-US" dirty="0">
-                          <a:effectLst/>
-                        </a:rPr>
-                        <a:t>Filter specified tree request from search bar, and access data source.</a:t>
-                      </a:r>
-                    </a:p>
-                  </a:txBody>
-                  <a:tcPr marL="123825" marR="123825" marT="57150" marB="57150" anchor="ctr"/>
-                </a:tc>
-                <a:extLst>
-                  <a:ext uri="{0D108BD9-81ED-4DB2-BD59-A6C34878D82A}">
-                    <a16:rowId xmlns:a16="http://schemas.microsoft.com/office/drawing/2014/main" xmlns="" val="3050760200"/>
-                  </a:ext>
-                </a:extLst>
-              </a:tr>
-            </a:tbl>
-          </a:graphicData>
-        </a:graphic>
-      </p:graphicFrame>
+          </p:nvPr>
+        </p:nvSpPr>
+        <p:spPr>
+          <a:xfrm>
+            <a:off x="609600" y="1600201"/>
+            <a:ext cx="11582400" cy="4749799"/>
+          </a:xfrm>
+        </p:spPr>
+        <p:txBody>
+          <a:bodyPr>
+            <a:normAutofit fontScale="92500" lnSpcReduction="20000"/>
+          </a:bodyPr>
+          <a:lstStyle/>
+          <a:p>
+            <a:r>
+              <a:rPr lang="en-US" dirty="0"/>
+              <a:t>Productivity (PROD)</a:t>
+            </a:r>
+          </a:p>
+          <a:p>
+            <a:pPr lvl="1"/>
+            <a:r>
+              <a:rPr lang="en-US" dirty="0"/>
+              <a:t>PROD estimate is normal (10)</a:t>
+            </a:r>
+          </a:p>
+          <a:p>
+            <a:pPr lvl="1"/>
+            <a:r>
+              <a:rPr lang="en-US" dirty="0"/>
+              <a:t>PROD = 160 NOP / 16 person months</a:t>
+            </a:r>
+          </a:p>
+          <a:p>
+            <a:pPr lvl="1"/>
+            <a:r>
+              <a:rPr lang="en-US" dirty="0"/>
+              <a:t>PM = 4hr x 1 week x 4 weeks</a:t>
+            </a:r>
+          </a:p>
+          <a:p>
+            <a:pPr lvl="1"/>
+            <a:r>
+              <a:rPr lang="en-US" dirty="0"/>
+              <a:t>Justification: students</a:t>
+            </a:r>
+          </a:p>
+          <a:p>
+            <a:r>
+              <a:rPr lang="en-US" dirty="0"/>
+              <a:t>Some code reuse is anticipated so adjusted effort = NOP</a:t>
+            </a:r>
+          </a:p>
+          <a:p>
+            <a:pPr lvl="1"/>
+            <a:r>
+              <a:rPr lang="en-US" dirty="0"/>
+              <a:t>NOP = (160 </a:t>
+            </a:r>
+            <a:r>
+              <a:rPr lang="en-US" dirty="0" err="1"/>
+              <a:t>Obj</a:t>
+            </a:r>
+            <a:r>
+              <a:rPr lang="en-US" dirty="0"/>
+              <a:t> </a:t>
+            </a:r>
+            <a:r>
+              <a:rPr lang="en-US" dirty="0" err="1"/>
+              <a:t>pts</a:t>
+            </a:r>
+            <a:r>
+              <a:rPr lang="en-US" dirty="0"/>
+              <a:t> x (100-0.1)) / 100 = 159.8</a:t>
+            </a:r>
+          </a:p>
+          <a:p>
+            <a:r>
+              <a:rPr lang="en-US" dirty="0"/>
+              <a:t>Effort Estimate in person months (PM) (PM = 16)</a:t>
+            </a:r>
+          </a:p>
+          <a:p>
+            <a:r>
+              <a:rPr lang="en-US" dirty="0"/>
+              <a:t>Effort(PM) = 159/10 = 15.9 person </a:t>
+            </a:r>
+            <a:r>
+              <a:rPr lang="en-US" dirty="0" err="1" smtClean="0"/>
+              <a:t>months</a:t>
+            </a:r>
+            <a:r>
+              <a:rPr lang="en-US" dirty="0" err="1"/>
+              <a:t>Productivity</a:t>
+            </a:r>
+            <a:r>
+              <a:rPr lang="en-US" dirty="0"/>
+              <a:t> (PROD)</a:t>
+            </a:r>
+          </a:p>
+          <a:p>
+            <a:pPr lvl="1"/>
+            <a:r>
+              <a:rPr lang="en-US" dirty="0"/>
+              <a:t>PROD estimate is normal (10)</a:t>
+            </a:r>
+          </a:p>
+          <a:p>
+            <a:pPr lvl="1"/>
+            <a:r>
+              <a:rPr lang="en-US" dirty="0"/>
+              <a:t>PROD = 160 NOP / 16 person months</a:t>
+            </a:r>
+          </a:p>
+          <a:p>
+            <a:pPr lvl="1"/>
+            <a:r>
+              <a:rPr lang="en-US" dirty="0"/>
+              <a:t>PM = 4hr x 1 week x 4 weeks</a:t>
+            </a:r>
+          </a:p>
+          <a:p>
+            <a:pPr lvl="1"/>
+            <a:r>
+              <a:rPr lang="en-US" dirty="0"/>
+              <a:t>Justification: students</a:t>
+            </a:r>
+          </a:p>
+          <a:p>
+            <a:r>
+              <a:rPr lang="en-US" dirty="0"/>
+              <a:t>Some code reuse is anticipated so adjusted effort = NOP</a:t>
+            </a:r>
+          </a:p>
+          <a:p>
+            <a:pPr lvl="1"/>
+            <a:r>
+              <a:rPr lang="en-US" dirty="0"/>
+              <a:t>NOP = (160 </a:t>
+            </a:r>
+            <a:r>
+              <a:rPr lang="en-US" dirty="0" err="1"/>
+              <a:t>Obj</a:t>
+            </a:r>
+            <a:r>
+              <a:rPr lang="en-US" dirty="0"/>
+              <a:t> </a:t>
+            </a:r>
+            <a:r>
+              <a:rPr lang="en-US" dirty="0" err="1"/>
+              <a:t>pts</a:t>
+            </a:r>
+            <a:r>
+              <a:rPr lang="en-US" dirty="0"/>
+              <a:t> x (100-0.1)) / 100 = 159.8</a:t>
+            </a:r>
+          </a:p>
+          <a:p>
+            <a:r>
+              <a:rPr lang="en-US" dirty="0"/>
+              <a:t>Effort Estimate in person months (PM) (PM = 16)</a:t>
+            </a:r>
+          </a:p>
+          <a:p>
+            <a:pPr lvl="1"/>
+            <a:r>
+              <a:rPr lang="en-US" dirty="0"/>
+              <a:t>Effort(PM) = 159/10 = 15.9 person </a:t>
+            </a:r>
+            <a:r>
+              <a:rPr lang="en-US" dirty="0" smtClean="0"/>
+              <a:t>months</a:t>
+            </a:r>
+            <a:endParaRPr lang="en-US" dirty="0"/>
+          </a:p>
+        </p:txBody>
+      </p:sp>
       <p:pic>
         <p:nvPicPr>
-          <p:cNvPr id="5" name="Picture 4" descr="TeamLogo.png"/>
+          <p:cNvPr id="4" name="Picture 3" descr="TeamLogo.png"/>
           <p:cNvPicPr>
             <a:picLocks noChangeAspect="1"/>
           </p:cNvPicPr>
@@ -11392,7 +8248,7 @@
       </p:pic>
       <p:sp>
         <p:nvSpPr>
-          <p:cNvPr id="6" name="TextBox 5"/>
+          <p:cNvPr id="5" name="TextBox 4"/>
           <p:cNvSpPr txBox="1"/>
           <p:nvPr/>
         </p:nvSpPr>
@@ -11422,7 +8278,7 @@
       </p:sp>
       <p:sp>
         <p:nvSpPr>
-          <p:cNvPr id="7" name="TextBox 6"/>
+          <p:cNvPr id="6" name="TextBox 5"/>
           <p:cNvSpPr txBox="1"/>
           <p:nvPr/>
         </p:nvSpPr>
@@ -11453,7 +8309,7 @@
     </p:spTree>
     <p:extLst>
       <p:ext uri="{BB962C8B-B14F-4D97-AF65-F5344CB8AC3E}">
-        <p14:creationId xmlns:p14="http://schemas.microsoft.com/office/powerpoint/2010/main" val="3801660654"/>
+        <p14:creationId xmlns:p14="http://schemas.microsoft.com/office/powerpoint/2010/main" val="3181238762"/>
       </p:ext>
     </p:extLst>
   </p:cSld>
@@ -11475,7 +8331,7 @@
   <p:timing>
     <p:tnLst>
       <p:par>
-        <p:cTn id="1" dur="indefinite" restart="never" nodeType="tmRoot"/>
+        <p:cTn xmlns:p14="http://schemas.microsoft.com/office/powerpoint/2010/main" id="1" dur="indefinite" restart="never" nodeType="tmRoot"/>
       </p:par>
     </p:tnLst>
   </p:timing>
@@ -11744,7 +8600,7 @@
   <a:extraClrSchemeLst/>
   <a:extLst>
     <a:ext uri="{05A4C25C-085E-4340-85A3-A5531E510DB2}">
-      <thm15:themeFamily xmlns:thm15="http://schemas.microsoft.com/office/thememl/2012/main" name="Company background presentation" id="{7C18907C-4901-42BD-8F2C-E63B32C9DCA3}" vid="{B4FC953D-0C69-4290-95E2-4EA0E2E67DEC}"/>
+      <thm15:themeFamily xmlns:thm15="http://schemas.microsoft.com/office/thememl/2012/main" xmlns="" name="Company background presentation" id="{7C18907C-4901-42BD-8F2C-E63B32C9DCA3}" vid="{B4FC953D-0C69-4290-95E2-4EA0E2E67DEC}"/>
     </a:ext>
   </a:extLst>
 </a:theme>
@@ -12005,7 +8861,7 @@
   <a:extraClrSchemeLst/>
   <a:extLst>
     <a:ext uri="{05A4C25C-085E-4340-85A3-A5531E510DB2}">
-      <thm15:themeFamily xmlns:thm15="http://schemas.microsoft.com/office/thememl/2012/main" name="Office Theme" id="{62F939B6-93AF-4DB8-9C6B-D6C7DFDC589F}" vid="{4A3C46E8-61CC-4603-A589-7422A47A8E4A}"/>
+      <thm15:themeFamily xmlns:thm15="http://schemas.microsoft.com/office/thememl/2012/main" xmlns="" name="Office Theme" id="{62F939B6-93AF-4DB8-9C6B-D6C7DFDC589F}" vid="{4A3C46E8-61CC-4603-A589-7422A47A8E4A}"/>
     </a:ext>
   </a:extLst>
 </a:theme>
@@ -12266,7 +9122,7 @@
   <a:extraClrSchemeLst/>
   <a:extLst>
     <a:ext uri="{05A4C25C-085E-4340-85A3-A5531E510DB2}">
-      <thm15:themeFamily xmlns:thm15="http://schemas.microsoft.com/office/thememl/2012/main" name="Office Theme" id="{62F939B6-93AF-4DB8-9C6B-D6C7DFDC589F}" vid="{4A3C46E8-61CC-4603-A589-7422A47A8E4A}"/>
+      <thm15:themeFamily xmlns:thm15="http://schemas.microsoft.com/office/thememl/2012/main" xmlns="" name="Office Theme" id="{62F939B6-93AF-4DB8-9C6B-D6C7DFDC589F}" vid="{4A3C46E8-61CC-4603-A589-7422A47A8E4A}"/>
     </a:ext>
   </a:extLst>
 </a:theme>

--- a/Sprint1Presentation.pptx
+++ b/Sprint1Presentation.pptx
@@ -5,10 +5,10 @@
     <p:sldMasterId id="2147483672" r:id="rId2"/>
   </p:sldMasterIdLst>
   <p:notesMasterIdLst>
-    <p:notesMasterId r:id="rId15"/>
+    <p:notesMasterId r:id="rId16"/>
   </p:notesMasterIdLst>
   <p:handoutMasterIdLst>
-    <p:handoutMasterId r:id="rId16"/>
+    <p:handoutMasterId r:id="rId17"/>
   </p:handoutMasterIdLst>
   <p:sldIdLst>
     <p:sldId id="270" r:id="rId3"/>
@@ -23,6 +23,7 @@
     <p:sldId id="283" r:id="rId12"/>
     <p:sldId id="285" r:id="rId13"/>
     <p:sldId id="286" r:id="rId14"/>
+    <p:sldId id="287" r:id="rId15"/>
   </p:sldIdLst>
   <p:sldSz cx="12192000" cy="6858000"/>
   <p:notesSz cx="6858000" cy="9144000"/>
@@ -225,7 +226,7 @@
           <a:p>
             <a:fld id="{65700FC0-9E7A-4C53-8A3B-3C3C9A736C42}" type="datetimeFigureOut">
               <a:rPr lang="en-US" smtClean="0"/>
-              <a:t>4/17/2017</a:t>
+              <a:t>4/19/2017</a:t>
             </a:fld>
             <a:endParaRPr lang="en-US"/>
           </a:p>
@@ -390,7 +391,7 @@
           <a:p>
             <a:fld id="{8AF122B6-E47E-4A80-A9F3-23FD10D674FE}" type="datetimeFigureOut">
               <a:rPr lang="en-US" smtClean="0"/>
-              <a:t>4/17/2017</a:t>
+              <a:t>4/19/2017</a:t>
             </a:fld>
             <a:endParaRPr lang="en-US"/>
           </a:p>
@@ -454,38 +455,37 @@
           <a:p>
             <a:pPr lvl="0"/>
             <a:r>
-              <a:rPr lang="en-US" smtClean="0"/>
+              <a:rPr lang="en-US"/>
               <a:t>Click to edit Master text styles</a:t>
             </a:r>
           </a:p>
           <a:p>
             <a:pPr lvl="1"/>
             <a:r>
-              <a:rPr lang="en-US" smtClean="0"/>
+              <a:rPr lang="en-US"/>
               <a:t>Second level</a:t>
             </a:r>
           </a:p>
           <a:p>
             <a:pPr lvl="2"/>
             <a:r>
-              <a:rPr lang="en-US" smtClean="0"/>
+              <a:rPr lang="en-US"/>
               <a:t>Third level</a:t>
             </a:r>
           </a:p>
           <a:p>
             <a:pPr lvl="3"/>
             <a:r>
-              <a:rPr lang="en-US" smtClean="0"/>
+              <a:rPr lang="en-US"/>
               <a:t>Fourth level</a:t>
             </a:r>
           </a:p>
           <a:p>
             <a:pPr lvl="4"/>
             <a:r>
-              <a:rPr lang="en-US" smtClean="0"/>
+              <a:rPr lang="en-US"/>
               <a:t>Fifth level</a:t>
             </a:r>
-            <a:endParaRPr lang="en-US"/>
           </a:p>
         </p:txBody>
       </p:sp>
@@ -701,7 +701,7 @@
             <a:fld id="{349BF3EA-1A78-4F07-BDC0-C8A1BD461199}" type="datetimeFigureOut">
               <a:rPr lang="en-US" smtClean="0"/>
               <a:pPr/>
-              <a:t>4/17/2017</a:t>
+              <a:t>4/19/2017</a:t>
             </a:fld>
             <a:endParaRPr lang="en-US"/>
           </a:p>
@@ -878,7 +878,7 @@
           </a:lstStyle>
           <a:p>
             <a:r>
-              <a:rPr lang="en-US" smtClean="0"/>
+              <a:rPr lang="en-US"/>
               <a:t>Click to edit Master subtitle style</a:t>
             </a:r>
             <a:endParaRPr lang="en-US" dirty="0"/>
@@ -915,7 +915,7 @@
           </a:lstStyle>
           <a:p>
             <a:r>
-              <a:rPr lang="en-US" smtClean="0"/>
+              <a:rPr lang="en-US"/>
               <a:t>Click to edit Master title style</a:t>
             </a:r>
             <a:endParaRPr lang="en-US" dirty="0"/>
@@ -986,7 +986,7 @@
           </a:lstStyle>
           <a:p>
             <a:r>
-              <a:rPr lang="en-US" smtClean="0"/>
+              <a:rPr lang="en-US"/>
               <a:t>Click to edit Master title style</a:t>
             </a:r>
             <a:endParaRPr lang="en-US" dirty="0"/>
@@ -1010,35 +1010,35 @@
           <a:p>
             <a:pPr lvl="0"/>
             <a:r>
-              <a:rPr lang="en-US" smtClean="0"/>
+              <a:rPr lang="en-US"/>
               <a:t>Edit Master text styles</a:t>
             </a:r>
           </a:p>
           <a:p>
             <a:pPr lvl="1"/>
             <a:r>
-              <a:rPr lang="en-US" smtClean="0"/>
+              <a:rPr lang="en-US"/>
               <a:t>Second level</a:t>
             </a:r>
           </a:p>
           <a:p>
             <a:pPr lvl="2"/>
             <a:r>
-              <a:rPr lang="en-US" smtClean="0"/>
+              <a:rPr lang="en-US"/>
               <a:t>Third level</a:t>
             </a:r>
           </a:p>
           <a:p>
             <a:pPr lvl="3"/>
             <a:r>
-              <a:rPr lang="en-US" smtClean="0"/>
+              <a:rPr lang="en-US"/>
               <a:t>Fourth level</a:t>
             </a:r>
           </a:p>
           <a:p>
             <a:pPr lvl="4"/>
             <a:r>
-              <a:rPr lang="en-US" smtClean="0"/>
+              <a:rPr lang="en-US"/>
               <a:t>Fifth level</a:t>
             </a:r>
             <a:endParaRPr lang="en-US" dirty="0"/>
@@ -1062,7 +1062,7 @@
           <a:p>
             <a:fld id="{349BF3EA-1A78-4F07-BDC0-C8A1BD461199}" type="datetimeFigureOut">
               <a:rPr lang="en-US" smtClean="0"/>
-              <a:t>4/17/2017</a:t>
+              <a:t>4/19/2017</a:t>
             </a:fld>
             <a:endParaRPr lang="en-US"/>
           </a:p>
@@ -1179,7 +1179,7 @@
           </a:lstStyle>
           <a:p>
             <a:r>
-              <a:rPr lang="en-US" smtClean="0"/>
+              <a:rPr lang="en-US"/>
               <a:t>Click to edit Master title style</a:t>
             </a:r>
             <a:endParaRPr lang="en-US" dirty="0"/>
@@ -1208,35 +1208,35 @@
           <a:p>
             <a:pPr lvl="0"/>
             <a:r>
-              <a:rPr lang="en-US" smtClean="0"/>
+              <a:rPr lang="en-US"/>
               <a:t>Edit Master text styles</a:t>
             </a:r>
           </a:p>
           <a:p>
             <a:pPr lvl="1"/>
             <a:r>
-              <a:rPr lang="en-US" smtClean="0"/>
+              <a:rPr lang="en-US"/>
               <a:t>Second level</a:t>
             </a:r>
           </a:p>
           <a:p>
             <a:pPr lvl="2"/>
             <a:r>
-              <a:rPr lang="en-US" smtClean="0"/>
+              <a:rPr lang="en-US"/>
               <a:t>Third level</a:t>
             </a:r>
           </a:p>
           <a:p>
             <a:pPr lvl="3"/>
             <a:r>
-              <a:rPr lang="en-US" smtClean="0"/>
+              <a:rPr lang="en-US"/>
               <a:t>Fourth level</a:t>
             </a:r>
           </a:p>
           <a:p>
             <a:pPr lvl="4"/>
             <a:r>
-              <a:rPr lang="en-US" smtClean="0"/>
+              <a:rPr lang="en-US"/>
               <a:t>Fifth level</a:t>
             </a:r>
             <a:endParaRPr lang="en-US" dirty="0"/>
@@ -1260,7 +1260,7 @@
           <a:p>
             <a:fld id="{349BF3EA-1A78-4F07-BDC0-C8A1BD461199}" type="datetimeFigureOut">
               <a:rPr lang="en-US" smtClean="0"/>
-              <a:t>4/17/2017</a:t>
+              <a:t>4/19/2017</a:t>
             </a:fld>
             <a:endParaRPr lang="en-US"/>
           </a:p>
@@ -1366,7 +1366,7 @@
           <a:lstStyle/>
           <a:p>
             <a:r>
-              <a:rPr lang="en-US" smtClean="0"/>
+              <a:rPr lang="en-US"/>
               <a:t>Click to edit Master title style</a:t>
             </a:r>
             <a:endParaRPr lang="en-US" dirty="0"/>
@@ -1456,38 +1456,38 @@
           <a:p>
             <a:pPr lvl="0"/>
             <a:r>
-              <a:rPr lang="en-US" smtClean="0"/>
+              <a:rPr lang="en-US"/>
               <a:t>Edit Master text styles</a:t>
             </a:r>
           </a:p>
           <a:p>
             <a:pPr lvl="1"/>
             <a:r>
-              <a:rPr lang="en-US" smtClean="0"/>
+              <a:rPr lang="en-US"/>
               <a:t>Second level</a:t>
             </a:r>
           </a:p>
           <a:p>
             <a:pPr lvl="2"/>
             <a:r>
-              <a:rPr lang="en-US" smtClean="0"/>
+              <a:rPr lang="en-US"/>
               <a:t>Third level</a:t>
             </a:r>
           </a:p>
           <a:p>
             <a:pPr lvl="3"/>
             <a:r>
-              <a:rPr lang="en-US" smtClean="0"/>
+              <a:rPr lang="en-US"/>
               <a:t>Fourth level</a:t>
             </a:r>
           </a:p>
           <a:p>
             <a:pPr lvl="4"/>
             <a:r>
-              <a:rPr lang="en-US" smtClean="0"/>
+              <a:rPr lang="en-US"/>
               <a:t>Fifth level</a:t>
             </a:r>
-            <a:endParaRPr lang="en-US" dirty="0" smtClean="0"/>
+            <a:endParaRPr lang="en-US" dirty="0"/>
           </a:p>
         </p:txBody>
       </p:sp>
@@ -1508,7 +1508,7 @@
           <a:p>
             <a:fld id="{349BF3EA-1A78-4F07-BDC0-C8A1BD461199}" type="datetimeFigureOut">
               <a:rPr lang="en-US" smtClean="0"/>
-              <a:t>4/17/2017</a:t>
+              <a:t>4/19/2017</a:t>
             </a:fld>
             <a:endParaRPr lang="en-US"/>
           </a:p>
@@ -1638,7 +1638,7 @@
           </a:lstStyle>
           <a:p>
             <a:r>
-              <a:rPr lang="en-US" smtClean="0"/>
+              <a:rPr lang="en-US"/>
               <a:t>Click to edit Master title style</a:t>
             </a:r>
             <a:endParaRPr lang="en-US" dirty="0"/>
@@ -1756,7 +1756,7 @@
           <a:p>
             <a:pPr lvl="0"/>
             <a:r>
-              <a:rPr lang="en-US" smtClean="0"/>
+              <a:rPr lang="en-US"/>
               <a:t>Edit Master text styles</a:t>
             </a:r>
           </a:p>
@@ -1779,7 +1779,7 @@
           <a:p>
             <a:fld id="{349BF3EA-1A78-4F07-BDC0-C8A1BD461199}" type="datetimeFigureOut">
               <a:rPr lang="en-US" smtClean="0"/>
-              <a:t>4/17/2017</a:t>
+              <a:t>4/19/2017</a:t>
             </a:fld>
             <a:endParaRPr lang="en-US"/>
           </a:p>
@@ -2041,7 +2041,7 @@
           </a:lstStyle>
           <a:p>
             <a:r>
-              <a:rPr lang="en-US" smtClean="0"/>
+              <a:rPr lang="en-US"/>
               <a:t>Click to edit Master title style</a:t>
             </a:r>
             <a:endParaRPr lang="en-US" dirty="0"/>
@@ -2098,38 +2098,38 @@
           <a:p>
             <a:pPr lvl="0"/>
             <a:r>
-              <a:rPr lang="en-US" smtClean="0"/>
+              <a:rPr lang="en-US"/>
               <a:t>Edit Master text styles</a:t>
             </a:r>
           </a:p>
           <a:p>
             <a:pPr lvl="1"/>
             <a:r>
-              <a:rPr lang="en-US" smtClean="0"/>
+              <a:rPr lang="en-US"/>
               <a:t>Second level</a:t>
             </a:r>
           </a:p>
           <a:p>
             <a:pPr lvl="2"/>
             <a:r>
-              <a:rPr lang="en-US" smtClean="0"/>
+              <a:rPr lang="en-US"/>
               <a:t>Third level</a:t>
             </a:r>
           </a:p>
           <a:p>
             <a:pPr lvl="3"/>
             <a:r>
-              <a:rPr lang="en-US" smtClean="0"/>
+              <a:rPr lang="en-US"/>
               <a:t>Fourth level</a:t>
             </a:r>
           </a:p>
           <a:p>
             <a:pPr lvl="4"/>
             <a:r>
-              <a:rPr lang="en-US" smtClean="0"/>
+              <a:rPr lang="en-US"/>
               <a:t>Fifth level</a:t>
             </a:r>
-            <a:endParaRPr lang="en-US" dirty="0" smtClean="0"/>
+            <a:endParaRPr lang="en-US" dirty="0"/>
           </a:p>
         </p:txBody>
       </p:sp>
@@ -2150,7 +2150,7 @@
           <a:p>
             <a:fld id="{349BF3EA-1A78-4F07-BDC0-C8A1BD461199}" type="datetimeFigureOut">
               <a:rPr lang="en-US" smtClean="0"/>
-              <a:t>4/17/2017</a:t>
+              <a:t>4/19/2017</a:t>
             </a:fld>
             <a:endParaRPr lang="en-US"/>
           </a:p>
@@ -2220,38 +2220,37 @@
           <a:p>
             <a:pPr lvl="0"/>
             <a:r>
-              <a:rPr lang="en-US" smtClean="0"/>
+              <a:rPr lang="en-US"/>
               <a:t>Edit Master text styles</a:t>
             </a:r>
           </a:p>
           <a:p>
             <a:pPr lvl="1"/>
             <a:r>
-              <a:rPr lang="en-US" smtClean="0"/>
+              <a:rPr lang="en-US"/>
               <a:t>Second level</a:t>
             </a:r>
           </a:p>
           <a:p>
             <a:pPr lvl="2"/>
             <a:r>
-              <a:rPr lang="en-US" smtClean="0"/>
+              <a:rPr lang="en-US"/>
               <a:t>Third level</a:t>
             </a:r>
           </a:p>
           <a:p>
             <a:pPr lvl="3"/>
             <a:r>
-              <a:rPr lang="en-US" smtClean="0"/>
+              <a:rPr lang="en-US"/>
               <a:t>Fourth level</a:t>
             </a:r>
           </a:p>
           <a:p>
             <a:pPr lvl="4"/>
             <a:r>
-              <a:rPr lang="en-US" smtClean="0"/>
+              <a:rPr lang="en-US"/>
               <a:t>Fifth level</a:t>
             </a:r>
-            <a:endParaRPr lang="en-US"/>
           </a:p>
         </p:txBody>
       </p:sp>
@@ -2319,7 +2318,7 @@
           </a:lstStyle>
           <a:p>
             <a:r>
-              <a:rPr lang="en-US" smtClean="0"/>
+              <a:rPr lang="en-US"/>
               <a:t>Click to edit Master title style</a:t>
             </a:r>
             <a:endParaRPr lang="en-US" dirty="0"/>
@@ -2389,7 +2388,7 @@
           <a:p>
             <a:pPr lvl="0"/>
             <a:r>
-              <a:rPr lang="en-US" smtClean="0"/>
+              <a:rPr lang="en-US"/>
               <a:t>Edit Master text styles</a:t>
             </a:r>
           </a:p>
@@ -2458,7 +2457,7 @@
           <a:p>
             <a:pPr lvl="0"/>
             <a:r>
-              <a:rPr lang="en-US" smtClean="0"/>
+              <a:rPr lang="en-US"/>
               <a:t>Edit Master text styles</a:t>
             </a:r>
           </a:p>
@@ -2481,7 +2480,7 @@
           <a:p>
             <a:fld id="{349BF3EA-1A78-4F07-BDC0-C8A1BD461199}" type="datetimeFigureOut">
               <a:rPr lang="en-US" smtClean="0"/>
-              <a:t>4/17/2017</a:t>
+              <a:t>4/19/2017</a:t>
             </a:fld>
             <a:endParaRPr lang="en-US"/>
           </a:p>
@@ -2551,35 +2550,35 @@
           <a:p>
             <a:pPr lvl="0"/>
             <a:r>
-              <a:rPr lang="en-US" smtClean="0"/>
+              <a:rPr lang="en-US"/>
               <a:t>Edit Master text styles</a:t>
             </a:r>
           </a:p>
           <a:p>
             <a:pPr lvl="1"/>
             <a:r>
-              <a:rPr lang="en-US" smtClean="0"/>
+              <a:rPr lang="en-US"/>
               <a:t>Second level</a:t>
             </a:r>
           </a:p>
           <a:p>
             <a:pPr lvl="2"/>
             <a:r>
-              <a:rPr lang="en-US" smtClean="0"/>
+              <a:rPr lang="en-US"/>
               <a:t>Third level</a:t>
             </a:r>
           </a:p>
           <a:p>
             <a:pPr lvl="3"/>
             <a:r>
-              <a:rPr lang="en-US" smtClean="0"/>
+              <a:rPr lang="en-US"/>
               <a:t>Fourth level</a:t>
             </a:r>
           </a:p>
           <a:p>
             <a:pPr lvl="4"/>
             <a:r>
-              <a:rPr lang="en-US" smtClean="0"/>
+              <a:rPr lang="en-US"/>
               <a:t>Fifth level</a:t>
             </a:r>
             <a:endParaRPr lang="en-US" dirty="0"/>
@@ -2608,35 +2607,35 @@
           <a:p>
             <a:pPr lvl="0"/>
             <a:r>
-              <a:rPr lang="en-US" smtClean="0"/>
+              <a:rPr lang="en-US"/>
               <a:t>Edit Master text styles</a:t>
             </a:r>
           </a:p>
           <a:p>
             <a:pPr lvl="1"/>
             <a:r>
-              <a:rPr lang="en-US" smtClean="0"/>
+              <a:rPr lang="en-US"/>
               <a:t>Second level</a:t>
             </a:r>
           </a:p>
           <a:p>
             <a:pPr lvl="2"/>
             <a:r>
-              <a:rPr lang="en-US" smtClean="0"/>
+              <a:rPr lang="en-US"/>
               <a:t>Third level</a:t>
             </a:r>
           </a:p>
           <a:p>
             <a:pPr lvl="3"/>
             <a:r>
-              <a:rPr lang="en-US" smtClean="0"/>
+              <a:rPr lang="en-US"/>
               <a:t>Fourth level</a:t>
             </a:r>
           </a:p>
           <a:p>
             <a:pPr lvl="4"/>
             <a:r>
-              <a:rPr lang="en-US" smtClean="0"/>
+              <a:rPr lang="en-US"/>
               <a:t>Fifth level</a:t>
             </a:r>
             <a:endParaRPr lang="en-US" dirty="0"/>
@@ -2712,7 +2711,7 @@
           </a:lstStyle>
           <a:p>
             <a:r>
-              <a:rPr lang="en-US" smtClean="0"/>
+              <a:rPr lang="en-US"/>
               <a:t>Click to edit Master title style</a:t>
             </a:r>
             <a:endParaRPr lang="en-US" dirty="0"/>
@@ -2736,7 +2735,7 @@
           <a:p>
             <a:fld id="{349BF3EA-1A78-4F07-BDC0-C8A1BD461199}" type="datetimeFigureOut">
               <a:rPr lang="en-US" smtClean="0"/>
-              <a:t>4/17/2017</a:t>
+              <a:t>4/19/2017</a:t>
             </a:fld>
             <a:endParaRPr lang="en-US"/>
           </a:p>
@@ -2843,7 +2842,7 @@
           <a:p>
             <a:fld id="{349BF3EA-1A78-4F07-BDC0-C8A1BD461199}" type="datetimeFigureOut">
               <a:rPr lang="en-US" smtClean="0"/>
-              <a:t>4/17/2017</a:t>
+              <a:t>4/19/2017</a:t>
             </a:fld>
             <a:endParaRPr lang="en-US"/>
           </a:p>
@@ -2963,7 +2962,7 @@
           </a:lstStyle>
           <a:p>
             <a:r>
-              <a:rPr lang="en-US" smtClean="0"/>
+              <a:rPr lang="en-US"/>
               <a:t>Click to edit Master title style</a:t>
             </a:r>
             <a:endParaRPr lang="en-US" dirty="0"/>
@@ -3020,35 +3019,35 @@
           <a:p>
             <a:pPr lvl="0"/>
             <a:r>
-              <a:rPr lang="en-US" smtClean="0"/>
+              <a:rPr lang="en-US"/>
               <a:t>Edit Master text styles</a:t>
             </a:r>
           </a:p>
           <a:p>
             <a:pPr lvl="1"/>
             <a:r>
-              <a:rPr lang="en-US" smtClean="0"/>
+              <a:rPr lang="en-US"/>
               <a:t>Second level</a:t>
             </a:r>
           </a:p>
           <a:p>
             <a:pPr lvl="2"/>
             <a:r>
-              <a:rPr lang="en-US" smtClean="0"/>
+              <a:rPr lang="en-US"/>
               <a:t>Third level</a:t>
             </a:r>
           </a:p>
           <a:p>
             <a:pPr lvl="3"/>
             <a:r>
-              <a:rPr lang="en-US" smtClean="0"/>
+              <a:rPr lang="en-US"/>
               <a:t>Fourth level</a:t>
             </a:r>
           </a:p>
           <a:p>
             <a:pPr lvl="4"/>
             <a:r>
-              <a:rPr lang="en-US" smtClean="0"/>
+              <a:rPr lang="en-US"/>
               <a:t>Fifth level</a:t>
             </a:r>
             <a:endParaRPr lang="en-US" dirty="0"/>
@@ -3119,7 +3118,7 @@
           <a:p>
             <a:pPr lvl="0"/>
             <a:r>
-              <a:rPr lang="en-US" smtClean="0"/>
+              <a:rPr lang="en-US"/>
               <a:t>Edit Master text styles</a:t>
             </a:r>
           </a:p>
@@ -3142,7 +3141,7 @@
           <a:p>
             <a:fld id="{349BF3EA-1A78-4F07-BDC0-C8A1BD461199}" type="datetimeFigureOut">
               <a:rPr lang="en-US" smtClean="0"/>
-              <a:t>4/17/2017</a:t>
+              <a:t>4/19/2017</a:t>
             </a:fld>
             <a:endParaRPr lang="en-US"/>
           </a:p>
@@ -3262,7 +3261,7 @@
           </a:lstStyle>
           <a:p>
             <a:r>
-              <a:rPr lang="en-US" smtClean="0"/>
+              <a:rPr lang="en-US"/>
               <a:t>Click to edit Master title style</a:t>
             </a:r>
             <a:endParaRPr lang="en-US" dirty="0"/>
@@ -3339,7 +3338,7 @@
           </a:lstStyle>
           <a:p>
             <a:r>
-              <a:rPr lang="en-US" smtClean="0"/>
+              <a:rPr lang="en-US"/>
               <a:t>Click icon to add picture</a:t>
             </a:r>
             <a:endParaRPr lang="en-US" dirty="0"/>
@@ -3407,7 +3406,7 @@
           <a:p>
             <a:pPr lvl="0"/>
             <a:r>
-              <a:rPr lang="en-US" smtClean="0"/>
+              <a:rPr lang="en-US"/>
               <a:t>Edit Master text styles</a:t>
             </a:r>
           </a:p>
@@ -3430,7 +3429,7 @@
           <a:p>
             <a:fld id="{349BF3EA-1A78-4F07-BDC0-C8A1BD461199}" type="datetimeFigureOut">
               <a:rPr lang="en-US" smtClean="0"/>
-              <a:t>4/17/2017</a:t>
+              <a:t>4/19/2017</a:t>
             </a:fld>
             <a:endParaRPr lang="en-US"/>
           </a:p>
@@ -3560,7 +3559,7 @@
             <a:fld id="{349BF3EA-1A78-4F07-BDC0-C8A1BD461199}" type="datetimeFigureOut">
               <a:rPr lang="en-US" smtClean="0"/>
               <a:pPr/>
-              <a:t>4/17/2017</a:t>
+              <a:t>4/19/2017</a:t>
             </a:fld>
             <a:endParaRPr lang="en-US"/>
           </a:p>
@@ -3787,38 +3786,38 @@
           <a:p>
             <a:pPr lvl="0"/>
             <a:r>
-              <a:rPr lang="en-US" smtClean="0"/>
+              <a:rPr lang="en-US"/>
               <a:t>Edit Master text styles</a:t>
             </a:r>
           </a:p>
           <a:p>
             <a:pPr lvl="1"/>
             <a:r>
-              <a:rPr lang="en-US" smtClean="0"/>
+              <a:rPr lang="en-US"/>
               <a:t>Second level</a:t>
             </a:r>
           </a:p>
           <a:p>
             <a:pPr lvl="2"/>
             <a:r>
-              <a:rPr lang="en-US" smtClean="0"/>
+              <a:rPr lang="en-US"/>
               <a:t>Third level</a:t>
             </a:r>
           </a:p>
           <a:p>
             <a:pPr lvl="3"/>
             <a:r>
-              <a:rPr lang="en-US" smtClean="0"/>
+              <a:rPr lang="en-US"/>
               <a:t>Fourth level</a:t>
             </a:r>
           </a:p>
           <a:p>
             <a:pPr lvl="4"/>
             <a:r>
-              <a:rPr lang="en-US" smtClean="0"/>
+              <a:rPr lang="en-US"/>
               <a:t>Fifth level</a:t>
             </a:r>
-            <a:endParaRPr lang="en-US" dirty="0" smtClean="0"/>
+            <a:endParaRPr lang="en-US" dirty="0"/>
           </a:p>
         </p:txBody>
       </p:sp>
@@ -3848,7 +3847,7 @@
           <a:lstStyle/>
           <a:p>
             <a:r>
-              <a:rPr lang="en-US" smtClean="0"/>
+              <a:rPr lang="en-US"/>
               <a:t>Click to edit Master title style</a:t>
             </a:r>
             <a:endParaRPr lang="en-US" dirty="0"/>
@@ -3888,13 +3887,6 @@
       </p:transition>
     </mc:Fallback>
   </mc:AlternateContent>
-  <p:timing>
-    <p:tnLst>
-      <p:par>
-        <p:cTn id="1" dur="indefinite" restart="never" nodeType="tmRoot"/>
-      </p:par>
-    </p:tnLst>
-  </p:timing>
   <p:txStyles>
     <p:titleStyle>
       <a:lvl1pPr algn="ctr" defTabSz="914400" rtl="0" eaLnBrk="1" latinLnBrk="0" hangingPunct="1">
@@ -4185,10 +4177,9 @@
           <a:lstStyle/>
           <a:p>
             <a:r>
-              <a:rPr lang="en-US" dirty="0" smtClean="0"/>
+              <a:rPr lang="en-US" dirty="0"/>
               <a:t>Presented by Code Monkey</a:t>
             </a:r>
-            <a:endParaRPr lang="en-US" dirty="0"/>
           </a:p>
         </p:txBody>
       </p:sp>
@@ -4208,14 +4199,13 @@
           <a:lstStyle/>
           <a:p>
             <a:r>
-              <a:rPr lang="en-US" dirty="0" err="1" smtClean="0"/>
+              <a:rPr lang="en-US" dirty="0" err="1"/>
               <a:t>D.Eco</a:t>
             </a:r>
             <a:r>
-              <a:rPr lang="en-US" dirty="0" smtClean="0"/>
+              <a:rPr lang="en-US" dirty="0"/>
               <a:t> Application</a:t>
             </a:r>
-            <a:endParaRPr lang="en-US" dirty="0"/>
           </a:p>
         </p:txBody>
       </p:sp>
@@ -4271,13 +4261,6 @@
       </p:transition>
     </mc:Fallback>
   </mc:AlternateContent>
-  <p:timing>
-    <p:tnLst>
-      <p:par>
-        <p:cTn id="1" dur="indefinite" restart="never" nodeType="tmRoot"/>
-      </p:par>
-    </p:tnLst>
-  </p:timing>
 </p:sld>
 </file>
 
@@ -4314,10 +4297,9 @@
           <a:lstStyle/>
           <a:p>
             <a:r>
-              <a:rPr lang="en-US" dirty="0" smtClean="0"/>
+              <a:rPr lang="en-US" dirty="0"/>
               <a:t>Initial Architecture</a:t>
             </a:r>
-            <a:endParaRPr lang="en-US" dirty="0"/>
           </a:p>
         </p:txBody>
       </p:sp>
@@ -4353,7 +4335,7 @@
           <a:noFill/>
           <a:extLst>
             <a:ext uri="{909E8E84-426E-40dd-AFC4-6F175D3DCCD1}">
-              <a14:hiddenFill xmlns:a14="http://schemas.microsoft.com/office/drawing/2010/main" xmlns="">
+              <a14:hiddenFill xmlns="" xmlns:a14="http://schemas.microsoft.com/office/drawing/2010/main">
                 <a:solidFill>
                   <a:srgbClr val="FFFFFF"/>
                 </a:solidFill>
@@ -4415,10 +4397,9 @@
           <a:lstStyle/>
           <a:p>
             <a:r>
-              <a:rPr lang="en-US" dirty="0" smtClean="0"/>
+              <a:rPr lang="en-US" dirty="0"/>
               <a:t>Code Monkey</a:t>
             </a:r>
-            <a:endParaRPr lang="en-US" dirty="0"/>
           </a:p>
         </p:txBody>
       </p:sp>
@@ -4445,10 +4426,9 @@
           <a:lstStyle/>
           <a:p>
             <a:r>
-              <a:rPr lang="en-US" dirty="0" smtClean="0"/>
+              <a:rPr lang="en-US" dirty="0"/>
               <a:t>April 5, 2017</a:t>
             </a:r>
-            <a:endParaRPr lang="en-US" dirty="0"/>
           </a:p>
         </p:txBody>
       </p:sp>
@@ -4474,13 +4454,6 @@
       </p:transition>
     </mc:Fallback>
   </mc:AlternateContent>
-  <p:timing>
-    <p:tnLst>
-      <p:par>
-        <p:cTn id="1" dur="indefinite" restart="never" nodeType="tmRoot"/>
-      </p:par>
-    </p:tnLst>
-  </p:timing>
 </p:sld>
 </file>
 
@@ -4517,10 +4490,9 @@
           <a:lstStyle/>
           <a:p>
             <a:r>
-              <a:rPr lang="en-US" dirty="0" smtClean="0"/>
+              <a:rPr lang="en-US" dirty="0"/>
               <a:t>Security Risk</a:t>
             </a:r>
-            <a:endParaRPr lang="en-US" dirty="0"/>
           </a:p>
         </p:txBody>
       </p:sp>
@@ -4540,35 +4512,27 @@
           <a:lstStyle/>
           <a:p>
             <a:r>
-              <a:rPr lang="en-US" dirty="0" smtClean="0"/>
+              <a:rPr lang="en-US" dirty="0"/>
               <a:t>Penetration Attacks</a:t>
             </a:r>
           </a:p>
           <a:p>
             <a:pPr lvl="1"/>
             <a:r>
-              <a:rPr lang="en-US" dirty="0" smtClean="0"/>
+              <a:rPr lang="en-US" dirty="0"/>
               <a:t>Denial of service</a:t>
             </a:r>
           </a:p>
           <a:p>
             <a:r>
-              <a:rPr lang="en-US" dirty="0" smtClean="0"/>
+              <a:rPr lang="en-US" dirty="0"/>
               <a:t>MITM Attack</a:t>
             </a:r>
           </a:p>
           <a:p>
             <a:r>
-              <a:rPr lang="en-US" dirty="0" smtClean="0"/>
-              <a:t>SQL </a:t>
-            </a:r>
-            <a:r>
               <a:rPr lang="en-US" dirty="0"/>
-              <a:t>I</a:t>
-            </a:r>
-            <a:r>
-              <a:rPr lang="en-US" dirty="0" smtClean="0"/>
-              <a:t>njection</a:t>
+              <a:t>SQL Injection</a:t>
             </a:r>
           </a:p>
         </p:txBody>
@@ -4596,10 +4560,9 @@
           <a:lstStyle/>
           <a:p>
             <a:r>
-              <a:rPr lang="en-US" dirty="0" smtClean="0"/>
+              <a:rPr lang="en-US" dirty="0"/>
               <a:t>Code Monkey</a:t>
             </a:r>
-            <a:endParaRPr lang="en-US" dirty="0"/>
           </a:p>
         </p:txBody>
       </p:sp>
@@ -4626,10 +4589,9 @@
           <a:lstStyle/>
           <a:p>
             <a:r>
-              <a:rPr lang="en-US" dirty="0" smtClean="0"/>
+              <a:rPr lang="en-US" dirty="0"/>
               <a:t>April 5, 2017</a:t>
             </a:r>
-            <a:endParaRPr lang="en-US" dirty="0"/>
           </a:p>
         </p:txBody>
       </p:sp>
@@ -4721,10 +4683,9 @@
           <a:lstStyle/>
           <a:p>
             <a:r>
-              <a:rPr lang="en-US" dirty="0" smtClean="0"/>
+              <a:rPr lang="en-US" dirty="0"/>
               <a:t>Plan – Sprint 1 Elaboration</a:t>
             </a:r>
-            <a:endParaRPr lang="en-US" dirty="0"/>
           </a:p>
         </p:txBody>
       </p:sp>
@@ -4738,7 +4699,7 @@
             <p:ph idx="1"/>
             <p:extLst>
               <p:ext uri="{D42A27DB-BD31-4B8C-83A1-F6EECF244321}">
-                <p14:modId xmlns:p14="http://schemas.microsoft.com/office/powerpoint/2010/main" val="2845048708"/>
+                <p14:modId xmlns:p14="http://schemas.microsoft.com/office/powerpoint/2010/main" val="3009235010"/>
               </p:ext>
             </p:extLst>
           </p:nvPr>
@@ -4754,14 +4715,14 @@
                 <a:tableStyleId>{5C22544A-7EE6-4342-B048-85BDC9FD1C3A}</a:tableStyleId>
               </a:tblPr>
               <a:tblGrid>
-                <a:gridCol w="3657600">
+                <a:gridCol w="4038600">
                   <a:extLst>
                     <a:ext uri="{9D8B030D-6E8A-4147-A177-3AD203B41FA5}">
                       <a16:colId xmlns:a16="http://schemas.microsoft.com/office/drawing/2014/main" val="20000"/>
                     </a:ext>
                   </a:extLst>
                 </a:gridCol>
-                <a:gridCol w="3657600">
+                <a:gridCol w="3276600">
                   <a:extLst>
                     <a:ext uri="{9D8B030D-6E8A-4147-A177-3AD203B41FA5}">
                       <a16:colId xmlns:a16="http://schemas.microsoft.com/office/drawing/2014/main" val="20001"/>
@@ -4783,10 +4744,9 @@
                     <a:lstStyle/>
                     <a:p>
                       <a:r>
-                        <a:rPr lang="en-US" dirty="0" smtClean="0"/>
+                        <a:rPr lang="en-US" dirty="0"/>
                         <a:t>What</a:t>
                       </a:r>
-                      <a:endParaRPr lang="en-US" dirty="0"/>
                     </a:p>
                   </a:txBody>
                   <a:tcPr/>
@@ -4797,10 +4757,9 @@
                     <a:lstStyle/>
                     <a:p>
                       <a:r>
-                        <a:rPr lang="en-US" dirty="0" smtClean="0"/>
+                        <a:rPr lang="en-US" dirty="0"/>
                         <a:t>Who</a:t>
                       </a:r>
-                      <a:endParaRPr lang="en-US" dirty="0"/>
                     </a:p>
                   </a:txBody>
                   <a:tcPr/>
@@ -4811,10 +4770,9 @@
                     <a:lstStyle/>
                     <a:p>
                       <a:r>
-                        <a:rPr lang="en-US" dirty="0" smtClean="0"/>
+                        <a:rPr lang="en-US" dirty="0"/>
                         <a:t>When</a:t>
                       </a:r>
-                      <a:endParaRPr lang="en-US" dirty="0"/>
                     </a:p>
                   </a:txBody>
                   <a:tcPr/>
@@ -4832,8 +4790,21 @@
                     <a:lstStyle/>
                     <a:p>
                       <a:r>
-                        <a:rPr lang="en-US" dirty="0" smtClean="0"/>
-                        <a:t>--</a:t>
+                        <a:rPr lang="en-US" dirty="0"/>
+                        <a:t>Update communication diagram</a:t>
+                      </a:r>
+                    </a:p>
+                  </a:txBody>
+                  <a:tcPr/>
+                </a:tc>
+                <a:tc>
+                  <a:txBody>
+                    <a:bodyPr/>
+                    <a:lstStyle/>
+                    <a:p>
+                      <a:r>
+                        <a:rPr lang="en-US" dirty="0" err="1"/>
+                        <a:t>Fiasal</a:t>
                       </a:r>
                       <a:endParaRPr lang="en-US" dirty="0"/>
                     </a:p>
@@ -4846,24 +4817,9 @@
                     <a:lstStyle/>
                     <a:p>
                       <a:r>
-                        <a:rPr lang="en-US" dirty="0" smtClean="0"/>
-                        <a:t>--</a:t>
+                        <a:rPr lang="en-US" dirty="0"/>
+                        <a:t>4/26/17</a:t>
                       </a:r>
-                      <a:endParaRPr lang="en-US" dirty="0"/>
-                    </a:p>
-                  </a:txBody>
-                  <a:tcPr/>
-                </a:tc>
-                <a:tc>
-                  <a:txBody>
-                    <a:bodyPr/>
-                    <a:lstStyle/>
-                    <a:p>
-                      <a:r>
-                        <a:rPr lang="en-US" dirty="0" smtClean="0"/>
-                        <a:t>--</a:t>
-                      </a:r>
-                      <a:endParaRPr lang="en-US" dirty="0"/>
                     </a:p>
                   </a:txBody>
                   <a:tcPr/>
@@ -4881,10 +4837,9 @@
                     <a:lstStyle/>
                     <a:p>
                       <a:r>
-                        <a:rPr lang="en-US" dirty="0" smtClean="0"/>
-                        <a:t>--</a:t>
+                        <a:rPr lang="en-US" dirty="0"/>
+                        <a:t>Create elaboration class diagram</a:t>
                       </a:r>
-                      <a:endParaRPr lang="en-US" dirty="0"/>
                     </a:p>
                   </a:txBody>
                   <a:tcPr/>
@@ -4895,10 +4850,9 @@
                     <a:lstStyle/>
                     <a:p>
                       <a:r>
-                        <a:rPr lang="en-US" dirty="0" smtClean="0"/>
-                        <a:t>--</a:t>
+                        <a:rPr lang="en-US" dirty="0"/>
+                        <a:t>Cory</a:t>
                       </a:r>
-                      <a:endParaRPr lang="en-US" dirty="0"/>
                     </a:p>
                   </a:txBody>
                   <a:tcPr/>
@@ -4909,10 +4863,9 @@
                     <a:lstStyle/>
                     <a:p>
                       <a:r>
-                        <a:rPr lang="en-US" dirty="0" smtClean="0"/>
-                        <a:t>--</a:t>
+                        <a:rPr lang="en-US" dirty="0"/>
+                        <a:t>4/26/17</a:t>
                       </a:r>
-                      <a:endParaRPr lang="en-US" dirty="0"/>
                     </a:p>
                   </a:txBody>
                   <a:tcPr/>
@@ -4930,10 +4883,9 @@
                     <a:lstStyle/>
                     <a:p>
                       <a:r>
-                        <a:rPr lang="en-US" smtClean="0"/>
-                        <a:t>--</a:t>
+                        <a:rPr lang="en-US" dirty="0"/>
+                        <a:t>Update architecture in Elaboration</a:t>
                       </a:r>
-                      <a:endParaRPr lang="en-US" dirty="0"/>
                     </a:p>
                   </a:txBody>
                   <a:tcPr/>
@@ -4944,10 +4896,9 @@
                     <a:lstStyle/>
                     <a:p>
                       <a:r>
-                        <a:rPr lang="en-US" dirty="0" smtClean="0"/>
-                        <a:t>--</a:t>
+                        <a:rPr lang="en-US" dirty="0"/>
+                        <a:t>Kylie</a:t>
                       </a:r>
-                      <a:endParaRPr lang="en-US" dirty="0"/>
                     </a:p>
                   </a:txBody>
                   <a:tcPr/>
@@ -4958,10 +4909,9 @@
                     <a:lstStyle/>
                     <a:p>
                       <a:r>
-                        <a:rPr lang="en-US" dirty="0" smtClean="0"/>
-                        <a:t>--</a:t>
+                        <a:rPr lang="en-US" dirty="0"/>
+                        <a:t>4/26/17</a:t>
                       </a:r>
-                      <a:endParaRPr lang="en-US" dirty="0"/>
                     </a:p>
                   </a:txBody>
                   <a:tcPr/>
@@ -4999,10 +4949,9 @@
           <a:lstStyle/>
           <a:p>
             <a:r>
-              <a:rPr lang="en-US" dirty="0" smtClean="0"/>
+              <a:rPr lang="en-US" dirty="0"/>
               <a:t>Code Monkey</a:t>
             </a:r>
-            <a:endParaRPr lang="en-US" dirty="0"/>
           </a:p>
         </p:txBody>
       </p:sp>
@@ -5029,10 +4978,9 @@
           <a:lstStyle/>
           <a:p>
             <a:r>
-              <a:rPr lang="en-US" dirty="0" smtClean="0"/>
+              <a:rPr lang="en-US" dirty="0"/>
               <a:t>April 5, 2017</a:t>
             </a:r>
-            <a:endParaRPr lang="en-US" dirty="0"/>
           </a:p>
         </p:txBody>
       </p:sp>
@@ -5091,6 +5039,130 @@
 </p:sld>
 </file>
 
+<file path=ppt/slides/slide13.xml><?xml version="1.0" encoding="utf-8"?>
+<p:sld xmlns:a="http://schemas.openxmlformats.org/drawingml/2006/main" xmlns:r="http://schemas.openxmlformats.org/officeDocument/2006/relationships" xmlns:p="http://schemas.openxmlformats.org/presentationml/2006/main">
+  <p:cSld>
+    <p:spTree>
+      <p:nvGrpSpPr>
+        <p:cNvPr id="1" name=""/>
+        <p:cNvGrpSpPr/>
+        <p:nvPr/>
+      </p:nvGrpSpPr>
+      <p:grpSpPr>
+        <a:xfrm>
+          <a:off x="0" y="0"/>
+          <a:ext cx="0" cy="0"/>
+          <a:chOff x="0" y="0"/>
+          <a:chExt cx="0" cy="0"/>
+        </a:xfrm>
+      </p:grpSpPr>
+      <p:sp>
+        <p:nvSpPr>
+          <p:cNvPr id="2" name="Title 1"/>
+          <p:cNvSpPr>
+            <a:spLocks noGrp="1"/>
+          </p:cNvSpPr>
+          <p:nvPr>
+            <p:ph type="title"/>
+          </p:nvPr>
+        </p:nvSpPr>
+        <p:spPr/>
+        <p:txBody>
+          <a:bodyPr/>
+          <a:lstStyle/>
+          <a:p>
+            <a:r>
+              <a:rPr lang="en-US" dirty="0"/>
+              <a:t>Elaborating on the Elaboration Plan</a:t>
+            </a:r>
+          </a:p>
+        </p:txBody>
+      </p:sp>
+      <p:sp>
+        <p:nvSpPr>
+          <p:cNvPr id="3" name="Content Placeholder 2"/>
+          <p:cNvSpPr>
+            <a:spLocks noGrp="1"/>
+          </p:cNvSpPr>
+          <p:nvPr>
+            <p:ph idx="1"/>
+          </p:nvPr>
+        </p:nvSpPr>
+        <p:spPr/>
+        <p:txBody>
+          <a:bodyPr/>
+          <a:lstStyle/>
+          <a:p>
+            <a:r>
+              <a:rPr lang="en-US" dirty="0"/>
+              <a:t>Elaboration Architecture:</a:t>
+            </a:r>
+          </a:p>
+          <a:p>
+            <a:pPr lvl="1"/>
+            <a:r>
+              <a:rPr lang="en-US" dirty="0"/>
+              <a:t>During elaboration, we will update the initial architecture to have a better documented architecture.</a:t>
+            </a:r>
+          </a:p>
+          <a:p>
+            <a:r>
+              <a:rPr lang="en-US" dirty="0"/>
+              <a:t>Create elaboration class diagram:</a:t>
+            </a:r>
+          </a:p>
+          <a:p>
+            <a:pPr lvl="1"/>
+            <a:r>
+              <a:rPr lang="en-US" dirty="0"/>
+              <a:t>Work alongside teammates to create an accurate elaboration class diagram.</a:t>
+            </a:r>
+          </a:p>
+          <a:p>
+            <a:r>
+              <a:rPr lang="en-US" dirty="0"/>
+              <a:t>Updating the communication diagram:</a:t>
+            </a:r>
+          </a:p>
+          <a:p>
+            <a:pPr lvl="1"/>
+            <a:r>
+              <a:rPr lang="en-US" dirty="0"/>
+              <a:t>Ensuring all communication is documented properly within </a:t>
+            </a:r>
+            <a:r>
+              <a:rPr lang="en-US"/>
+              <a:t>the diagram.</a:t>
+            </a:r>
+            <a:endParaRPr lang="en-US" dirty="0"/>
+          </a:p>
+        </p:txBody>
+      </p:sp>
+    </p:spTree>
+    <p:extLst>
+      <p:ext uri="{BB962C8B-B14F-4D97-AF65-F5344CB8AC3E}">
+        <p14:creationId xmlns:p14="http://schemas.microsoft.com/office/powerpoint/2010/main" val="2472491561"/>
+      </p:ext>
+    </p:extLst>
+  </p:cSld>
+  <p:clrMapOvr>
+    <a:masterClrMapping/>
+  </p:clrMapOvr>
+  <mc:AlternateContent xmlns:mc="http://schemas.openxmlformats.org/markup-compatibility/2006" xmlns:p14="http://schemas.microsoft.com/office/powerpoint/2010/main">
+    <mc:Choice Requires="p14">
+      <p:transition spd="med" p14:dur="700">
+        <p:fade/>
+      </p:transition>
+    </mc:Choice>
+    <mc:Fallback xmlns="">
+      <p:transition spd="med">
+        <p:fade/>
+      </p:transition>
+    </mc:Fallback>
+  </mc:AlternateContent>
+</p:sld>
+</file>
+
 <file path=ppt/slides/slide2.xml><?xml version="1.0" encoding="utf-8"?>
 <p:sld xmlns:a="http://schemas.openxmlformats.org/drawingml/2006/main" xmlns:r="http://schemas.openxmlformats.org/officeDocument/2006/relationships" xmlns:p="http://schemas.openxmlformats.org/presentationml/2006/main">
   <p:cSld>
@@ -5124,10 +5196,9 @@
           <a:lstStyle/>
           <a:p>
             <a:r>
-              <a:rPr lang="en-US" dirty="0" smtClean="0"/>
+              <a:rPr lang="en-US" dirty="0"/>
               <a:t>Sprint 1 Inception</a:t>
             </a:r>
-            <a:endParaRPr lang="en-US" dirty="0"/>
           </a:p>
         </p:txBody>
       </p:sp>
@@ -5147,34 +5218,33 @@
           <a:lstStyle/>
           <a:p>
             <a:r>
-              <a:rPr lang="en-US" dirty="0" smtClean="0"/>
+              <a:rPr lang="en-US" dirty="0"/>
               <a:t>Use Case Model</a:t>
             </a:r>
           </a:p>
           <a:p>
             <a:r>
-              <a:rPr lang="en-US" dirty="0" smtClean="0"/>
+              <a:rPr lang="en-US" dirty="0"/>
               <a:t>Risk Analysis</a:t>
             </a:r>
           </a:p>
           <a:p>
             <a:r>
-              <a:rPr lang="en-US" dirty="0" smtClean="0"/>
+              <a:rPr lang="en-US" dirty="0"/>
               <a:t>Technology Plan</a:t>
             </a:r>
           </a:p>
           <a:p>
             <a:r>
-              <a:rPr lang="en-US" dirty="0" smtClean="0"/>
+              <a:rPr lang="en-US" dirty="0"/>
               <a:t>Effort Estimate</a:t>
             </a:r>
           </a:p>
           <a:p>
             <a:r>
-              <a:rPr lang="en-US" dirty="0" smtClean="0"/>
+              <a:rPr lang="en-US" dirty="0"/>
               <a:t>System Architecture</a:t>
             </a:r>
-            <a:endParaRPr lang="en-US" dirty="0"/>
           </a:p>
         </p:txBody>
       </p:sp>
@@ -5261,10 +5331,9 @@
           <a:lstStyle/>
           <a:p>
             <a:r>
-              <a:rPr lang="en-US" dirty="0" smtClean="0"/>
+              <a:rPr lang="en-US" dirty="0"/>
               <a:t>Code Monkey</a:t>
             </a:r>
-            <a:endParaRPr lang="en-US" dirty="0"/>
           </a:p>
         </p:txBody>
       </p:sp>
@@ -5291,10 +5360,9 @@
           <a:lstStyle/>
           <a:p>
             <a:r>
-              <a:rPr lang="en-US" dirty="0" smtClean="0"/>
+              <a:rPr lang="en-US" dirty="0"/>
               <a:t>April 5, 2017</a:t>
             </a:r>
-            <a:endParaRPr lang="en-US" dirty="0"/>
           </a:p>
         </p:txBody>
       </p:sp>
@@ -5320,13 +5388,6 @@
       </p:transition>
     </mc:Fallback>
   </mc:AlternateContent>
-  <p:timing>
-    <p:tnLst>
-      <p:par>
-        <p:cTn id="1" dur="indefinite" restart="never" nodeType="tmRoot"/>
-      </p:par>
-    </p:tnLst>
-  </p:timing>
 </p:sld>
 </file>
 
@@ -5368,10 +5429,9 @@
           <a:lstStyle/>
           <a:p>
             <a:r>
-              <a:rPr lang="en-US" dirty="0" smtClean="0"/>
+              <a:rPr lang="en-US" dirty="0"/>
               <a:t>Use Case Model</a:t>
             </a:r>
-            <a:endParaRPr lang="en-US" dirty="0"/>
           </a:p>
         </p:txBody>
       </p:sp>
@@ -5428,10 +5488,9 @@
           <a:lstStyle/>
           <a:p>
             <a:r>
-              <a:rPr lang="en-US" dirty="0" smtClean="0"/>
+              <a:rPr lang="en-US" dirty="0"/>
               <a:t>Code Monkey</a:t>
             </a:r>
-            <a:endParaRPr lang="en-US" dirty="0"/>
           </a:p>
         </p:txBody>
       </p:sp>
@@ -5458,10 +5517,9 @@
           <a:lstStyle/>
           <a:p>
             <a:r>
-              <a:rPr lang="en-US" dirty="0" smtClean="0"/>
+              <a:rPr lang="en-US" dirty="0"/>
               <a:t>April 5, 2017</a:t>
             </a:r>
-            <a:endParaRPr lang="en-US" dirty="0"/>
           </a:p>
         </p:txBody>
       </p:sp>
@@ -5517,13 +5575,6 @@
       </p:transition>
     </mc:Fallback>
   </mc:AlternateContent>
-  <p:timing>
-    <p:tnLst>
-      <p:par>
-        <p:cTn id="1" dur="indefinite" restart="never" nodeType="tmRoot"/>
-      </p:par>
-    </p:tnLst>
-  </p:timing>
 </p:sld>
 </file>
 
@@ -5560,10 +5611,9 @@
           <a:lstStyle/>
           <a:p>
             <a:r>
-              <a:rPr lang="en-US" dirty="0" smtClean="0"/>
+              <a:rPr lang="en-US" dirty="0"/>
               <a:t>Technology Plan</a:t>
             </a:r>
-            <a:endParaRPr lang="en-US" dirty="0"/>
           </a:p>
         </p:txBody>
       </p:sp>
@@ -5615,10 +5665,9 @@
                     <a:lstStyle/>
                     <a:p>
                       <a:r>
-                        <a:rPr lang="en-US" dirty="0" smtClean="0"/>
+                        <a:rPr lang="en-US" dirty="0"/>
                         <a:t>Technology</a:t>
                       </a:r>
-                      <a:endParaRPr lang="en-US" dirty="0"/>
                     </a:p>
                   </a:txBody>
                   <a:tcPr/>
@@ -5629,10 +5678,9 @@
                     <a:lstStyle/>
                     <a:p>
                       <a:r>
-                        <a:rPr lang="en-US" dirty="0" smtClean="0"/>
+                        <a:rPr lang="en-US" dirty="0"/>
                         <a:t>Experience Rating</a:t>
                       </a:r>
-                      <a:endParaRPr lang="en-US" dirty="0"/>
                     </a:p>
                   </a:txBody>
                   <a:tcPr/>
@@ -5650,10 +5698,9 @@
                     <a:lstStyle/>
                     <a:p>
                       <a:r>
-                        <a:rPr lang="en-US" dirty="0" smtClean="0"/>
+                        <a:rPr lang="en-US" dirty="0"/>
                         <a:t>Phone App Technologies</a:t>
                       </a:r>
-                      <a:endParaRPr lang="en-US" dirty="0"/>
                     </a:p>
                   </a:txBody>
                   <a:tcPr/>
@@ -5681,10 +5728,9 @@
                     <a:lstStyle/>
                     <a:p>
                       <a:r>
-                        <a:rPr lang="en-US" dirty="0" smtClean="0"/>
+                        <a:rPr lang="en-US" dirty="0"/>
                         <a:t>IOS</a:t>
                       </a:r>
-                      <a:endParaRPr lang="en-US" dirty="0"/>
                     </a:p>
                   </a:txBody>
                   <a:tcPr/>
@@ -5695,10 +5741,9 @@
                     <a:lstStyle/>
                     <a:p>
                       <a:r>
-                        <a:rPr lang="en-US" dirty="0" smtClean="0"/>
+                        <a:rPr lang="en-US" dirty="0"/>
                         <a:t>Tutorial</a:t>
                       </a:r>
-                      <a:endParaRPr lang="en-US" dirty="0"/>
                     </a:p>
                   </a:txBody>
                   <a:tcPr/>
@@ -5716,10 +5761,9 @@
                     <a:lstStyle/>
                     <a:p>
                       <a:r>
-                        <a:rPr lang="en-US" dirty="0" smtClean="0"/>
+                        <a:rPr lang="en-US" dirty="0"/>
                         <a:t>Android</a:t>
                       </a:r>
-                      <a:endParaRPr lang="en-US" dirty="0"/>
                     </a:p>
                   </a:txBody>
                   <a:tcPr/>
@@ -5730,10 +5774,9 @@
                     <a:lstStyle/>
                     <a:p>
                       <a:r>
-                        <a:rPr lang="en-US" dirty="0" smtClean="0"/>
+                        <a:rPr lang="en-US" dirty="0"/>
                         <a:t>None</a:t>
                       </a:r>
-                      <a:endParaRPr lang="en-US" dirty="0"/>
                     </a:p>
                   </a:txBody>
                   <a:tcPr/>
@@ -5751,11 +5794,11 @@
                     <a:lstStyle/>
                     <a:p>
                       <a:r>
-                        <a:rPr lang="en-US" dirty="0" smtClean="0"/>
+                        <a:rPr lang="en-US" dirty="0"/>
                         <a:t>Map</a:t>
                       </a:r>
                       <a:r>
-                        <a:rPr lang="en-US" baseline="0" dirty="0" smtClean="0"/>
+                        <a:rPr lang="en-US" baseline="0" dirty="0"/>
                         <a:t> Technologies</a:t>
                       </a:r>
                       <a:endParaRPr lang="en-US" dirty="0"/>
@@ -5786,10 +5829,9 @@
                     <a:lstStyle/>
                     <a:p>
                       <a:r>
-                        <a:rPr lang="en-US" dirty="0" smtClean="0"/>
+                        <a:rPr lang="en-US" dirty="0"/>
                         <a:t>Google Maps</a:t>
                       </a:r>
-                      <a:endParaRPr lang="en-US" dirty="0"/>
                     </a:p>
                   </a:txBody>
                   <a:tcPr/>
@@ -5800,10 +5842,9 @@
                     <a:lstStyle/>
                     <a:p>
                       <a:r>
-                        <a:rPr lang="en-US" dirty="0" smtClean="0"/>
+                        <a:rPr lang="en-US" dirty="0"/>
                         <a:t>Tutorial</a:t>
                       </a:r>
-                      <a:endParaRPr lang="en-US" dirty="0"/>
                     </a:p>
                   </a:txBody>
                   <a:tcPr/>
@@ -5821,10 +5862,9 @@
                     <a:lstStyle/>
                     <a:p>
                       <a:r>
-                        <a:rPr lang="en-US" dirty="0" smtClean="0"/>
+                        <a:rPr lang="en-US" dirty="0"/>
                         <a:t>Open Layers</a:t>
                       </a:r>
-                      <a:endParaRPr lang="en-US" dirty="0"/>
                     </a:p>
                   </a:txBody>
                   <a:tcPr/>
@@ -5835,7 +5875,7 @@
                     <a:lstStyle/>
                     <a:p>
                       <a:r>
-                        <a:rPr lang="en-US" dirty="0" smtClean="0"/>
+                        <a:rPr lang="en-US" dirty="0"/>
                         <a:t>None</a:t>
                       </a:r>
                     </a:p>
@@ -5855,7 +5895,7 @@
                     <a:lstStyle/>
                     <a:p>
                       <a:r>
-                        <a:rPr lang="en-US" dirty="0" err="1" smtClean="0"/>
+                        <a:rPr lang="en-US" dirty="0" err="1"/>
                         <a:t>OpenStreetMap</a:t>
                       </a:r>
                       <a:endParaRPr lang="en-US" dirty="0"/>
@@ -5869,7 +5909,7 @@
                     <a:lstStyle/>
                     <a:p>
                       <a:r>
-                        <a:rPr lang="en-US" dirty="0" smtClean="0"/>
+                        <a:rPr lang="en-US" dirty="0"/>
                         <a:t>None</a:t>
                       </a:r>
                     </a:p>
@@ -5939,10 +5979,9 @@
           <a:lstStyle/>
           <a:p>
             <a:r>
-              <a:rPr lang="en-US" dirty="0" smtClean="0"/>
+              <a:rPr lang="en-US" dirty="0"/>
               <a:t>Code Monkey</a:t>
             </a:r>
-            <a:endParaRPr lang="en-US" dirty="0"/>
           </a:p>
         </p:txBody>
       </p:sp>
@@ -5969,10 +6008,9 @@
           <a:lstStyle/>
           <a:p>
             <a:r>
-              <a:rPr lang="en-US" dirty="0" smtClean="0"/>
+              <a:rPr lang="en-US" dirty="0"/>
               <a:t>April 5, 2017</a:t>
             </a:r>
-            <a:endParaRPr lang="en-US" dirty="0"/>
           </a:p>
         </p:txBody>
       </p:sp>
@@ -5998,13 +6036,6 @@
       </p:transition>
     </mc:Fallback>
   </mc:AlternateContent>
-  <p:timing>
-    <p:tnLst>
-      <p:par>
-        <p:cTn id="1" dur="indefinite" restart="never" nodeType="tmRoot"/>
-      </p:par>
-    </p:tnLst>
-  </p:timing>
 </p:sld>
 </file>
 
@@ -6041,10 +6072,9 @@
           <a:lstStyle/>
           <a:p>
             <a:r>
-              <a:rPr lang="en-US" dirty="0" smtClean="0"/>
+              <a:rPr lang="en-US" dirty="0"/>
               <a:t>Technology Plan</a:t>
             </a:r>
-            <a:endParaRPr lang="en-US" dirty="0"/>
           </a:p>
         </p:txBody>
       </p:sp>
@@ -6106,10 +6136,9 @@
                     <a:lstStyle/>
                     <a:p>
                       <a:r>
-                        <a:rPr lang="en-US" dirty="0" smtClean="0"/>
+                        <a:rPr lang="en-US" dirty="0"/>
                         <a:t>Experience Rating</a:t>
                       </a:r>
-                      <a:endParaRPr lang="en-US" dirty="0"/>
                     </a:p>
                   </a:txBody>
                   <a:tcPr/>
@@ -6127,10 +6156,9 @@
                     <a:lstStyle/>
                     <a:p>
                       <a:r>
-                        <a:rPr lang="en-US" dirty="0" smtClean="0"/>
+                        <a:rPr lang="en-US" dirty="0"/>
                         <a:t>Application &amp; Web Development</a:t>
                       </a:r>
-                      <a:endParaRPr lang="en-US" dirty="0"/>
                     </a:p>
                   </a:txBody>
                   <a:tcPr/>
@@ -6158,10 +6186,9 @@
                     <a:lstStyle/>
                     <a:p>
                       <a:r>
-                        <a:rPr lang="en-US" dirty="0" smtClean="0"/>
+                        <a:rPr lang="en-US" dirty="0"/>
                         <a:t>Java</a:t>
                       </a:r>
-                      <a:endParaRPr lang="en-US" dirty="0"/>
                     </a:p>
                   </a:txBody>
                   <a:tcPr/>
@@ -6172,10 +6199,9 @@
                     <a:lstStyle/>
                     <a:p>
                       <a:r>
-                        <a:rPr lang="en-US" dirty="0" smtClean="0"/>
+                        <a:rPr lang="en-US" dirty="0"/>
                         <a:t>Small Scale</a:t>
                       </a:r>
-                      <a:endParaRPr lang="en-US" dirty="0"/>
                     </a:p>
                   </a:txBody>
                   <a:tcPr/>
@@ -6193,10 +6219,9 @@
                     <a:lstStyle/>
                     <a:p>
                       <a:r>
-                        <a:rPr lang="en-US" dirty="0" smtClean="0"/>
+                        <a:rPr lang="en-US" dirty="0"/>
                         <a:t>Swift</a:t>
                       </a:r>
-                      <a:endParaRPr lang="en-US" dirty="0"/>
                     </a:p>
                   </a:txBody>
                   <a:tcPr/>
@@ -6207,10 +6232,9 @@
                     <a:lstStyle/>
                     <a:p>
                       <a:r>
-                        <a:rPr lang="en-US" dirty="0" smtClean="0"/>
+                        <a:rPr lang="en-US" dirty="0"/>
                         <a:t>Tutorial</a:t>
                       </a:r>
-                      <a:endParaRPr lang="en-US" dirty="0"/>
                     </a:p>
                   </a:txBody>
                   <a:tcPr/>
@@ -6228,10 +6252,9 @@
                     <a:lstStyle/>
                     <a:p>
                       <a:r>
-                        <a:rPr lang="en-US" dirty="0" smtClean="0"/>
+                        <a:rPr lang="en-US" dirty="0"/>
                         <a:t>HTML 5</a:t>
                       </a:r>
-                      <a:endParaRPr lang="en-US" dirty="0"/>
                     </a:p>
                   </a:txBody>
                   <a:tcPr/>
@@ -6242,10 +6265,9 @@
                     <a:lstStyle/>
                     <a:p>
                       <a:r>
-                        <a:rPr lang="en-US" dirty="0" smtClean="0"/>
+                        <a:rPr lang="en-US" dirty="0"/>
                         <a:t>Small Scale</a:t>
                       </a:r>
-                      <a:endParaRPr lang="en-US" dirty="0"/>
                     </a:p>
                   </a:txBody>
                   <a:tcPr/>
@@ -6263,7 +6285,7 @@
                     <a:lstStyle/>
                     <a:p>
                       <a:r>
-                        <a:rPr lang="en-US" dirty="0" err="1" smtClean="0"/>
+                        <a:rPr lang="en-US" dirty="0" err="1"/>
                         <a:t>Javascript</a:t>
                       </a:r>
                       <a:endParaRPr lang="en-US" dirty="0"/>
@@ -6277,10 +6299,9 @@
                     <a:lstStyle/>
                     <a:p>
                       <a:r>
-                        <a:rPr lang="en-US" dirty="0" smtClean="0"/>
+                        <a:rPr lang="en-US" dirty="0"/>
                         <a:t>Tutorial</a:t>
                       </a:r>
-                      <a:endParaRPr lang="en-US" dirty="0"/>
                     </a:p>
                   </a:txBody>
                   <a:tcPr/>
@@ -6348,10 +6369,9 @@
           <a:lstStyle/>
           <a:p>
             <a:r>
-              <a:rPr lang="en-US" dirty="0" smtClean="0"/>
+              <a:rPr lang="en-US" dirty="0"/>
               <a:t>Code Monkey</a:t>
             </a:r>
-            <a:endParaRPr lang="en-US" dirty="0"/>
           </a:p>
         </p:txBody>
       </p:sp>
@@ -6378,10 +6398,9 @@
           <a:lstStyle/>
           <a:p>
             <a:r>
-              <a:rPr lang="en-US" dirty="0" smtClean="0"/>
+              <a:rPr lang="en-US" dirty="0"/>
               <a:t>April 5, 2017</a:t>
             </a:r>
-            <a:endParaRPr lang="en-US" dirty="0"/>
           </a:p>
         </p:txBody>
       </p:sp>
@@ -6407,13 +6426,6 @@
       </p:transition>
     </mc:Fallback>
   </mc:AlternateContent>
-  <p:timing>
-    <p:tnLst>
-      <p:par>
-        <p:cTn id="1" dur="indefinite" restart="never" nodeType="tmRoot"/>
-      </p:par>
-    </p:tnLst>
-  </p:timing>
 </p:sld>
 </file>
 
@@ -6450,10 +6462,9 @@
           <a:lstStyle/>
           <a:p>
             <a:r>
-              <a:rPr lang="en-US" dirty="0" smtClean="0"/>
+              <a:rPr lang="en-US" dirty="0"/>
               <a:t>Risk Analysis</a:t>
             </a:r>
-            <a:endParaRPr lang="en-US" dirty="0"/>
           </a:p>
         </p:txBody>
       </p:sp>
@@ -6505,10 +6516,9 @@
                     <a:lstStyle/>
                     <a:p>
                       <a:r>
-                        <a:rPr lang="en-US" dirty="0" smtClean="0"/>
+                        <a:rPr lang="en-US" dirty="0"/>
                         <a:t>Risk</a:t>
                       </a:r>
-                      <a:endParaRPr lang="en-US" dirty="0"/>
                     </a:p>
                   </a:txBody>
                   <a:tcPr/>
@@ -6519,10 +6529,9 @@
                     <a:lstStyle/>
                     <a:p>
                       <a:r>
-                        <a:rPr lang="en-US" dirty="0" smtClean="0"/>
+                        <a:rPr lang="en-US" dirty="0"/>
                         <a:t>Mitigation</a:t>
                       </a:r>
-                      <a:endParaRPr lang="en-US" dirty="0"/>
                     </a:p>
                   </a:txBody>
                   <a:tcPr/>
@@ -6540,10 +6549,9 @@
                     <a:lstStyle/>
                     <a:p>
                       <a:r>
-                        <a:rPr lang="en-US" dirty="0" smtClean="0"/>
+                        <a:rPr lang="en-US" dirty="0"/>
                         <a:t>No experience with IOS development</a:t>
                       </a:r>
-                      <a:endParaRPr lang="en-US" dirty="0"/>
                     </a:p>
                   </a:txBody>
                   <a:tcPr/>
@@ -6554,10 +6562,9 @@
                     <a:lstStyle/>
                     <a:p>
                       <a:r>
-                        <a:rPr lang="en-US" dirty="0" smtClean="0"/>
+                        <a:rPr lang="en-US" dirty="0"/>
                         <a:t>Schedule time and work through tutorials</a:t>
                       </a:r>
-                      <a:endParaRPr lang="en-US" dirty="0"/>
                     </a:p>
                   </a:txBody>
                   <a:tcPr/>
@@ -6575,11 +6582,11 @@
                     <a:lstStyle/>
                     <a:p>
                       <a:r>
-                        <a:rPr lang="en-US" dirty="0" smtClean="0"/>
+                        <a:rPr lang="en-US" dirty="0"/>
                         <a:t>No experience with Android</a:t>
                       </a:r>
                       <a:r>
-                        <a:rPr lang="en-US" baseline="0" dirty="0" smtClean="0"/>
+                        <a:rPr lang="en-US" baseline="0" dirty="0"/>
                         <a:t> development</a:t>
                       </a:r>
                       <a:endParaRPr lang="en-US" dirty="0"/>
@@ -6593,11 +6600,11 @@
                     <a:lstStyle/>
                     <a:p>
                       <a:r>
-                        <a:rPr lang="en-US" dirty="0" smtClean="0"/>
+                        <a:rPr lang="en-US" dirty="0"/>
                         <a:t>Schedule time</a:t>
                       </a:r>
                       <a:r>
-                        <a:rPr lang="en-US" baseline="0" dirty="0" smtClean="0"/>
+                        <a:rPr lang="en-US" baseline="0" dirty="0"/>
                         <a:t> and work through tutorials</a:t>
                       </a:r>
                       <a:endParaRPr lang="en-US" dirty="0"/>
@@ -6618,11 +6625,11 @@
                     <a:lstStyle/>
                     <a:p>
                       <a:r>
-                        <a:rPr lang="en-US" dirty="0" smtClean="0"/>
+                        <a:rPr lang="en-US" dirty="0"/>
                         <a:t>Limited experience</a:t>
                       </a:r>
                       <a:r>
-                        <a:rPr lang="en-US" baseline="0" dirty="0" smtClean="0"/>
+                        <a:rPr lang="en-US" baseline="0" dirty="0"/>
                         <a:t> with app development</a:t>
                       </a:r>
                       <a:endParaRPr lang="en-US" dirty="0"/>
@@ -6636,10 +6643,9 @@
                     <a:lstStyle/>
                     <a:p>
                       <a:r>
-                        <a:rPr lang="en-US" dirty="0" smtClean="0"/>
+                        <a:rPr lang="en-US" dirty="0"/>
                         <a:t>Schedule time and work tutorials</a:t>
                       </a:r>
-                      <a:endParaRPr lang="en-US" dirty="0"/>
                     </a:p>
                   </a:txBody>
                   <a:tcPr/>
@@ -6657,10 +6663,9 @@
                     <a:lstStyle/>
                     <a:p>
                       <a:r>
-                        <a:rPr lang="en-US" dirty="0" smtClean="0"/>
+                        <a:rPr lang="en-US" dirty="0"/>
                         <a:t>Team member conflicting schedules</a:t>
                       </a:r>
-                      <a:endParaRPr lang="en-US" dirty="0"/>
                     </a:p>
                   </a:txBody>
                   <a:tcPr/>
@@ -6671,10 +6676,9 @@
                     <a:lstStyle/>
                     <a:p>
                       <a:r>
-                        <a:rPr lang="en-US" dirty="0" smtClean="0"/>
+                        <a:rPr lang="en-US" dirty="0"/>
                         <a:t>Plan meetings for in advance</a:t>
                       </a:r>
-                      <a:endParaRPr lang="en-US" dirty="0"/>
                     </a:p>
                   </a:txBody>
                   <a:tcPr/>
@@ -6692,11 +6696,11 @@
                     <a:lstStyle/>
                     <a:p>
                       <a:r>
-                        <a:rPr lang="en-US" dirty="0" smtClean="0"/>
+                        <a:rPr lang="en-US" dirty="0"/>
                         <a:t>No experience accessing GPS</a:t>
                       </a:r>
                       <a:r>
-                        <a:rPr lang="en-US" baseline="0" dirty="0" smtClean="0"/>
+                        <a:rPr lang="en-US" baseline="0" dirty="0"/>
                         <a:t> in mobile apps</a:t>
                       </a:r>
                       <a:endParaRPr lang="en-US" dirty="0"/>
@@ -6710,10 +6714,9 @@
                     <a:lstStyle/>
                     <a:p>
                       <a:r>
-                        <a:rPr lang="en-US" dirty="0" smtClean="0"/>
+                        <a:rPr lang="en-US" dirty="0"/>
                         <a:t>Schedule time to learn and work through tutorials</a:t>
                       </a:r>
-                      <a:endParaRPr lang="en-US" dirty="0"/>
                     </a:p>
                   </a:txBody>
                   <a:tcPr/>
@@ -6731,11 +6734,11 @@
                     <a:lstStyle/>
                     <a:p>
                       <a:r>
-                        <a:rPr lang="en-US" dirty="0" smtClean="0"/>
+                        <a:rPr lang="en-US" dirty="0"/>
                         <a:t>No experience</a:t>
                       </a:r>
                       <a:r>
-                        <a:rPr lang="en-US" baseline="0" dirty="0" smtClean="0"/>
+                        <a:rPr lang="en-US" baseline="0" dirty="0"/>
                         <a:t> with utilizing Google Maps in mobile apps</a:t>
                       </a:r>
                       <a:endParaRPr lang="en-US" dirty="0"/>
@@ -6749,10 +6752,9 @@
                     <a:lstStyle/>
                     <a:p>
                       <a:r>
-                        <a:rPr lang="en-US" dirty="0" smtClean="0"/>
+                        <a:rPr lang="en-US" dirty="0"/>
                         <a:t>Schedule time to learn and work through tutorials</a:t>
                       </a:r>
-                      <a:endParaRPr lang="en-US" dirty="0"/>
                     </a:p>
                   </a:txBody>
                   <a:tcPr/>
@@ -6820,10 +6822,9 @@
           <a:lstStyle/>
           <a:p>
             <a:r>
-              <a:rPr lang="en-US" dirty="0" smtClean="0"/>
+              <a:rPr lang="en-US" dirty="0"/>
               <a:t>Code Monkey</a:t>
             </a:r>
-            <a:endParaRPr lang="en-US" dirty="0"/>
           </a:p>
         </p:txBody>
       </p:sp>
@@ -6850,10 +6851,9 @@
           <a:lstStyle/>
           <a:p>
             <a:r>
-              <a:rPr lang="en-US" dirty="0" smtClean="0"/>
+              <a:rPr lang="en-US" dirty="0"/>
               <a:t>April 5, 2017</a:t>
             </a:r>
-            <a:endParaRPr lang="en-US" dirty="0"/>
           </a:p>
         </p:txBody>
       </p:sp>
@@ -6879,13 +6879,6 @@
       </p:transition>
     </mc:Fallback>
   </mc:AlternateContent>
-  <p:timing>
-    <p:tnLst>
-      <p:par>
-        <p:cTn id="1" dur="indefinite" restart="never" nodeType="tmRoot"/>
-      </p:par>
-    </p:tnLst>
-  </p:timing>
 </p:sld>
 </file>
 
@@ -6922,10 +6915,9 @@
           <a:lstStyle/>
           <a:p>
             <a:r>
-              <a:rPr lang="en-US" dirty="0" smtClean="0"/>
+              <a:rPr lang="en-US" dirty="0"/>
               <a:t>Effort Estimate</a:t>
             </a:r>
-            <a:endParaRPr lang="en-US" dirty="0"/>
           </a:p>
         </p:txBody>
       </p:sp>
@@ -6991,10 +6983,9 @@
                     <a:lstStyle/>
                     <a:p>
                       <a:r>
-                        <a:rPr lang="en-US" dirty="0" smtClean="0"/>
+                        <a:rPr lang="en-US" dirty="0"/>
                         <a:t>Screen/Report</a:t>
                       </a:r>
-                      <a:endParaRPr lang="en-US" dirty="0"/>
                     </a:p>
                   </a:txBody>
                   <a:tcPr/>
@@ -7005,10 +6996,9 @@
                     <a:lstStyle/>
                     <a:p>
                       <a:r>
-                        <a:rPr lang="en-US" dirty="0" smtClean="0"/>
+                        <a:rPr lang="en-US" dirty="0"/>
                         <a:t>Complexity</a:t>
                       </a:r>
-                      <a:endParaRPr lang="en-US" dirty="0"/>
                     </a:p>
                   </a:txBody>
                   <a:tcPr/>
@@ -7019,10 +7009,9 @@
                     <a:lstStyle/>
                     <a:p>
                       <a:r>
-                        <a:rPr lang="en-US" dirty="0" smtClean="0"/>
+                        <a:rPr lang="en-US" dirty="0"/>
                         <a:t>Object Points</a:t>
                       </a:r>
-                      <a:endParaRPr lang="en-US" dirty="0"/>
                     </a:p>
                   </a:txBody>
                   <a:tcPr/>
@@ -7033,10 +7022,9 @@
                     <a:lstStyle/>
                     <a:p>
                       <a:r>
-                        <a:rPr lang="en-US" dirty="0" smtClean="0"/>
+                        <a:rPr lang="en-US" dirty="0"/>
                         <a:t>Notes</a:t>
                       </a:r>
-                      <a:endParaRPr lang="en-US" dirty="0"/>
                     </a:p>
                   </a:txBody>
                   <a:tcPr/>
@@ -7102,13 +7090,7 @@
                         <a:rPr lang="en-US" dirty="0">
                           <a:effectLst/>
                         </a:rPr>
-                        <a:t>Screen will be constructed by reading Drury location from the data source</a:t>
-                      </a:r>
-                      <a:r>
-                        <a:rPr lang="en-US" dirty="0" smtClean="0">
-                          <a:effectLst/>
-                        </a:rPr>
-                        <a:t>.</a:t>
+                        <a:t>Screen will be constructed by reading Drury location from the data source.</a:t>
                       </a:r>
                     </a:p>
                   </a:txBody>
@@ -7372,10 +7354,9 @@
           <a:lstStyle/>
           <a:p>
             <a:r>
-              <a:rPr lang="en-US" dirty="0" smtClean="0"/>
+              <a:rPr lang="en-US" dirty="0"/>
               <a:t>Code Monkey</a:t>
             </a:r>
-            <a:endParaRPr lang="en-US" dirty="0"/>
           </a:p>
         </p:txBody>
       </p:sp>
@@ -7402,10 +7383,9 @@
           <a:lstStyle/>
           <a:p>
             <a:r>
-              <a:rPr lang="en-US" dirty="0" smtClean="0"/>
+              <a:rPr lang="en-US" dirty="0"/>
               <a:t>April 5, 2017</a:t>
             </a:r>
-            <a:endParaRPr lang="en-US" dirty="0"/>
           </a:p>
         </p:txBody>
       </p:sp>
@@ -7431,13 +7411,6 @@
       </p:transition>
     </mc:Fallback>
   </mc:AlternateContent>
-  <p:timing>
-    <p:tnLst>
-      <p:par>
-        <p:cTn id="1" dur="indefinite" restart="never" nodeType="tmRoot"/>
-      </p:par>
-    </p:tnLst>
-  </p:timing>
 </p:sld>
 </file>
 
@@ -7542,10 +7515,9 @@
                     <a:lstStyle/>
                     <a:p>
                       <a:r>
-                        <a:rPr lang="en-US" dirty="0" smtClean="0"/>
+                        <a:rPr lang="en-US" dirty="0"/>
                         <a:t>Screen/Report</a:t>
                       </a:r>
-                      <a:endParaRPr lang="en-US" dirty="0"/>
                     </a:p>
                   </a:txBody>
                   <a:tcPr/>
@@ -7556,10 +7528,9 @@
                     <a:lstStyle/>
                     <a:p>
                       <a:r>
-                        <a:rPr lang="en-US" dirty="0" smtClean="0"/>
+                        <a:rPr lang="en-US" dirty="0"/>
                         <a:t>Complexity</a:t>
                       </a:r>
-                      <a:endParaRPr lang="en-US" dirty="0"/>
                     </a:p>
                   </a:txBody>
                   <a:tcPr/>
@@ -7570,10 +7541,9 @@
                     <a:lstStyle/>
                     <a:p>
                       <a:r>
-                        <a:rPr lang="en-US" dirty="0" smtClean="0"/>
+                        <a:rPr lang="en-US" dirty="0"/>
                         <a:t>Object Points</a:t>
                       </a:r>
-                      <a:endParaRPr lang="en-US" dirty="0"/>
                     </a:p>
                   </a:txBody>
                   <a:tcPr/>
@@ -7584,10 +7554,9 @@
                     <a:lstStyle/>
                     <a:p>
                       <a:r>
-                        <a:rPr lang="en-US" dirty="0" smtClean="0"/>
+                        <a:rPr lang="en-US" dirty="0"/>
                         <a:t>Notes</a:t>
                       </a:r>
-                      <a:endParaRPr lang="en-US" dirty="0"/>
                     </a:p>
                   </a:txBody>
                   <a:tcPr/>
@@ -7684,44 +7653,23 @@
                         <a:rPr lang="en-US" dirty="0">
                           <a:effectLst/>
                         </a:rPr>
-                        <a:t>1</a:t>
+                        <a:t>1@10</a:t>
                       </a:r>
-                      <a:r>
-                        <a:rPr lang="en-US" dirty="0" smtClean="0">
-                          <a:effectLst/>
-                        </a:rPr>
-                        <a:t>@</a:t>
-                      </a:r>
+                    </a:p>
+                  </a:txBody>
+                  <a:tcPr marL="123825" marR="123825" marT="57150" marB="57150" anchor="ctr"/>
+                </a:tc>
+                <a:tc>
+                  <a:txBody>
+                    <a:bodyPr/>
+                    <a:lstStyle/>
+                    <a:p>
                       <a:r>
                         <a:rPr lang="en-US" dirty="0">
                           <a:effectLst/>
                         </a:rPr>
                         <a:t>10</a:t>
                       </a:r>
-                    </a:p>
-                  </a:txBody>
-                  <a:tcPr marL="123825" marR="123825" marT="57150" marB="57150" anchor="ctr"/>
-                </a:tc>
-                <a:tc>
-                  <a:txBody>
-                    <a:bodyPr/>
-                    <a:lstStyle/>
-                    <a:p>
-                      <a:r>
-                        <a:rPr lang="en-US" dirty="0">
-                          <a:effectLst/>
-                        </a:rPr>
-                        <a:t>1</a:t>
-                      </a:r>
-                      <a:r>
-                        <a:rPr lang="en-US" dirty="0" smtClean="0">
-                          <a:effectLst/>
-                        </a:rPr>
-                        <a:t>0</a:t>
-                      </a:r>
-                      <a:endParaRPr lang="en-US" dirty="0">
-                        <a:effectLst/>
-                      </a:endParaRPr>
                     </a:p>
                   </a:txBody>
                   <a:tcPr marL="123825" marR="123825" marT="57150" marB="57150" anchor="ctr"/>
@@ -7772,44 +7720,23 @@
                         <a:rPr lang="en-US" dirty="0">
                           <a:effectLst/>
                         </a:rPr>
-                        <a:t>2</a:t>
+                        <a:t>2@10</a:t>
                       </a:r>
-                      <a:r>
-                        <a:rPr lang="en-US" dirty="0" smtClean="0">
-                          <a:effectLst/>
-                        </a:rPr>
-                        <a:t>@</a:t>
-                      </a:r>
+                    </a:p>
+                  </a:txBody>
+                  <a:tcPr marL="123825" marR="123825" marT="57150" marB="57150" anchor="ctr"/>
+                </a:tc>
+                <a:tc>
+                  <a:txBody>
+                    <a:bodyPr/>
+                    <a:lstStyle/>
+                    <a:p>
                       <a:r>
                         <a:rPr lang="en-US" dirty="0">
                           <a:effectLst/>
                         </a:rPr>
-                        <a:t>10</a:t>
+                        <a:t>20</a:t>
                       </a:r>
-                    </a:p>
-                  </a:txBody>
-                  <a:tcPr marL="123825" marR="123825" marT="57150" marB="57150" anchor="ctr"/>
-                </a:tc>
-                <a:tc>
-                  <a:txBody>
-                    <a:bodyPr/>
-                    <a:lstStyle/>
-                    <a:p>
-                      <a:r>
-                        <a:rPr lang="en-US" dirty="0">
-                          <a:effectLst/>
-                        </a:rPr>
-                        <a:t>2</a:t>
-                      </a:r>
-                      <a:r>
-                        <a:rPr lang="en-US" dirty="0" smtClean="0">
-                          <a:effectLst/>
-                        </a:rPr>
-                        <a:t>0</a:t>
-                      </a:r>
-                      <a:endParaRPr lang="en-US" dirty="0">
-                        <a:effectLst/>
-                      </a:endParaRPr>
                     </a:p>
                   </a:txBody>
                   <a:tcPr marL="123825" marR="123825" marT="57150" marB="57150" anchor="ctr"/>
@@ -7869,14 +7796,11 @@
                     <a:lstStyle/>
                     <a:p>
                       <a:r>
-                        <a:rPr lang="en-US" dirty="0" smtClean="0">
+                        <a:rPr lang="en-US" dirty="0">
                           <a:effectLst/>
                         </a:rPr>
                         <a:t>34</a:t>
                       </a:r>
-                      <a:endParaRPr lang="en-US" dirty="0">
-                        <a:effectLst/>
-                      </a:endParaRPr>
                     </a:p>
                   </a:txBody>
                   <a:tcPr marL="123825" marR="123825" marT="57150" marB="57150" anchor="ctr"/>
@@ -7959,10 +7883,9 @@
           <a:lstStyle/>
           <a:p>
             <a:r>
-              <a:rPr lang="en-US" dirty="0" smtClean="0"/>
+              <a:rPr lang="en-US" dirty="0"/>
               <a:t>Code Monkey</a:t>
             </a:r>
-            <a:endParaRPr lang="en-US" dirty="0"/>
           </a:p>
         </p:txBody>
       </p:sp>
@@ -7989,10 +7912,9 @@
           <a:lstStyle/>
           <a:p>
             <a:r>
-              <a:rPr lang="en-US" dirty="0" smtClean="0"/>
+              <a:rPr lang="en-US" dirty="0"/>
               <a:t>April 5, 2017</a:t>
             </a:r>
-            <a:endParaRPr lang="en-US" dirty="0"/>
           </a:p>
         </p:txBody>
       </p:sp>
@@ -8018,13 +7940,6 @@
       </p:transition>
     </mc:Fallback>
   </mc:AlternateContent>
-  <p:timing>
-    <p:tnLst>
-      <p:par>
-        <p:cTn id="1" dur="indefinite" restart="never" nodeType="tmRoot"/>
-      </p:par>
-    </p:tnLst>
-  </p:timing>
 </p:sld>
 </file>
 
@@ -8061,10 +7976,9 @@
           <a:lstStyle/>
           <a:p>
             <a:r>
-              <a:rPr lang="en-US" dirty="0" smtClean="0"/>
+              <a:rPr lang="en-US" dirty="0"/>
               <a:t>Effort Estimate</a:t>
             </a:r>
-            <a:endParaRPr lang="en-US" dirty="0"/>
           </a:p>
         </p:txBody>
       </p:sp>
@@ -8164,12 +8078,8 @@
               <a:t>Effort(PM) = 159/10 = 15.9 person </a:t>
             </a:r>
             <a:r>
-              <a:rPr lang="en-US" dirty="0" err="1" smtClean="0"/>
-              <a:t>months</a:t>
-            </a:r>
-            <a:r>
               <a:rPr lang="en-US" dirty="0" err="1"/>
-              <a:t>Productivity</a:t>
+              <a:t>monthsProductivity</a:t>
             </a:r>
             <a:r>
               <a:rPr lang="en-US" dirty="0"/>
@@ -8243,13 +8153,8 @@
             <a:pPr lvl="1"/>
             <a:r>
               <a:rPr lang="en-US" dirty="0"/>
-              <a:t>Effort(PM) = 159/10 = 15.9 person </a:t>
-            </a:r>
-            <a:r>
-              <a:rPr lang="en-US" dirty="0" smtClean="0"/>
-              <a:t>months</a:t>
-            </a:r>
-            <a:endParaRPr lang="en-US" dirty="0"/>
+              <a:t>Effort(PM) = 159/10 = 15.9 person months</a:t>
+            </a:r>
           </a:p>
         </p:txBody>
       </p:sp>
@@ -8306,10 +8211,9 @@
           <a:lstStyle/>
           <a:p>
             <a:r>
-              <a:rPr lang="en-US" dirty="0" smtClean="0"/>
+              <a:rPr lang="en-US" dirty="0"/>
               <a:t>Code Monkey</a:t>
             </a:r>
-            <a:endParaRPr lang="en-US" dirty="0"/>
           </a:p>
         </p:txBody>
       </p:sp>
@@ -8336,10 +8240,9 @@
           <a:lstStyle/>
           <a:p>
             <a:r>
-              <a:rPr lang="en-US" dirty="0" smtClean="0"/>
+              <a:rPr lang="en-US" dirty="0"/>
               <a:t>April 5, 2017</a:t>
             </a:r>
-            <a:endParaRPr lang="en-US" dirty="0"/>
           </a:p>
         </p:txBody>
       </p:sp>
@@ -8365,13 +8268,6 @@
       </p:transition>
     </mc:Fallback>
   </mc:AlternateContent>
-  <p:timing>
-    <p:tnLst>
-      <p:par>
-        <p:cTn id="1" dur="indefinite" restart="never" nodeType="tmRoot"/>
-      </p:par>
-    </p:tnLst>
-  </p:timing>
 </p:sld>
 </file>
 
